--- a/Document/타로 상세 설계서.pptx
+++ b/Document/타로 상세 설계서.pptx
@@ -7,15 +7,23 @@
   <p:sldIdLst>
     <p:sldId id="256" r:id="rId2"/>
     <p:sldId id="257" r:id="rId3"/>
-    <p:sldId id="265" r:id="rId4"/>
-    <p:sldId id="259" r:id="rId5"/>
-    <p:sldId id="260" r:id="rId6"/>
-    <p:sldId id="261" r:id="rId7"/>
-    <p:sldId id="262" r:id="rId8"/>
-    <p:sldId id="263" r:id="rId9"/>
+    <p:sldId id="269" r:id="rId4"/>
+    <p:sldId id="265" r:id="rId5"/>
+    <p:sldId id="259" r:id="rId6"/>
+    <p:sldId id="260" r:id="rId7"/>
+    <p:sldId id="277" r:id="rId8"/>
+    <p:sldId id="278" r:id="rId9"/>
     <p:sldId id="266" r:id="rId10"/>
     <p:sldId id="268" r:id="rId11"/>
     <p:sldId id="267" r:id="rId12"/>
+    <p:sldId id="273" r:id="rId13"/>
+    <p:sldId id="272" r:id="rId14"/>
+    <p:sldId id="276" r:id="rId15"/>
+    <p:sldId id="270" r:id="rId16"/>
+    <p:sldId id="271" r:id="rId17"/>
+    <p:sldId id="275" r:id="rId18"/>
+    <p:sldId id="279" r:id="rId19"/>
+    <p:sldId id="280" r:id="rId20"/>
   </p:sldIdLst>
   <p:sldSz cx="12192000" cy="6858000"/>
   <p:notesSz cx="6858000" cy="9144000"/>
@@ -269,7 +277,7 @@
           <a:p>
             <a:fld id="{11147D0B-5089-4B30-A7F9-0E274C569803}" type="datetimeFigureOut">
               <a:rPr lang="ko-KR" altLang="en-US" smtClean="0"/>
-              <a:t>2023-07-04</a:t>
+              <a:t>2023-07-11</a:t>
             </a:fld>
             <a:endParaRPr lang="ko-KR" altLang="en-US"/>
           </a:p>
@@ -467,7 +475,7 @@
           <a:p>
             <a:fld id="{11147D0B-5089-4B30-A7F9-0E274C569803}" type="datetimeFigureOut">
               <a:rPr lang="ko-KR" altLang="en-US" smtClean="0"/>
-              <a:t>2023-07-04</a:t>
+              <a:t>2023-07-11</a:t>
             </a:fld>
             <a:endParaRPr lang="ko-KR" altLang="en-US"/>
           </a:p>
@@ -675,7 +683,7 @@
           <a:p>
             <a:fld id="{11147D0B-5089-4B30-A7F9-0E274C569803}" type="datetimeFigureOut">
               <a:rPr lang="ko-KR" altLang="en-US" smtClean="0"/>
-              <a:t>2023-07-04</a:t>
+              <a:t>2023-07-11</a:t>
             </a:fld>
             <a:endParaRPr lang="ko-KR" altLang="en-US"/>
           </a:p>
@@ -873,7 +881,7 @@
           <a:p>
             <a:fld id="{11147D0B-5089-4B30-A7F9-0E274C569803}" type="datetimeFigureOut">
               <a:rPr lang="ko-KR" altLang="en-US" smtClean="0"/>
-              <a:t>2023-07-04</a:t>
+              <a:t>2023-07-11</a:t>
             </a:fld>
             <a:endParaRPr lang="ko-KR" altLang="en-US"/>
           </a:p>
@@ -1148,7 +1156,7 @@
           <a:p>
             <a:fld id="{11147D0B-5089-4B30-A7F9-0E274C569803}" type="datetimeFigureOut">
               <a:rPr lang="ko-KR" altLang="en-US" smtClean="0"/>
-              <a:t>2023-07-04</a:t>
+              <a:t>2023-07-11</a:t>
             </a:fld>
             <a:endParaRPr lang="ko-KR" altLang="en-US"/>
           </a:p>
@@ -1413,7 +1421,7 @@
           <a:p>
             <a:fld id="{11147D0B-5089-4B30-A7F9-0E274C569803}" type="datetimeFigureOut">
               <a:rPr lang="ko-KR" altLang="en-US" smtClean="0"/>
-              <a:t>2023-07-04</a:t>
+              <a:t>2023-07-11</a:t>
             </a:fld>
             <a:endParaRPr lang="ko-KR" altLang="en-US"/>
           </a:p>
@@ -1825,7 +1833,7 @@
           <a:p>
             <a:fld id="{11147D0B-5089-4B30-A7F9-0E274C569803}" type="datetimeFigureOut">
               <a:rPr lang="ko-KR" altLang="en-US" smtClean="0"/>
-              <a:t>2023-07-04</a:t>
+              <a:t>2023-07-11</a:t>
             </a:fld>
             <a:endParaRPr lang="ko-KR" altLang="en-US"/>
           </a:p>
@@ -1966,7 +1974,7 @@
           <a:p>
             <a:fld id="{11147D0B-5089-4B30-A7F9-0E274C569803}" type="datetimeFigureOut">
               <a:rPr lang="ko-KR" altLang="en-US" smtClean="0"/>
-              <a:t>2023-07-04</a:t>
+              <a:t>2023-07-11</a:t>
             </a:fld>
             <a:endParaRPr lang="ko-KR" altLang="en-US"/>
           </a:p>
@@ -2079,7 +2087,7 @@
           <a:p>
             <a:fld id="{11147D0B-5089-4B30-A7F9-0E274C569803}" type="datetimeFigureOut">
               <a:rPr lang="ko-KR" altLang="en-US" smtClean="0"/>
-              <a:t>2023-07-04</a:t>
+              <a:t>2023-07-11</a:t>
             </a:fld>
             <a:endParaRPr lang="ko-KR" altLang="en-US"/>
           </a:p>
@@ -2390,7 +2398,7 @@
           <a:p>
             <a:fld id="{11147D0B-5089-4B30-A7F9-0E274C569803}" type="datetimeFigureOut">
               <a:rPr lang="ko-KR" altLang="en-US" smtClean="0"/>
-              <a:t>2023-07-04</a:t>
+              <a:t>2023-07-11</a:t>
             </a:fld>
             <a:endParaRPr lang="ko-KR" altLang="en-US"/>
           </a:p>
@@ -2678,7 +2686,7 @@
           <a:p>
             <a:fld id="{11147D0B-5089-4B30-A7F9-0E274C569803}" type="datetimeFigureOut">
               <a:rPr lang="ko-KR" altLang="en-US" smtClean="0"/>
-              <a:t>2023-07-04</a:t>
+              <a:t>2023-07-11</a:t>
             </a:fld>
             <a:endParaRPr lang="ko-KR" altLang="en-US"/>
           </a:p>
@@ -2919,7 +2927,7 @@
           <a:p>
             <a:fld id="{11147D0B-5089-4B30-A7F9-0E274C569803}" type="datetimeFigureOut">
               <a:rPr lang="ko-KR" altLang="en-US" smtClean="0"/>
-              <a:t>2023-07-04</a:t>
+              <a:t>2023-07-11</a:t>
             </a:fld>
             <a:endParaRPr lang="ko-KR" altLang="en-US"/>
           </a:p>
@@ -3399,7 +3407,7 @@
             </a:r>
             <a:r>
               <a:rPr lang="en-US" altLang="ko-KR" dirty="0"/>
-              <a:t>: 2023.07.03</a:t>
+              <a:t>: 2023.07.10</a:t>
             </a:r>
           </a:p>
         </p:txBody>
@@ -3449,7 +3457,7 @@
         <p:spPr>
           <a:xfrm>
             <a:off x="838200" y="2806263"/>
-            <a:ext cx="8903271" cy="3362780"/>
+            <a:ext cx="8903271" cy="2947282"/>
           </a:xfrm>
           <a:prstGeom prst="rect">
             <a:avLst/>
@@ -3473,23 +3481,7 @@
             </a:r>
             <a:r>
               <a:rPr lang="en-US" altLang="ko-KR" dirty="0"/>
-              <a:t>. Ex) </a:t>
-            </a:r>
-            <a:r>
-              <a:rPr lang="ko-KR" altLang="en-US" dirty="0"/>
-              <a:t>메인 페이지</a:t>
-            </a:r>
-            <a:r>
-              <a:rPr lang="en-US" altLang="ko-KR" dirty="0"/>
-              <a:t>, </a:t>
-            </a:r>
-            <a:r>
-              <a:rPr lang="ko-KR" altLang="en-US" dirty="0"/>
-              <a:t>설정 페이지 등등</a:t>
-            </a:r>
-            <a:r>
-              <a:rPr lang="en-US" altLang="ko-KR" dirty="0"/>
-              <a:t>..</a:t>
+              <a:t>. </a:t>
             </a:r>
           </a:p>
           <a:p>
@@ -3498,86 +3490,7 @@
                 <a:spcPct val="150000"/>
               </a:lnSpc>
             </a:pPr>
-            <a:r>
-              <a:rPr lang="ko-KR" altLang="en-US" dirty="0" err="1"/>
-              <a:t>메인이</a:t>
-            </a:r>
-            <a:r>
-              <a:rPr lang="ko-KR" altLang="en-US" dirty="0"/>
-              <a:t> 되는 </a:t>
-            </a:r>
-            <a:r>
-              <a:rPr lang="ko-KR" altLang="en-US" dirty="0" err="1"/>
-              <a:t>윈폼에</a:t>
-            </a:r>
-            <a:r>
-              <a:rPr lang="ko-KR" altLang="en-US" dirty="0"/>
-              <a:t> </a:t>
-            </a:r>
-            <a:r>
-              <a:rPr lang="en-US" altLang="ko-KR" dirty="0"/>
-              <a:t>Panel </a:t>
-            </a:r>
-            <a:r>
-              <a:rPr lang="ko-KR" altLang="en-US" dirty="0"/>
-              <a:t>하나를 넣은 뒤</a:t>
-            </a:r>
-            <a:r>
-              <a:rPr lang="en-US" altLang="ko-KR" dirty="0"/>
-              <a:t>, </a:t>
-            </a:r>
-            <a:r>
-              <a:rPr lang="ko-KR" altLang="en-US" dirty="0"/>
-              <a:t>화면전환이 필요할 때</a:t>
-            </a:r>
             <a:endParaRPr lang="en-US" altLang="ko-KR" dirty="0"/>
-          </a:p>
-          <a:p>
-            <a:pPr>
-              <a:lnSpc>
-                <a:spcPct val="150000"/>
-              </a:lnSpc>
-            </a:pPr>
-            <a:r>
-              <a:rPr lang="en-US" altLang="ko-KR" dirty="0" err="1"/>
-              <a:t>Panel.Controls.Clear</a:t>
-            </a:r>
-            <a:r>
-              <a:rPr lang="en-US" altLang="ko-KR" dirty="0"/>
-              <a:t>() </a:t>
-            </a:r>
-            <a:r>
-              <a:rPr lang="ko-KR" altLang="en-US" dirty="0"/>
-              <a:t>호출 후</a:t>
-            </a:r>
-            <a:r>
-              <a:rPr lang="en-US" altLang="ko-KR" dirty="0"/>
-              <a:t>, </a:t>
-            </a:r>
-            <a:r>
-              <a:rPr lang="en-US" altLang="ko-KR" dirty="0" err="1"/>
-              <a:t>Panel.Controls.Add</a:t>
-            </a:r>
-            <a:r>
-              <a:rPr lang="en-US" altLang="ko-KR" dirty="0"/>
-              <a:t>( </a:t>
-            </a:r>
-            <a:r>
-              <a:rPr lang="ko-KR" altLang="en-US" dirty="0"/>
-              <a:t>메인 페이지 </a:t>
-            </a:r>
-            <a:r>
-              <a:rPr lang="en-US" altLang="ko-KR" dirty="0"/>
-              <a:t>) </a:t>
-            </a:r>
-            <a:r>
-              <a:rPr lang="ko-KR" altLang="en-US" dirty="0"/>
-              <a:t>를 통해 전환한다</a:t>
-            </a:r>
-            <a:r>
-              <a:rPr lang="en-US" altLang="ko-KR" dirty="0"/>
-              <a:t>.</a:t>
-            </a:r>
           </a:p>
           <a:p>
             <a:pPr>
@@ -3753,8 +3666,8 @@
         </p:nvSpPr>
         <p:spPr>
           <a:xfrm>
-            <a:off x="838200" y="2806263"/>
-            <a:ext cx="5718168" cy="1285288"/>
+            <a:off x="838199" y="2806263"/>
+            <a:ext cx="6382407" cy="2947282"/>
           </a:xfrm>
           <a:prstGeom prst="rect">
             <a:avLst/>
@@ -3762,7 +3675,7 @@
           <a:noFill/>
         </p:spPr>
         <p:txBody>
-          <a:bodyPr wrap="none" rtlCol="0">
+          <a:bodyPr wrap="square" rtlCol="0">
             <a:spAutoFit/>
           </a:bodyPr>
           <a:lstStyle/>
@@ -3778,16 +3691,9 @@
             </a:r>
             <a:r>
               <a:rPr lang="ko-KR" altLang="en-US" dirty="0"/>
-              <a:t>컨트롤을 </a:t>
-            </a:r>
-            <a:r>
-              <a:rPr lang="ko-KR" altLang="en-US" dirty="0" err="1"/>
-              <a:t>갖고있음</a:t>
-            </a:r>
-            <a:r>
-              <a:rPr lang="en-US" altLang="ko-KR" dirty="0"/>
-              <a:t>.</a:t>
-            </a:r>
+              <a:t>컨트롤을 포함하며</a:t>
+            </a:r>
+            <a:endParaRPr lang="en-US" altLang="ko-KR" dirty="0"/>
           </a:p>
           <a:p>
             <a:pPr>
@@ -3796,14 +3702,13 @@
               </a:lnSpc>
             </a:pPr>
             <a:r>
-              <a:rPr lang="en-US" altLang="ko-KR" dirty="0" err="1"/>
-              <a:t>CardData</a:t>
-            </a:r>
-            <a:r>
-              <a:rPr lang="ko-KR" altLang="en-US" dirty="0"/>
-              <a:t>로 초기화하며 모든 값을 멤버변수로 가져옴</a:t>
-            </a:r>
-            <a:endParaRPr lang="en-US" altLang="ko-KR" dirty="0"/>
+              <a:rPr lang="ko-KR" altLang="en-US" dirty="0"/>
+              <a:t>카드 설명</a:t>
+            </a:r>
+            <a:r>
+              <a:rPr lang="en-US" altLang="ko-KR" dirty="0"/>
+              <a:t>,</a:t>
+            </a:r>
           </a:p>
           <a:p>
             <a:pPr>
@@ -3813,16 +3718,56 @@
             </a:pPr>
             <a:r>
               <a:rPr lang="ko-KR" altLang="en-US" dirty="0"/>
-              <a:t>이미지는 </a:t>
-            </a:r>
-            <a:r>
-              <a:rPr lang="en-US" altLang="ko-KR" dirty="0"/>
-              <a:t>Clone</a:t>
-            </a:r>
-            <a:r>
-              <a:rPr lang="ko-KR" altLang="en-US" dirty="0"/>
-              <a:t>으로 가져옴</a:t>
-            </a:r>
+              <a:t>뒤집혀 있는지 여부 </a:t>
+            </a:r>
+            <a:r>
+              <a:rPr lang="en-US" altLang="ko-KR" dirty="0"/>
+              <a:t>( </a:t>
+            </a:r>
+            <a:r>
+              <a:rPr lang="ko-KR" altLang="en-US" dirty="0"/>
+              <a:t>정해지지 않은 카드 여부 </a:t>
+            </a:r>
+            <a:r>
+              <a:rPr lang="en-US" altLang="ko-KR" dirty="0"/>
+              <a:t>)</a:t>
+            </a:r>
+            <a:r>
+              <a:rPr lang="ko-KR" altLang="en-US" dirty="0"/>
+              <a:t>을 변수로 저장</a:t>
+            </a:r>
+            <a:endParaRPr lang="en-US" altLang="ko-KR" dirty="0"/>
+          </a:p>
+          <a:p>
+            <a:pPr>
+              <a:lnSpc>
+                <a:spcPct val="150000"/>
+              </a:lnSpc>
+            </a:pPr>
+            <a:endParaRPr lang="en-US" altLang="ko-KR" dirty="0"/>
+          </a:p>
+          <a:p>
+            <a:pPr>
+              <a:lnSpc>
+                <a:spcPct val="150000"/>
+              </a:lnSpc>
+            </a:pPr>
+            <a:r>
+              <a:rPr lang="en-US" altLang="ko-KR" dirty="0" err="1"/>
+              <a:t>SetDegree</a:t>
+            </a:r>
+            <a:r>
+              <a:rPr lang="ko-KR" altLang="en-US" dirty="0"/>
+              <a:t>를 통해 각도 조절 메서드 제공</a:t>
+            </a:r>
+            <a:endParaRPr lang="en-US" altLang="ko-KR" dirty="0"/>
+          </a:p>
+          <a:p>
+            <a:pPr>
+              <a:lnSpc>
+                <a:spcPct val="150000"/>
+              </a:lnSpc>
+            </a:pPr>
             <a:endParaRPr lang="en-US" altLang="ko-KR" dirty="0"/>
           </a:p>
         </p:txBody>
@@ -3879,6 +3824,2526 @@
     <p:extLst>
       <p:ext uri="{BB962C8B-B14F-4D97-AF65-F5344CB8AC3E}">
         <p14:creationId xmlns:p14="http://schemas.microsoft.com/office/powerpoint/2010/main" val="642064528"/>
+      </p:ext>
+    </p:extLst>
+  </p:cSld>
+  <p:clrMapOvr>
+    <a:masterClrMapping/>
+  </p:clrMapOvr>
+</p:sld>
+</file>
+
+<file path=ppt/slides/slide12.xml><?xml version="1.0" encoding="utf-8"?>
+<p:sld xmlns:a="http://schemas.openxmlformats.org/drawingml/2006/main" xmlns:r="http://schemas.openxmlformats.org/officeDocument/2006/relationships" xmlns:p="http://schemas.openxmlformats.org/presentationml/2006/main">
+  <p:cSld>
+    <p:spTree>
+      <p:nvGrpSpPr>
+        <p:cNvPr id="1" name=""/>
+        <p:cNvGrpSpPr/>
+        <p:nvPr/>
+      </p:nvGrpSpPr>
+      <p:grpSpPr>
+        <a:xfrm>
+          <a:off x="0" y="0"/>
+          <a:ext cx="0" cy="0"/>
+          <a:chOff x="0" y="0"/>
+          <a:chExt cx="0" cy="0"/>
+        </a:xfrm>
+      </p:grpSpPr>
+      <p:sp>
+        <p:nvSpPr>
+          <p:cNvPr id="2" name="제목 1">
+            <a:extLst>
+              <a:ext uri="{FF2B5EF4-FFF2-40B4-BE49-F238E27FC236}">
+                <a16:creationId xmlns:a16="http://schemas.microsoft.com/office/drawing/2014/main" id="{4E4D6850-8629-08EE-29A6-E3E8C1C7D1F7}"/>
+              </a:ext>
+            </a:extLst>
+          </p:cNvPr>
+          <p:cNvSpPr>
+            <a:spLocks noGrp="1"/>
+          </p:cNvSpPr>
+          <p:nvPr>
+            <p:ph type="title"/>
+          </p:nvPr>
+        </p:nvSpPr>
+        <p:spPr>
+          <a:xfrm>
+            <a:off x="838200" y="365125"/>
+            <a:ext cx="10515600" cy="1325563"/>
+          </a:xfrm>
+        </p:spPr>
+        <p:txBody>
+          <a:bodyPr/>
+          <a:lstStyle/>
+          <a:p>
+            <a:r>
+              <a:rPr lang="en-US" altLang="ko-KR" dirty="0" err="1"/>
+              <a:t>TaroForm</a:t>
+            </a:r>
+            <a:r>
+              <a:rPr lang="ko-KR" altLang="en-US" dirty="0"/>
+              <a:t> </a:t>
+            </a:r>
+            <a:r>
+              <a:rPr lang="en-US" altLang="ko-KR" dirty="0"/>
+              <a:t>(</a:t>
+            </a:r>
+            <a:r>
+              <a:rPr lang="ko-KR" altLang="en-US" dirty="0"/>
+              <a:t> </a:t>
+            </a:r>
+            <a:r>
+              <a:rPr lang="ko-KR" altLang="en-US" dirty="0" err="1"/>
+              <a:t>메인폼</a:t>
+            </a:r>
+            <a:r>
+              <a:rPr lang="ko-KR" altLang="en-US" dirty="0"/>
+              <a:t> </a:t>
+            </a:r>
+            <a:r>
+              <a:rPr lang="en-US" altLang="ko-KR" dirty="0"/>
+              <a:t>)</a:t>
+            </a:r>
+            <a:endParaRPr lang="ko-KR" altLang="en-US" dirty="0"/>
+          </a:p>
+        </p:txBody>
+      </p:sp>
+      <p:sp>
+        <p:nvSpPr>
+          <p:cNvPr id="3" name="TextBox 2">
+            <a:extLst>
+              <a:ext uri="{FF2B5EF4-FFF2-40B4-BE49-F238E27FC236}">
+                <a16:creationId xmlns:a16="http://schemas.microsoft.com/office/drawing/2014/main" id="{AB46C859-926E-D72A-17DA-64AA25EB0430}"/>
+              </a:ext>
+            </a:extLst>
+          </p:cNvPr>
+          <p:cNvSpPr txBox="1"/>
+          <p:nvPr/>
+        </p:nvSpPr>
+        <p:spPr>
+          <a:xfrm>
+            <a:off x="838199" y="2806263"/>
+            <a:ext cx="9645870" cy="2947282"/>
+          </a:xfrm>
+          <a:prstGeom prst="rect">
+            <a:avLst/>
+          </a:prstGeom>
+          <a:noFill/>
+        </p:spPr>
+        <p:txBody>
+          <a:bodyPr wrap="square" rtlCol="0">
+            <a:spAutoFit/>
+          </a:bodyPr>
+          <a:lstStyle/>
+          <a:p>
+            <a:pPr>
+              <a:lnSpc>
+                <a:spcPct val="150000"/>
+              </a:lnSpc>
+            </a:pPr>
+            <a:r>
+              <a:rPr lang="ko-KR" altLang="en-US" dirty="0"/>
+              <a:t>프로그램의 전체 틀</a:t>
+            </a:r>
+            <a:r>
+              <a:rPr lang="en-US" altLang="ko-KR" dirty="0"/>
+              <a:t>.</a:t>
+            </a:r>
+          </a:p>
+          <a:p>
+            <a:pPr>
+              <a:lnSpc>
+                <a:spcPct val="150000"/>
+              </a:lnSpc>
+            </a:pPr>
+            <a:endParaRPr lang="en-US" altLang="ko-KR" dirty="0"/>
+          </a:p>
+          <a:p>
+            <a:pPr>
+              <a:lnSpc>
+                <a:spcPct val="150000"/>
+              </a:lnSpc>
+            </a:pPr>
+            <a:r>
+              <a:rPr lang="en-US" altLang="ko-KR" dirty="0" err="1"/>
+              <a:t>StudioScreen</a:t>
+            </a:r>
+            <a:r>
+              <a:rPr lang="ko-KR" altLang="en-US" dirty="0"/>
+              <a:t>을 배치할 패널</a:t>
+            </a:r>
+            <a:r>
+              <a:rPr lang="en-US" altLang="ko-KR" dirty="0"/>
+              <a:t>, </a:t>
+            </a:r>
+            <a:r>
+              <a:rPr lang="ko-KR" altLang="en-US" dirty="0" err="1"/>
+              <a:t>툴바가</a:t>
+            </a:r>
+            <a:r>
+              <a:rPr lang="ko-KR" altLang="en-US" dirty="0"/>
+              <a:t> 들어가 있다</a:t>
+            </a:r>
+            <a:r>
+              <a:rPr lang="en-US" altLang="ko-KR" dirty="0"/>
+              <a:t>.</a:t>
+            </a:r>
+          </a:p>
+          <a:p>
+            <a:pPr>
+              <a:lnSpc>
+                <a:spcPct val="150000"/>
+              </a:lnSpc>
+            </a:pPr>
+            <a:r>
+              <a:rPr lang="ko-KR" altLang="en-US" dirty="0"/>
+              <a:t>프로그램이 시작할 때 </a:t>
+            </a:r>
+            <a:r>
+              <a:rPr lang="en-US" altLang="ko-KR" dirty="0" err="1"/>
+              <a:t>XMLParser</a:t>
+            </a:r>
+            <a:r>
+              <a:rPr lang="ko-KR" altLang="en-US" dirty="0"/>
+              <a:t>로 현재 존재하는 </a:t>
+            </a:r>
+            <a:r>
+              <a:rPr lang="ko-KR" altLang="en-US" dirty="0" err="1"/>
+              <a:t>덱의</a:t>
+            </a:r>
+            <a:r>
+              <a:rPr lang="ko-KR" altLang="en-US" dirty="0"/>
+              <a:t> 이름만 읽어 </a:t>
+            </a:r>
+            <a:r>
+              <a:rPr lang="en-US" altLang="ko-KR" dirty="0"/>
+              <a:t>List</a:t>
+            </a:r>
+            <a:r>
+              <a:rPr lang="ko-KR" altLang="en-US" dirty="0"/>
+              <a:t>로 </a:t>
+            </a:r>
+            <a:r>
+              <a:rPr lang="en-US" altLang="ko-KR" dirty="0" err="1"/>
+              <a:t>CardCach</a:t>
+            </a:r>
+            <a:r>
+              <a:rPr lang="ko-KR" altLang="en-US" dirty="0"/>
+              <a:t>에 </a:t>
+            </a:r>
+            <a:endParaRPr lang="en-US" altLang="ko-KR" dirty="0"/>
+          </a:p>
+          <a:p>
+            <a:pPr>
+              <a:lnSpc>
+                <a:spcPct val="150000"/>
+              </a:lnSpc>
+            </a:pPr>
+            <a:r>
+              <a:rPr lang="ko-KR" altLang="en-US" dirty="0"/>
+              <a:t>저장한다</a:t>
+            </a:r>
+            <a:r>
+              <a:rPr lang="en-US" altLang="ko-KR" dirty="0"/>
+              <a:t>.</a:t>
+            </a:r>
+          </a:p>
+          <a:p>
+            <a:pPr>
+              <a:lnSpc>
+                <a:spcPct val="150000"/>
+              </a:lnSpc>
+            </a:pPr>
+            <a:r>
+              <a:rPr lang="en-US" altLang="ko-KR" dirty="0" err="1"/>
+              <a:t>StudioScreen</a:t>
+            </a:r>
+            <a:r>
+              <a:rPr lang="ko-KR" altLang="en-US" dirty="0"/>
+              <a:t>을 생성하여 패널에 배치하고</a:t>
+            </a:r>
+            <a:r>
+              <a:rPr lang="en-US" altLang="ko-KR" dirty="0"/>
+              <a:t>, </a:t>
+            </a:r>
+            <a:r>
+              <a:rPr lang="ko-KR" altLang="en-US" dirty="0" err="1"/>
+              <a:t>툴바의</a:t>
+            </a:r>
+            <a:r>
+              <a:rPr lang="ko-KR" altLang="en-US" dirty="0"/>
+              <a:t> 작업이 </a:t>
+            </a:r>
+            <a:r>
+              <a:rPr lang="en-US" altLang="ko-KR" dirty="0"/>
+              <a:t>Studio</a:t>
+            </a:r>
+            <a:r>
+              <a:rPr lang="ko-KR" altLang="en-US" dirty="0"/>
+              <a:t>에 영향을 끼쳐야 되면</a:t>
+            </a:r>
+            <a:endParaRPr lang="en-US" altLang="ko-KR" dirty="0"/>
+          </a:p>
+          <a:p>
+            <a:pPr>
+              <a:lnSpc>
+                <a:spcPct val="150000"/>
+              </a:lnSpc>
+            </a:pPr>
+            <a:r>
+              <a:rPr lang="en-US" altLang="ko-KR" dirty="0" err="1"/>
+              <a:t>StudioScreen</a:t>
+            </a:r>
+            <a:r>
+              <a:rPr lang="ko-KR" altLang="en-US" dirty="0"/>
+              <a:t>의 메서드를 호출하여 상호작용한다</a:t>
+            </a:r>
+            <a:r>
+              <a:rPr lang="en-US" altLang="ko-KR" dirty="0"/>
+              <a:t>.</a:t>
+            </a:r>
+          </a:p>
+        </p:txBody>
+      </p:sp>
+      <p:sp>
+        <p:nvSpPr>
+          <p:cNvPr id="4" name="직사각형 3">
+            <a:extLst>
+              <a:ext uri="{FF2B5EF4-FFF2-40B4-BE49-F238E27FC236}">
+                <a16:creationId xmlns:a16="http://schemas.microsoft.com/office/drawing/2014/main" id="{489247A1-26E2-5A64-278D-AB6ABCDF55BD}"/>
+              </a:ext>
+            </a:extLst>
+          </p:cNvPr>
+          <p:cNvSpPr/>
+          <p:nvPr/>
+        </p:nvSpPr>
+        <p:spPr>
+          <a:xfrm>
+            <a:off x="6881748" y="646847"/>
+            <a:ext cx="4472052" cy="3036587"/>
+          </a:xfrm>
+          <a:prstGeom prst="rect">
+            <a:avLst/>
+          </a:prstGeom>
+        </p:spPr>
+        <p:style>
+          <a:lnRef idx="2">
+            <a:schemeClr val="accent3"/>
+          </a:lnRef>
+          <a:fillRef idx="1">
+            <a:schemeClr val="lt1"/>
+          </a:fillRef>
+          <a:effectRef idx="0">
+            <a:schemeClr val="accent3"/>
+          </a:effectRef>
+          <a:fontRef idx="minor">
+            <a:schemeClr val="dk1"/>
+          </a:fontRef>
+        </p:style>
+        <p:txBody>
+          <a:bodyPr rtlCol="0" anchor="ctr"/>
+          <a:lstStyle/>
+          <a:p>
+            <a:pPr algn="ctr"/>
+            <a:endParaRPr lang="ko-KR" altLang="en-US" dirty="0"/>
+          </a:p>
+        </p:txBody>
+      </p:sp>
+      <p:sp>
+        <p:nvSpPr>
+          <p:cNvPr id="5" name="직사각형 4">
+            <a:extLst>
+              <a:ext uri="{FF2B5EF4-FFF2-40B4-BE49-F238E27FC236}">
+                <a16:creationId xmlns:a16="http://schemas.microsoft.com/office/drawing/2014/main" id="{B1D3A9E9-222D-56DF-0868-99482FCBE5BB}"/>
+              </a:ext>
+            </a:extLst>
+          </p:cNvPr>
+          <p:cNvSpPr/>
+          <p:nvPr/>
+        </p:nvSpPr>
+        <p:spPr>
+          <a:xfrm>
+            <a:off x="6881748" y="646847"/>
+            <a:ext cx="4472052" cy="189916"/>
+          </a:xfrm>
+          <a:prstGeom prst="rect">
+            <a:avLst/>
+          </a:prstGeom>
+        </p:spPr>
+        <p:style>
+          <a:lnRef idx="2">
+            <a:schemeClr val="accent3"/>
+          </a:lnRef>
+          <a:fillRef idx="1">
+            <a:schemeClr val="lt1"/>
+          </a:fillRef>
+          <a:effectRef idx="0">
+            <a:schemeClr val="accent3"/>
+          </a:effectRef>
+          <a:fontRef idx="minor">
+            <a:schemeClr val="dk1"/>
+          </a:fontRef>
+        </p:style>
+        <p:txBody>
+          <a:bodyPr rtlCol="0" anchor="ctr"/>
+          <a:lstStyle/>
+          <a:p>
+            <a:pPr algn="ctr"/>
+            <a:endParaRPr lang="ko-KR" altLang="en-US" dirty="0"/>
+          </a:p>
+        </p:txBody>
+      </p:sp>
+      <p:sp>
+        <p:nvSpPr>
+          <p:cNvPr id="9" name="직사각형 8">
+            <a:extLst>
+              <a:ext uri="{FF2B5EF4-FFF2-40B4-BE49-F238E27FC236}">
+                <a16:creationId xmlns:a16="http://schemas.microsoft.com/office/drawing/2014/main" id="{BEB4C292-88BC-5597-B3EC-A3B20E25411E}"/>
+              </a:ext>
+            </a:extLst>
+          </p:cNvPr>
+          <p:cNvSpPr/>
+          <p:nvPr/>
+        </p:nvSpPr>
+        <p:spPr>
+          <a:xfrm>
+            <a:off x="6881748" y="836763"/>
+            <a:ext cx="4472052" cy="189916"/>
+          </a:xfrm>
+          <a:prstGeom prst="rect">
+            <a:avLst/>
+          </a:prstGeom>
+        </p:spPr>
+        <p:style>
+          <a:lnRef idx="2">
+            <a:schemeClr val="accent3"/>
+          </a:lnRef>
+          <a:fillRef idx="1">
+            <a:schemeClr val="lt1"/>
+          </a:fillRef>
+          <a:effectRef idx="0">
+            <a:schemeClr val="accent3"/>
+          </a:effectRef>
+          <a:fontRef idx="minor">
+            <a:schemeClr val="dk1"/>
+          </a:fontRef>
+        </p:style>
+        <p:txBody>
+          <a:bodyPr rtlCol="0" anchor="ctr"/>
+          <a:lstStyle/>
+          <a:p>
+            <a:pPr algn="ctr"/>
+            <a:endParaRPr lang="ko-KR" altLang="en-US" dirty="0"/>
+          </a:p>
+        </p:txBody>
+      </p:sp>
+      <p:sp>
+        <p:nvSpPr>
+          <p:cNvPr id="6" name="직사각형 5">
+            <a:extLst>
+              <a:ext uri="{FF2B5EF4-FFF2-40B4-BE49-F238E27FC236}">
+                <a16:creationId xmlns:a16="http://schemas.microsoft.com/office/drawing/2014/main" id="{BC28C386-7BAF-35C4-E7FE-45599ACC48F0}"/>
+              </a:ext>
+            </a:extLst>
+          </p:cNvPr>
+          <p:cNvSpPr/>
+          <p:nvPr/>
+        </p:nvSpPr>
+        <p:spPr>
+          <a:xfrm>
+            <a:off x="6881748" y="837990"/>
+            <a:ext cx="571475" cy="189916"/>
+          </a:xfrm>
+          <a:prstGeom prst="rect">
+            <a:avLst/>
+          </a:prstGeom>
+        </p:spPr>
+        <p:style>
+          <a:lnRef idx="2">
+            <a:schemeClr val="accent3"/>
+          </a:lnRef>
+          <a:fillRef idx="1">
+            <a:schemeClr val="lt1"/>
+          </a:fillRef>
+          <a:effectRef idx="0">
+            <a:schemeClr val="accent3"/>
+          </a:effectRef>
+          <a:fontRef idx="minor">
+            <a:schemeClr val="dk1"/>
+          </a:fontRef>
+        </p:style>
+        <p:txBody>
+          <a:bodyPr rtlCol="0" anchor="ctr"/>
+          <a:lstStyle/>
+          <a:p>
+            <a:pPr algn="ctr"/>
+            <a:r>
+              <a:rPr lang="ko-KR" altLang="en-US" sz="1000" dirty="0"/>
+              <a:t>파일</a:t>
+            </a:r>
+          </a:p>
+        </p:txBody>
+      </p:sp>
+      <p:sp>
+        <p:nvSpPr>
+          <p:cNvPr id="7" name="직사각형 6">
+            <a:extLst>
+              <a:ext uri="{FF2B5EF4-FFF2-40B4-BE49-F238E27FC236}">
+                <a16:creationId xmlns:a16="http://schemas.microsoft.com/office/drawing/2014/main" id="{9986DE98-9595-3A98-CC4C-27058E366E31}"/>
+              </a:ext>
+            </a:extLst>
+          </p:cNvPr>
+          <p:cNvSpPr/>
+          <p:nvPr/>
+        </p:nvSpPr>
+        <p:spPr>
+          <a:xfrm>
+            <a:off x="10782325" y="652500"/>
+            <a:ext cx="571475" cy="189916"/>
+          </a:xfrm>
+          <a:prstGeom prst="rect">
+            <a:avLst/>
+          </a:prstGeom>
+        </p:spPr>
+        <p:style>
+          <a:lnRef idx="2">
+            <a:schemeClr val="accent3"/>
+          </a:lnRef>
+          <a:fillRef idx="1">
+            <a:schemeClr val="lt1"/>
+          </a:fillRef>
+          <a:effectRef idx="0">
+            <a:schemeClr val="accent3"/>
+          </a:effectRef>
+          <a:fontRef idx="minor">
+            <a:schemeClr val="dk1"/>
+          </a:fontRef>
+        </p:style>
+        <p:txBody>
+          <a:bodyPr rtlCol="0" anchor="ctr"/>
+          <a:lstStyle/>
+          <a:p>
+            <a:pPr algn="ctr"/>
+            <a:r>
+              <a:rPr lang="en-US" altLang="ko-KR" sz="1000" dirty="0"/>
+              <a:t>- </a:t>
+            </a:r>
+            <a:r>
+              <a:rPr lang="ko-KR" altLang="en-US" sz="1000" dirty="0" err="1"/>
+              <a:t>ㅁ</a:t>
+            </a:r>
+            <a:r>
+              <a:rPr lang="ko-KR" altLang="en-US" sz="1000" dirty="0"/>
+              <a:t> </a:t>
+            </a:r>
+            <a:r>
+              <a:rPr lang="en-US" altLang="ko-KR" sz="1000" dirty="0"/>
+              <a:t>X</a:t>
+            </a:r>
+            <a:endParaRPr lang="ko-KR" altLang="en-US" sz="1000" dirty="0"/>
+          </a:p>
+        </p:txBody>
+      </p:sp>
+      <p:sp>
+        <p:nvSpPr>
+          <p:cNvPr id="8" name="직사각형 7">
+            <a:extLst>
+              <a:ext uri="{FF2B5EF4-FFF2-40B4-BE49-F238E27FC236}">
+                <a16:creationId xmlns:a16="http://schemas.microsoft.com/office/drawing/2014/main" id="{7EEF96B3-9EE0-4A91-07D1-2FC27D3E81D6}"/>
+              </a:ext>
+            </a:extLst>
+          </p:cNvPr>
+          <p:cNvSpPr/>
+          <p:nvPr/>
+        </p:nvSpPr>
+        <p:spPr>
+          <a:xfrm>
+            <a:off x="7453223" y="837990"/>
+            <a:ext cx="571475" cy="189916"/>
+          </a:xfrm>
+          <a:prstGeom prst="rect">
+            <a:avLst/>
+          </a:prstGeom>
+        </p:spPr>
+        <p:style>
+          <a:lnRef idx="2">
+            <a:schemeClr val="accent3"/>
+          </a:lnRef>
+          <a:fillRef idx="1">
+            <a:schemeClr val="lt1"/>
+          </a:fillRef>
+          <a:effectRef idx="0">
+            <a:schemeClr val="accent3"/>
+          </a:effectRef>
+          <a:fontRef idx="minor">
+            <a:schemeClr val="dk1"/>
+          </a:fontRef>
+        </p:style>
+        <p:txBody>
+          <a:bodyPr rtlCol="0" anchor="ctr"/>
+          <a:lstStyle/>
+          <a:p>
+            <a:pPr algn="ctr"/>
+            <a:r>
+              <a:rPr lang="ko-KR" altLang="en-US" sz="900" dirty="0" err="1"/>
+              <a:t>덱</a:t>
+            </a:r>
+            <a:r>
+              <a:rPr lang="ko-KR" altLang="en-US" sz="900" dirty="0"/>
+              <a:t> 로드</a:t>
+            </a:r>
+          </a:p>
+        </p:txBody>
+      </p:sp>
+    </p:spTree>
+    <p:extLst>
+      <p:ext uri="{BB962C8B-B14F-4D97-AF65-F5344CB8AC3E}">
+        <p14:creationId xmlns:p14="http://schemas.microsoft.com/office/powerpoint/2010/main" val="358486195"/>
+      </p:ext>
+    </p:extLst>
+  </p:cSld>
+  <p:clrMapOvr>
+    <a:masterClrMapping/>
+  </p:clrMapOvr>
+</p:sld>
+</file>
+
+<file path=ppt/slides/slide13.xml><?xml version="1.0" encoding="utf-8"?>
+<p:sld xmlns:a="http://schemas.openxmlformats.org/drawingml/2006/main" xmlns:r="http://schemas.openxmlformats.org/officeDocument/2006/relationships" xmlns:p="http://schemas.openxmlformats.org/presentationml/2006/main">
+  <p:cSld>
+    <p:spTree>
+      <p:nvGrpSpPr>
+        <p:cNvPr id="1" name=""/>
+        <p:cNvGrpSpPr/>
+        <p:nvPr/>
+      </p:nvGrpSpPr>
+      <p:grpSpPr>
+        <a:xfrm>
+          <a:off x="0" y="0"/>
+          <a:ext cx="0" cy="0"/>
+          <a:chOff x="0" y="0"/>
+          <a:chExt cx="0" cy="0"/>
+        </a:xfrm>
+      </p:grpSpPr>
+      <p:sp>
+        <p:nvSpPr>
+          <p:cNvPr id="2" name="제목 1">
+            <a:extLst>
+              <a:ext uri="{FF2B5EF4-FFF2-40B4-BE49-F238E27FC236}">
+                <a16:creationId xmlns:a16="http://schemas.microsoft.com/office/drawing/2014/main" id="{4E4D6850-8629-08EE-29A6-E3E8C1C7D1F7}"/>
+              </a:ext>
+            </a:extLst>
+          </p:cNvPr>
+          <p:cNvSpPr>
+            <a:spLocks noGrp="1"/>
+          </p:cNvSpPr>
+          <p:nvPr>
+            <p:ph type="title"/>
+          </p:nvPr>
+        </p:nvSpPr>
+        <p:spPr>
+          <a:xfrm>
+            <a:off x="838200" y="365125"/>
+            <a:ext cx="10515600" cy="1325563"/>
+          </a:xfrm>
+        </p:spPr>
+        <p:txBody>
+          <a:bodyPr/>
+          <a:lstStyle/>
+          <a:p>
+            <a:r>
+              <a:rPr lang="en-US" altLang="ko-KR" dirty="0" err="1"/>
+              <a:t>StudioScreenBase</a:t>
+            </a:r>
+            <a:endParaRPr lang="ko-KR" altLang="en-US" dirty="0"/>
+          </a:p>
+        </p:txBody>
+      </p:sp>
+      <p:sp>
+        <p:nvSpPr>
+          <p:cNvPr id="3" name="TextBox 2">
+            <a:extLst>
+              <a:ext uri="{FF2B5EF4-FFF2-40B4-BE49-F238E27FC236}">
+                <a16:creationId xmlns:a16="http://schemas.microsoft.com/office/drawing/2014/main" id="{AB46C859-926E-D72A-17DA-64AA25EB0430}"/>
+              </a:ext>
+            </a:extLst>
+          </p:cNvPr>
+          <p:cNvSpPr txBox="1"/>
+          <p:nvPr/>
+        </p:nvSpPr>
+        <p:spPr>
+          <a:xfrm>
+            <a:off x="838200" y="2301767"/>
+            <a:ext cx="9645870" cy="5024773"/>
+          </a:xfrm>
+          <a:prstGeom prst="rect">
+            <a:avLst/>
+          </a:prstGeom>
+          <a:noFill/>
+        </p:spPr>
+        <p:txBody>
+          <a:bodyPr wrap="square" rtlCol="0">
+            <a:spAutoFit/>
+          </a:bodyPr>
+          <a:lstStyle/>
+          <a:p>
+            <a:pPr>
+              <a:lnSpc>
+                <a:spcPct val="150000"/>
+              </a:lnSpc>
+            </a:pPr>
+            <a:r>
+              <a:rPr lang="en-US" altLang="ko-KR" dirty="0" err="1"/>
+              <a:t>StudioLargerScreen</a:t>
+            </a:r>
+            <a:r>
+              <a:rPr lang="ko-KR" altLang="en-US" dirty="0"/>
+              <a:t>과 </a:t>
+            </a:r>
+            <a:r>
+              <a:rPr lang="en-US" altLang="ko-KR" dirty="0" err="1"/>
+              <a:t>StudioSmallScreen</a:t>
+            </a:r>
+            <a:r>
+              <a:rPr lang="ko-KR" altLang="en-US" dirty="0"/>
+              <a:t>은 이 클래스를 상속받는다</a:t>
+            </a:r>
+            <a:r>
+              <a:rPr lang="en-US" altLang="ko-KR" dirty="0"/>
+              <a:t>.</a:t>
+            </a:r>
+          </a:p>
+          <a:p>
+            <a:pPr>
+              <a:lnSpc>
+                <a:spcPct val="150000"/>
+              </a:lnSpc>
+            </a:pPr>
+            <a:r>
+              <a:rPr lang="en-US" altLang="ko-KR" dirty="0"/>
+              <a:t>abstract (</a:t>
+            </a:r>
+            <a:r>
+              <a:rPr lang="ko-KR" altLang="en-US" dirty="0"/>
+              <a:t>추상 클래스</a:t>
+            </a:r>
+            <a:r>
+              <a:rPr lang="en-US" altLang="ko-KR" dirty="0"/>
+              <a:t>) </a:t>
+            </a:r>
+            <a:r>
+              <a:rPr lang="ko-KR" altLang="en-US" dirty="0"/>
+              <a:t>한정자를 사용하여 클래스를 정의한다</a:t>
+            </a:r>
+            <a:r>
+              <a:rPr lang="en-US" altLang="ko-KR" dirty="0"/>
+              <a:t>.</a:t>
+            </a:r>
+          </a:p>
+          <a:p>
+            <a:pPr>
+              <a:lnSpc>
+                <a:spcPct val="150000"/>
+              </a:lnSpc>
+            </a:pPr>
+            <a:endParaRPr lang="en-US" altLang="ko-KR" dirty="0"/>
+          </a:p>
+          <a:p>
+            <a:pPr>
+              <a:lnSpc>
+                <a:spcPct val="150000"/>
+              </a:lnSpc>
+            </a:pPr>
+            <a:r>
+              <a:rPr lang="ko-KR" altLang="en-US" dirty="0"/>
+              <a:t>공통적인 기능 포함함</a:t>
+            </a:r>
+            <a:r>
+              <a:rPr lang="en-US" altLang="ko-KR" dirty="0"/>
+              <a:t>.</a:t>
+            </a:r>
+          </a:p>
+          <a:p>
+            <a:pPr>
+              <a:lnSpc>
+                <a:spcPct val="150000"/>
+              </a:lnSpc>
+            </a:pPr>
+            <a:r>
+              <a:rPr lang="ko-KR" altLang="en-US" dirty="0"/>
+              <a:t>두 클래스가 똑같은 동작을 할 경우 </a:t>
+            </a:r>
+            <a:r>
+              <a:rPr lang="en-US" altLang="ko-KR" dirty="0"/>
+              <a:t>Base</a:t>
+            </a:r>
+            <a:r>
+              <a:rPr lang="ko-KR" altLang="en-US" dirty="0"/>
+              <a:t>클래스에서 정의</a:t>
+            </a:r>
+            <a:endParaRPr lang="en-US" altLang="ko-KR" dirty="0"/>
+          </a:p>
+          <a:p>
+            <a:pPr>
+              <a:lnSpc>
+                <a:spcPct val="150000"/>
+              </a:lnSpc>
+            </a:pPr>
+            <a:r>
+              <a:rPr lang="ko-KR" altLang="en-US" dirty="0"/>
+              <a:t>달라져야 하는 동작은 </a:t>
+            </a:r>
+            <a:r>
+              <a:rPr lang="en-US" altLang="ko-KR" dirty="0"/>
+              <a:t>virtual </a:t>
+            </a:r>
+            <a:r>
+              <a:rPr lang="ko-KR" altLang="en-US" dirty="0"/>
+              <a:t>메서드로 만든 후</a:t>
+            </a:r>
+            <a:r>
+              <a:rPr lang="en-US" altLang="ko-KR" dirty="0"/>
+              <a:t>, </a:t>
+            </a:r>
+            <a:r>
+              <a:rPr lang="ko-KR" altLang="en-US" dirty="0"/>
+              <a:t>자식 클래스에서 정의</a:t>
+            </a:r>
+            <a:endParaRPr lang="en-US" altLang="ko-KR" dirty="0"/>
+          </a:p>
+          <a:p>
+            <a:pPr>
+              <a:lnSpc>
+                <a:spcPct val="150000"/>
+              </a:lnSpc>
+            </a:pPr>
+            <a:endParaRPr lang="en-US" altLang="ko-KR" dirty="0"/>
+          </a:p>
+          <a:p>
+            <a:pPr>
+              <a:lnSpc>
+                <a:spcPct val="150000"/>
+              </a:lnSpc>
+            </a:pPr>
+            <a:r>
+              <a:rPr lang="ko-KR" altLang="en-US" dirty="0" err="1"/>
+              <a:t>우클릭을</a:t>
+            </a:r>
+            <a:r>
+              <a:rPr lang="ko-KR" altLang="en-US" dirty="0"/>
+              <a:t> 눌러 컨텍스트 메뉴를 통해 카드를 추가 제거할 수 있다</a:t>
+            </a:r>
+            <a:r>
+              <a:rPr lang="en-US" altLang="ko-KR" dirty="0"/>
+              <a:t>.</a:t>
+            </a:r>
+          </a:p>
+          <a:p>
+            <a:pPr>
+              <a:lnSpc>
+                <a:spcPct val="150000"/>
+              </a:lnSpc>
+            </a:pPr>
+            <a:r>
+              <a:rPr lang="en-US" altLang="ko-KR" dirty="0" err="1"/>
+              <a:t>CardControl</a:t>
+            </a:r>
+            <a:r>
+              <a:rPr lang="ko-KR" altLang="en-US" dirty="0"/>
+              <a:t>을 보유하며</a:t>
+            </a:r>
+            <a:r>
+              <a:rPr lang="en-US" altLang="ko-KR" dirty="0"/>
+              <a:t>, </a:t>
+            </a:r>
+            <a:r>
+              <a:rPr lang="ko-KR" altLang="en-US" dirty="0"/>
+              <a:t>카드의 이벤트를 관리한다</a:t>
+            </a:r>
+            <a:r>
+              <a:rPr lang="en-US" altLang="ko-KR" dirty="0"/>
+              <a:t>. ( </a:t>
+            </a:r>
+            <a:r>
+              <a:rPr lang="ko-KR" altLang="en-US" dirty="0" err="1"/>
+              <a:t>우클릭</a:t>
+            </a:r>
+            <a:r>
+              <a:rPr lang="en-US" altLang="ko-KR" dirty="0"/>
+              <a:t>, </a:t>
+            </a:r>
+            <a:r>
+              <a:rPr lang="ko-KR" altLang="en-US" dirty="0" err="1"/>
+              <a:t>좌클릭</a:t>
+            </a:r>
+            <a:r>
+              <a:rPr lang="ko-KR" altLang="en-US" dirty="0"/>
+              <a:t> </a:t>
+            </a:r>
+            <a:r>
+              <a:rPr lang="en-US" altLang="ko-KR" dirty="0"/>
+              <a:t>)</a:t>
+            </a:r>
+          </a:p>
+          <a:p>
+            <a:pPr>
+              <a:lnSpc>
+                <a:spcPct val="150000"/>
+              </a:lnSpc>
+            </a:pPr>
+            <a:endParaRPr lang="en-US" altLang="ko-KR" dirty="0"/>
+          </a:p>
+          <a:p>
+            <a:pPr>
+              <a:lnSpc>
+                <a:spcPct val="150000"/>
+              </a:lnSpc>
+            </a:pPr>
+            <a:endParaRPr lang="en-US" altLang="ko-KR" dirty="0"/>
+          </a:p>
+          <a:p>
+            <a:pPr>
+              <a:lnSpc>
+                <a:spcPct val="150000"/>
+              </a:lnSpc>
+            </a:pPr>
+            <a:endParaRPr lang="en-US" altLang="ko-KR" dirty="0"/>
+          </a:p>
+        </p:txBody>
+      </p:sp>
+    </p:spTree>
+    <p:extLst>
+      <p:ext uri="{BB962C8B-B14F-4D97-AF65-F5344CB8AC3E}">
+        <p14:creationId xmlns:p14="http://schemas.microsoft.com/office/powerpoint/2010/main" val="3134216158"/>
+      </p:ext>
+    </p:extLst>
+  </p:cSld>
+  <p:clrMapOvr>
+    <a:masterClrMapping/>
+  </p:clrMapOvr>
+</p:sld>
+</file>
+
+<file path=ppt/slides/slide14.xml><?xml version="1.0" encoding="utf-8"?>
+<p:sld xmlns:a="http://schemas.openxmlformats.org/drawingml/2006/main" xmlns:r="http://schemas.openxmlformats.org/officeDocument/2006/relationships" xmlns:p="http://schemas.openxmlformats.org/presentationml/2006/main">
+  <p:cSld>
+    <p:spTree>
+      <p:nvGrpSpPr>
+        <p:cNvPr id="1" name=""/>
+        <p:cNvGrpSpPr/>
+        <p:nvPr/>
+      </p:nvGrpSpPr>
+      <p:grpSpPr>
+        <a:xfrm>
+          <a:off x="0" y="0"/>
+          <a:ext cx="0" cy="0"/>
+          <a:chOff x="0" y="0"/>
+          <a:chExt cx="0" cy="0"/>
+        </a:xfrm>
+      </p:grpSpPr>
+      <p:sp>
+        <p:nvSpPr>
+          <p:cNvPr id="2" name="제목 1">
+            <a:extLst>
+              <a:ext uri="{FF2B5EF4-FFF2-40B4-BE49-F238E27FC236}">
+                <a16:creationId xmlns:a16="http://schemas.microsoft.com/office/drawing/2014/main" id="{4E4D6850-8629-08EE-29A6-E3E8C1C7D1F7}"/>
+              </a:ext>
+            </a:extLst>
+          </p:cNvPr>
+          <p:cNvSpPr>
+            <a:spLocks noGrp="1"/>
+          </p:cNvSpPr>
+          <p:nvPr>
+            <p:ph type="title"/>
+          </p:nvPr>
+        </p:nvSpPr>
+        <p:spPr>
+          <a:xfrm>
+            <a:off x="838200" y="365125"/>
+            <a:ext cx="10515600" cy="1325563"/>
+          </a:xfrm>
+        </p:spPr>
+        <p:txBody>
+          <a:bodyPr/>
+          <a:lstStyle/>
+          <a:p>
+            <a:r>
+              <a:rPr lang="en-US" altLang="ko-KR" dirty="0" err="1"/>
+              <a:t>StudioScreenBase</a:t>
+            </a:r>
+            <a:endParaRPr lang="ko-KR" altLang="en-US" dirty="0"/>
+          </a:p>
+        </p:txBody>
+      </p:sp>
+      <p:sp>
+        <p:nvSpPr>
+          <p:cNvPr id="3" name="TextBox 2">
+            <a:extLst>
+              <a:ext uri="{FF2B5EF4-FFF2-40B4-BE49-F238E27FC236}">
+                <a16:creationId xmlns:a16="http://schemas.microsoft.com/office/drawing/2014/main" id="{AB46C859-926E-D72A-17DA-64AA25EB0430}"/>
+              </a:ext>
+            </a:extLst>
+          </p:cNvPr>
+          <p:cNvSpPr txBox="1"/>
+          <p:nvPr/>
+        </p:nvSpPr>
+        <p:spPr>
+          <a:xfrm>
+            <a:off x="838200" y="2301767"/>
+            <a:ext cx="11135264" cy="4609275"/>
+          </a:xfrm>
+          <a:prstGeom prst="rect">
+            <a:avLst/>
+          </a:prstGeom>
+          <a:noFill/>
+        </p:spPr>
+        <p:txBody>
+          <a:bodyPr wrap="square" rtlCol="0">
+            <a:spAutoFit/>
+          </a:bodyPr>
+          <a:lstStyle/>
+          <a:p>
+            <a:pPr>
+              <a:lnSpc>
+                <a:spcPct val="150000"/>
+              </a:lnSpc>
+            </a:pPr>
+            <a:r>
+              <a:rPr lang="ko-KR" altLang="en-US" dirty="0"/>
+              <a:t>공통 기능</a:t>
+            </a:r>
+            <a:endParaRPr lang="en-US" altLang="ko-KR" dirty="0"/>
+          </a:p>
+          <a:p>
+            <a:pPr>
+              <a:lnSpc>
+                <a:spcPct val="150000"/>
+              </a:lnSpc>
+            </a:pPr>
+            <a:r>
+              <a:rPr lang="en-US" altLang="ko-KR" dirty="0"/>
+              <a:t>	</a:t>
+            </a:r>
+            <a:r>
+              <a:rPr lang="ko-KR" altLang="en-US" dirty="0" err="1"/>
+              <a:t>우클릭을</a:t>
+            </a:r>
+            <a:r>
+              <a:rPr lang="ko-KR" altLang="en-US" dirty="0"/>
+              <a:t> 통한 컨텍스트 메뉴 및 세부 동작</a:t>
+            </a:r>
+            <a:endParaRPr lang="en-US" altLang="ko-KR" dirty="0"/>
+          </a:p>
+          <a:p>
+            <a:pPr>
+              <a:lnSpc>
+                <a:spcPct val="150000"/>
+              </a:lnSpc>
+            </a:pPr>
+            <a:r>
+              <a:rPr lang="en-US" altLang="ko-KR" dirty="0"/>
+              <a:t>	</a:t>
+            </a:r>
+            <a:r>
+              <a:rPr lang="ko-KR" altLang="en-US" dirty="0" err="1"/>
+              <a:t>그외</a:t>
+            </a:r>
+            <a:r>
+              <a:rPr lang="en-US" altLang="ko-KR" dirty="0"/>
+              <a:t> </a:t>
+            </a:r>
+            <a:r>
+              <a:rPr lang="ko-KR" altLang="en-US" dirty="0"/>
+              <a:t>등등</a:t>
+            </a:r>
+            <a:r>
+              <a:rPr lang="en-US" altLang="ko-KR" dirty="0"/>
+              <a:t>..</a:t>
+            </a:r>
+          </a:p>
+          <a:p>
+            <a:pPr>
+              <a:lnSpc>
+                <a:spcPct val="150000"/>
+              </a:lnSpc>
+            </a:pPr>
+            <a:r>
+              <a:rPr lang="ko-KR" altLang="en-US" dirty="0"/>
+              <a:t>다른 기능</a:t>
+            </a:r>
+            <a:endParaRPr lang="en-US" altLang="ko-KR" dirty="0"/>
+          </a:p>
+          <a:p>
+            <a:pPr>
+              <a:lnSpc>
+                <a:spcPct val="150000"/>
+              </a:lnSpc>
+            </a:pPr>
+            <a:r>
+              <a:rPr lang="en-US" altLang="ko-KR" dirty="0"/>
+              <a:t>	</a:t>
+            </a:r>
+            <a:r>
+              <a:rPr lang="ko-KR" altLang="en-US" dirty="0"/>
+              <a:t>카드 추가</a:t>
+            </a:r>
+            <a:endParaRPr lang="en-US" altLang="ko-KR" dirty="0"/>
+          </a:p>
+          <a:p>
+            <a:pPr>
+              <a:lnSpc>
+                <a:spcPct val="150000"/>
+              </a:lnSpc>
+            </a:pPr>
+            <a:endParaRPr lang="en-US" altLang="ko-KR" dirty="0"/>
+          </a:p>
+          <a:p>
+            <a:pPr>
+              <a:lnSpc>
+                <a:spcPct val="150000"/>
+              </a:lnSpc>
+            </a:pPr>
+            <a:r>
+              <a:rPr lang="ko-KR" altLang="en-US" dirty="0"/>
+              <a:t>카드 추가 프로세스</a:t>
+            </a:r>
+            <a:endParaRPr lang="en-US" altLang="ko-KR" dirty="0"/>
+          </a:p>
+          <a:p>
+            <a:pPr>
+              <a:lnSpc>
+                <a:spcPct val="150000"/>
+              </a:lnSpc>
+            </a:pPr>
+            <a:r>
+              <a:rPr lang="en-US" altLang="ko-KR" dirty="0"/>
+              <a:t>[</a:t>
+            </a:r>
+            <a:r>
+              <a:rPr lang="ko-KR" altLang="en-US" dirty="0"/>
+              <a:t>공통</a:t>
+            </a:r>
+            <a:r>
+              <a:rPr lang="en-US" altLang="ko-KR" dirty="0"/>
+              <a:t>]	(</a:t>
+            </a:r>
+            <a:r>
+              <a:rPr lang="ko-KR" altLang="en-US" dirty="0"/>
+              <a:t>컨텍스트 메뉴</a:t>
+            </a:r>
+            <a:r>
+              <a:rPr lang="en-US" altLang="ko-KR" dirty="0"/>
+              <a:t>) : </a:t>
+            </a:r>
+            <a:r>
+              <a:rPr lang="ko-KR" altLang="en-US" dirty="0"/>
+              <a:t>추가</a:t>
+            </a:r>
+            <a:r>
+              <a:rPr lang="en-US" altLang="ko-KR" dirty="0"/>
+              <a:t>-&gt;</a:t>
+            </a:r>
+            <a:r>
+              <a:rPr lang="ko-KR" altLang="en-US" dirty="0"/>
+              <a:t>카드</a:t>
+            </a:r>
+            <a:r>
+              <a:rPr lang="en-US" altLang="ko-KR" dirty="0"/>
+              <a:t>-&gt;</a:t>
+            </a:r>
+            <a:r>
+              <a:rPr lang="ko-KR" altLang="en-US" dirty="0" err="1"/>
+              <a:t>덱선택</a:t>
+            </a:r>
+            <a:endParaRPr lang="en-US" altLang="ko-KR" dirty="0"/>
+          </a:p>
+          <a:p>
+            <a:pPr>
+              <a:lnSpc>
+                <a:spcPct val="150000"/>
+              </a:lnSpc>
+            </a:pPr>
+            <a:r>
+              <a:rPr lang="en-US" altLang="ko-KR" dirty="0"/>
+              <a:t>[</a:t>
+            </a:r>
+            <a:r>
+              <a:rPr lang="ko-KR" altLang="en-US" dirty="0"/>
+              <a:t>공통</a:t>
+            </a:r>
+            <a:r>
+              <a:rPr lang="en-US" altLang="ko-KR" dirty="0"/>
+              <a:t>]	(</a:t>
+            </a:r>
+            <a:r>
+              <a:rPr lang="en-US" altLang="ko-KR" dirty="0" err="1"/>
+              <a:t>CardAdd</a:t>
+            </a:r>
+            <a:r>
+              <a:rPr lang="en-US" altLang="ko-KR" dirty="0"/>
+              <a:t> </a:t>
+            </a:r>
+            <a:r>
+              <a:rPr lang="ko-KR" altLang="en-US" dirty="0"/>
+              <a:t>메서드</a:t>
+            </a:r>
+            <a:r>
+              <a:rPr lang="en-US" altLang="ko-KR" dirty="0"/>
+              <a:t>) : </a:t>
+            </a:r>
+            <a:r>
+              <a:rPr lang="ko-KR" altLang="en-US" dirty="0"/>
+              <a:t>다이얼로그에서 카드 선택</a:t>
+            </a:r>
+            <a:r>
+              <a:rPr lang="en-US" altLang="ko-KR" dirty="0"/>
+              <a:t>-&gt; </a:t>
+            </a:r>
+            <a:r>
+              <a:rPr lang="en-US" altLang="ko-KR" dirty="0" err="1"/>
+              <a:t>XMLParser</a:t>
+            </a:r>
+            <a:r>
+              <a:rPr lang="ko-KR" altLang="en-US" dirty="0"/>
+              <a:t>가 </a:t>
+            </a:r>
+            <a:r>
+              <a:rPr lang="en-US" altLang="ko-KR" dirty="0" err="1"/>
+              <a:t>CardData</a:t>
+            </a:r>
+            <a:r>
+              <a:rPr lang="en-US" altLang="ko-KR" dirty="0"/>
+              <a:t> </a:t>
+            </a:r>
+            <a:r>
+              <a:rPr lang="ko-KR" altLang="en-US" dirty="0"/>
+              <a:t>반환</a:t>
+            </a:r>
+            <a:r>
+              <a:rPr lang="en-US" altLang="ko-KR" dirty="0"/>
+              <a:t>. </a:t>
+            </a:r>
+            <a:r>
+              <a:rPr lang="en-US" altLang="ko-KR" dirty="0" err="1"/>
+              <a:t>CardControl</a:t>
+            </a:r>
+            <a:r>
+              <a:rPr lang="en-US" altLang="ko-KR" dirty="0"/>
+              <a:t> </a:t>
+            </a:r>
+            <a:r>
+              <a:rPr lang="ko-KR" altLang="en-US" dirty="0"/>
+              <a:t>생성</a:t>
+            </a:r>
+            <a:endParaRPr lang="en-US" altLang="ko-KR" dirty="0"/>
+          </a:p>
+          <a:p>
+            <a:pPr>
+              <a:lnSpc>
+                <a:spcPct val="150000"/>
+              </a:lnSpc>
+            </a:pPr>
+            <a:r>
+              <a:rPr lang="en-US" altLang="ko-KR" dirty="0"/>
+              <a:t>[virtual]	(</a:t>
+            </a:r>
+            <a:r>
+              <a:rPr lang="en-US" altLang="ko-KR" dirty="0" err="1"/>
+              <a:t>CardDrop</a:t>
+            </a:r>
+            <a:r>
+              <a:rPr lang="en-US" altLang="ko-KR" dirty="0"/>
+              <a:t>?) </a:t>
+            </a:r>
+            <a:r>
+              <a:rPr lang="ko-KR" altLang="en-US" dirty="0"/>
+              <a:t>자식클래스는 이 메서드를 재정의 하여 실제 배치될 곳을 정한다</a:t>
+            </a:r>
+            <a:r>
+              <a:rPr lang="en-US" altLang="ko-KR" dirty="0"/>
+              <a:t>. </a:t>
+            </a:r>
+          </a:p>
+          <a:p>
+            <a:pPr>
+              <a:lnSpc>
+                <a:spcPct val="150000"/>
+              </a:lnSpc>
+            </a:pPr>
+            <a:endParaRPr lang="en-US" altLang="ko-KR" dirty="0"/>
+          </a:p>
+        </p:txBody>
+      </p:sp>
+    </p:spTree>
+    <p:extLst>
+      <p:ext uri="{BB962C8B-B14F-4D97-AF65-F5344CB8AC3E}">
+        <p14:creationId xmlns:p14="http://schemas.microsoft.com/office/powerpoint/2010/main" val="1787666025"/>
+      </p:ext>
+    </p:extLst>
+  </p:cSld>
+  <p:clrMapOvr>
+    <a:masterClrMapping/>
+  </p:clrMapOvr>
+</p:sld>
+</file>
+
+<file path=ppt/slides/slide15.xml><?xml version="1.0" encoding="utf-8"?>
+<p:sld xmlns:a="http://schemas.openxmlformats.org/drawingml/2006/main" xmlns:r="http://schemas.openxmlformats.org/officeDocument/2006/relationships" xmlns:p="http://schemas.openxmlformats.org/presentationml/2006/main">
+  <p:cSld>
+    <p:spTree>
+      <p:nvGrpSpPr>
+        <p:cNvPr id="1" name=""/>
+        <p:cNvGrpSpPr/>
+        <p:nvPr/>
+      </p:nvGrpSpPr>
+      <p:grpSpPr>
+        <a:xfrm>
+          <a:off x="0" y="0"/>
+          <a:ext cx="0" cy="0"/>
+          <a:chOff x="0" y="0"/>
+          <a:chExt cx="0" cy="0"/>
+        </a:xfrm>
+      </p:grpSpPr>
+      <p:sp>
+        <p:nvSpPr>
+          <p:cNvPr id="2" name="제목 1">
+            <a:extLst>
+              <a:ext uri="{FF2B5EF4-FFF2-40B4-BE49-F238E27FC236}">
+                <a16:creationId xmlns:a16="http://schemas.microsoft.com/office/drawing/2014/main" id="{4E4D6850-8629-08EE-29A6-E3E8C1C7D1F7}"/>
+              </a:ext>
+            </a:extLst>
+          </p:cNvPr>
+          <p:cNvSpPr>
+            <a:spLocks noGrp="1"/>
+          </p:cNvSpPr>
+          <p:nvPr>
+            <p:ph type="title"/>
+          </p:nvPr>
+        </p:nvSpPr>
+        <p:spPr>
+          <a:xfrm>
+            <a:off x="838200" y="365125"/>
+            <a:ext cx="10515600" cy="1325563"/>
+          </a:xfrm>
+        </p:spPr>
+        <p:txBody>
+          <a:bodyPr/>
+          <a:lstStyle/>
+          <a:p>
+            <a:r>
+              <a:rPr lang="en-US" altLang="ko-KR" dirty="0" err="1"/>
+              <a:t>StudioLargeScreen</a:t>
+            </a:r>
+            <a:r>
+              <a:rPr lang="en-US" altLang="ko-KR" dirty="0"/>
+              <a:t> ( </a:t>
+            </a:r>
+            <a:r>
+              <a:rPr lang="ko-KR" altLang="en-US" dirty="0"/>
+              <a:t>이름 미정 </a:t>
+            </a:r>
+            <a:r>
+              <a:rPr lang="en-US" altLang="ko-KR" dirty="0"/>
+              <a:t>)</a:t>
+            </a:r>
+            <a:endParaRPr lang="ko-KR" altLang="en-US" dirty="0"/>
+          </a:p>
+        </p:txBody>
+      </p:sp>
+      <p:sp>
+        <p:nvSpPr>
+          <p:cNvPr id="4" name="직사각형 3">
+            <a:extLst>
+              <a:ext uri="{FF2B5EF4-FFF2-40B4-BE49-F238E27FC236}">
+                <a16:creationId xmlns:a16="http://schemas.microsoft.com/office/drawing/2014/main" id="{5C780DF7-A6D0-9985-2C70-8C566ED64D0D}"/>
+              </a:ext>
+            </a:extLst>
+          </p:cNvPr>
+          <p:cNvSpPr/>
+          <p:nvPr/>
+        </p:nvSpPr>
+        <p:spPr>
+          <a:xfrm>
+            <a:off x="659945" y="1690688"/>
+            <a:ext cx="11006537" cy="4978126"/>
+          </a:xfrm>
+          <a:prstGeom prst="rect">
+            <a:avLst/>
+          </a:prstGeom>
+        </p:spPr>
+        <p:style>
+          <a:lnRef idx="2">
+            <a:schemeClr val="accent3"/>
+          </a:lnRef>
+          <a:fillRef idx="1">
+            <a:schemeClr val="lt1"/>
+          </a:fillRef>
+          <a:effectRef idx="0">
+            <a:schemeClr val="accent3"/>
+          </a:effectRef>
+          <a:fontRef idx="minor">
+            <a:schemeClr val="dk1"/>
+          </a:fontRef>
+        </p:style>
+        <p:txBody>
+          <a:bodyPr rtlCol="0" anchor="ctr"/>
+          <a:lstStyle/>
+          <a:p>
+            <a:pPr algn="ctr"/>
+            <a:endParaRPr lang="ko-KR" altLang="en-US" dirty="0"/>
+          </a:p>
+        </p:txBody>
+      </p:sp>
+      <p:sp>
+        <p:nvSpPr>
+          <p:cNvPr id="7" name="직사각형 6">
+            <a:extLst>
+              <a:ext uri="{FF2B5EF4-FFF2-40B4-BE49-F238E27FC236}">
+                <a16:creationId xmlns:a16="http://schemas.microsoft.com/office/drawing/2014/main" id="{45F020ED-EA86-B85A-839F-D7AD69B1030B}"/>
+              </a:ext>
+            </a:extLst>
+          </p:cNvPr>
+          <p:cNvSpPr/>
+          <p:nvPr/>
+        </p:nvSpPr>
+        <p:spPr>
+          <a:xfrm>
+            <a:off x="6237688" y="2845456"/>
+            <a:ext cx="804483" cy="1167085"/>
+          </a:xfrm>
+          <a:prstGeom prst="rect">
+            <a:avLst/>
+          </a:prstGeom>
+        </p:spPr>
+        <p:style>
+          <a:lnRef idx="2">
+            <a:schemeClr val="accent3"/>
+          </a:lnRef>
+          <a:fillRef idx="1">
+            <a:schemeClr val="lt1"/>
+          </a:fillRef>
+          <a:effectRef idx="0">
+            <a:schemeClr val="accent3"/>
+          </a:effectRef>
+          <a:fontRef idx="minor">
+            <a:schemeClr val="dk1"/>
+          </a:fontRef>
+        </p:style>
+        <p:txBody>
+          <a:bodyPr rtlCol="0" anchor="ctr"/>
+          <a:lstStyle/>
+          <a:p>
+            <a:pPr algn="ctr"/>
+            <a:r>
+              <a:rPr lang="en-US" altLang="ko-KR" dirty="0"/>
+              <a:t>Card</a:t>
+            </a:r>
+            <a:endParaRPr lang="ko-KR" altLang="en-US" dirty="0"/>
+          </a:p>
+        </p:txBody>
+      </p:sp>
+      <p:sp>
+        <p:nvSpPr>
+          <p:cNvPr id="8" name="직사각형 7">
+            <a:extLst>
+              <a:ext uri="{FF2B5EF4-FFF2-40B4-BE49-F238E27FC236}">
+                <a16:creationId xmlns:a16="http://schemas.microsoft.com/office/drawing/2014/main" id="{BB9B5E36-52CD-44DE-9E22-335DFECC08D8}"/>
+              </a:ext>
+            </a:extLst>
+          </p:cNvPr>
+          <p:cNvSpPr/>
+          <p:nvPr/>
+        </p:nvSpPr>
+        <p:spPr>
+          <a:xfrm>
+            <a:off x="9170074" y="2845456"/>
+            <a:ext cx="804483" cy="1167085"/>
+          </a:xfrm>
+          <a:prstGeom prst="rect">
+            <a:avLst/>
+          </a:prstGeom>
+        </p:spPr>
+        <p:style>
+          <a:lnRef idx="2">
+            <a:schemeClr val="accent3"/>
+          </a:lnRef>
+          <a:fillRef idx="1">
+            <a:schemeClr val="lt1"/>
+          </a:fillRef>
+          <a:effectRef idx="0">
+            <a:schemeClr val="accent3"/>
+          </a:effectRef>
+          <a:fontRef idx="minor">
+            <a:schemeClr val="dk1"/>
+          </a:fontRef>
+        </p:style>
+        <p:txBody>
+          <a:bodyPr rtlCol="0" anchor="ctr"/>
+          <a:lstStyle/>
+          <a:p>
+            <a:pPr algn="ctr"/>
+            <a:r>
+              <a:rPr lang="en-US" altLang="ko-KR" dirty="0"/>
+              <a:t>Card</a:t>
+            </a:r>
+            <a:endParaRPr lang="ko-KR" altLang="en-US" dirty="0"/>
+          </a:p>
+        </p:txBody>
+      </p:sp>
+      <p:sp>
+        <p:nvSpPr>
+          <p:cNvPr id="11" name="직사각형 10">
+            <a:extLst>
+              <a:ext uri="{FF2B5EF4-FFF2-40B4-BE49-F238E27FC236}">
+                <a16:creationId xmlns:a16="http://schemas.microsoft.com/office/drawing/2014/main" id="{B47676DE-F779-9FB9-4015-BC82BEC4BD83}"/>
+              </a:ext>
+            </a:extLst>
+          </p:cNvPr>
+          <p:cNvSpPr/>
+          <p:nvPr/>
+        </p:nvSpPr>
+        <p:spPr>
+          <a:xfrm>
+            <a:off x="3163413" y="2845456"/>
+            <a:ext cx="804483" cy="1167085"/>
+          </a:xfrm>
+          <a:prstGeom prst="rect">
+            <a:avLst/>
+          </a:prstGeom>
+        </p:spPr>
+        <p:style>
+          <a:lnRef idx="2">
+            <a:schemeClr val="accent3"/>
+          </a:lnRef>
+          <a:fillRef idx="1">
+            <a:schemeClr val="lt1"/>
+          </a:fillRef>
+          <a:effectRef idx="0">
+            <a:schemeClr val="accent3"/>
+          </a:effectRef>
+          <a:fontRef idx="minor">
+            <a:schemeClr val="dk1"/>
+          </a:fontRef>
+        </p:style>
+        <p:txBody>
+          <a:bodyPr rtlCol="0" anchor="ctr"/>
+          <a:lstStyle/>
+          <a:p>
+            <a:pPr algn="ctr"/>
+            <a:r>
+              <a:rPr lang="en-US" altLang="ko-KR" dirty="0"/>
+              <a:t>Card</a:t>
+            </a:r>
+            <a:endParaRPr lang="ko-KR" altLang="en-US" dirty="0"/>
+          </a:p>
+        </p:txBody>
+      </p:sp>
+    </p:spTree>
+    <p:extLst>
+      <p:ext uri="{BB962C8B-B14F-4D97-AF65-F5344CB8AC3E}">
+        <p14:creationId xmlns:p14="http://schemas.microsoft.com/office/powerpoint/2010/main" val="3525701695"/>
+      </p:ext>
+    </p:extLst>
+  </p:cSld>
+  <p:clrMapOvr>
+    <a:masterClrMapping/>
+  </p:clrMapOvr>
+</p:sld>
+</file>
+
+<file path=ppt/slides/slide16.xml><?xml version="1.0" encoding="utf-8"?>
+<p:sld xmlns:a="http://schemas.openxmlformats.org/drawingml/2006/main" xmlns:r="http://schemas.openxmlformats.org/officeDocument/2006/relationships" xmlns:p="http://schemas.openxmlformats.org/presentationml/2006/main">
+  <p:cSld>
+    <p:spTree>
+      <p:nvGrpSpPr>
+        <p:cNvPr id="1" name=""/>
+        <p:cNvGrpSpPr/>
+        <p:nvPr/>
+      </p:nvGrpSpPr>
+      <p:grpSpPr>
+        <a:xfrm>
+          <a:off x="0" y="0"/>
+          <a:ext cx="0" cy="0"/>
+          <a:chOff x="0" y="0"/>
+          <a:chExt cx="0" cy="0"/>
+        </a:xfrm>
+      </p:grpSpPr>
+      <p:sp>
+        <p:nvSpPr>
+          <p:cNvPr id="2" name="제목 1">
+            <a:extLst>
+              <a:ext uri="{FF2B5EF4-FFF2-40B4-BE49-F238E27FC236}">
+                <a16:creationId xmlns:a16="http://schemas.microsoft.com/office/drawing/2014/main" id="{4E4D6850-8629-08EE-29A6-E3E8C1C7D1F7}"/>
+              </a:ext>
+            </a:extLst>
+          </p:cNvPr>
+          <p:cNvSpPr>
+            <a:spLocks noGrp="1"/>
+          </p:cNvSpPr>
+          <p:nvPr>
+            <p:ph type="title"/>
+          </p:nvPr>
+        </p:nvSpPr>
+        <p:spPr>
+          <a:xfrm>
+            <a:off x="838200" y="365125"/>
+            <a:ext cx="10515600" cy="1325563"/>
+          </a:xfrm>
+        </p:spPr>
+        <p:txBody>
+          <a:bodyPr/>
+          <a:lstStyle/>
+          <a:p>
+            <a:r>
+              <a:rPr lang="en-US" altLang="ko-KR" dirty="0" err="1"/>
+              <a:t>StudioLargeScreen</a:t>
+            </a:r>
+            <a:r>
+              <a:rPr lang="en-US" altLang="ko-KR" dirty="0"/>
+              <a:t> ( </a:t>
+            </a:r>
+            <a:r>
+              <a:rPr lang="ko-KR" altLang="en-US" dirty="0"/>
+              <a:t>이름 미정 </a:t>
+            </a:r>
+            <a:r>
+              <a:rPr lang="en-US" altLang="ko-KR" dirty="0"/>
+              <a:t>)</a:t>
+            </a:r>
+            <a:endParaRPr lang="ko-KR" altLang="en-US" dirty="0"/>
+          </a:p>
+        </p:txBody>
+      </p:sp>
+      <p:sp>
+        <p:nvSpPr>
+          <p:cNvPr id="3" name="TextBox 2">
+            <a:extLst>
+              <a:ext uri="{FF2B5EF4-FFF2-40B4-BE49-F238E27FC236}">
+                <a16:creationId xmlns:a16="http://schemas.microsoft.com/office/drawing/2014/main" id="{AB46C859-926E-D72A-17DA-64AA25EB0430}"/>
+              </a:ext>
+            </a:extLst>
+          </p:cNvPr>
+          <p:cNvSpPr txBox="1"/>
+          <p:nvPr/>
+        </p:nvSpPr>
+        <p:spPr>
+          <a:xfrm>
+            <a:off x="838199" y="2806263"/>
+            <a:ext cx="9645870" cy="1285288"/>
+          </a:xfrm>
+          <a:prstGeom prst="rect">
+            <a:avLst/>
+          </a:prstGeom>
+          <a:noFill/>
+        </p:spPr>
+        <p:txBody>
+          <a:bodyPr wrap="square" rtlCol="0">
+            <a:spAutoFit/>
+          </a:bodyPr>
+          <a:lstStyle/>
+          <a:p>
+            <a:pPr>
+              <a:lnSpc>
+                <a:spcPct val="150000"/>
+              </a:lnSpc>
+            </a:pPr>
+            <a:r>
+              <a:rPr lang="ko-KR" altLang="en-US" dirty="0" err="1"/>
+              <a:t>메인이</a:t>
+            </a:r>
+            <a:r>
+              <a:rPr lang="ko-KR" altLang="en-US" dirty="0"/>
+              <a:t> 되는 화면이다</a:t>
+            </a:r>
+            <a:r>
+              <a:rPr lang="en-US" altLang="ko-KR" dirty="0"/>
+              <a:t>. </a:t>
+            </a:r>
+            <a:r>
+              <a:rPr lang="ko-KR" altLang="en-US" dirty="0"/>
+              <a:t>여기서 송출될 화면을 구성한다</a:t>
+            </a:r>
+            <a:r>
+              <a:rPr lang="en-US" altLang="ko-KR" dirty="0"/>
+              <a:t>.</a:t>
+            </a:r>
+          </a:p>
+          <a:p>
+            <a:pPr>
+              <a:lnSpc>
+                <a:spcPct val="150000"/>
+              </a:lnSpc>
+            </a:pPr>
+            <a:endParaRPr lang="en-US" altLang="ko-KR" dirty="0"/>
+          </a:p>
+          <a:p>
+            <a:pPr>
+              <a:lnSpc>
+                <a:spcPct val="150000"/>
+              </a:lnSpc>
+            </a:pPr>
+            <a:r>
+              <a:rPr lang="en-US" altLang="ko-KR" u="sng" dirty="0"/>
+              <a:t> </a:t>
+            </a:r>
+            <a:r>
+              <a:rPr lang="en-US" altLang="ko-KR" u="sng" dirty="0" err="1"/>
+              <a:t>CardControl</a:t>
+            </a:r>
+            <a:r>
+              <a:rPr lang="ko-KR" altLang="en-US" u="sng" dirty="0"/>
+              <a:t>을 원하는 곳으로 이동할 수 있으며</a:t>
+            </a:r>
+            <a:r>
+              <a:rPr lang="en-US" altLang="ko-KR" u="sng" dirty="0"/>
+              <a:t>, </a:t>
+            </a:r>
+            <a:r>
+              <a:rPr lang="ko-KR" altLang="en-US" u="sng" dirty="0"/>
+              <a:t>사이즈 조절 가능</a:t>
+            </a:r>
+            <a:endParaRPr lang="en-US" altLang="ko-KR" u="sng" dirty="0"/>
+          </a:p>
+        </p:txBody>
+      </p:sp>
+    </p:spTree>
+    <p:extLst>
+      <p:ext uri="{BB962C8B-B14F-4D97-AF65-F5344CB8AC3E}">
+        <p14:creationId xmlns:p14="http://schemas.microsoft.com/office/powerpoint/2010/main" val="2883815923"/>
+      </p:ext>
+    </p:extLst>
+  </p:cSld>
+  <p:clrMapOvr>
+    <a:masterClrMapping/>
+  </p:clrMapOvr>
+</p:sld>
+</file>
+
+<file path=ppt/slides/slide17.xml><?xml version="1.0" encoding="utf-8"?>
+<p:sld xmlns:a="http://schemas.openxmlformats.org/drawingml/2006/main" xmlns:r="http://schemas.openxmlformats.org/officeDocument/2006/relationships" xmlns:p="http://schemas.openxmlformats.org/presentationml/2006/main">
+  <p:cSld>
+    <p:spTree>
+      <p:nvGrpSpPr>
+        <p:cNvPr id="1" name=""/>
+        <p:cNvGrpSpPr/>
+        <p:nvPr/>
+      </p:nvGrpSpPr>
+      <p:grpSpPr>
+        <a:xfrm>
+          <a:off x="0" y="0"/>
+          <a:ext cx="0" cy="0"/>
+          <a:chOff x="0" y="0"/>
+          <a:chExt cx="0" cy="0"/>
+        </a:xfrm>
+      </p:grpSpPr>
+      <p:sp>
+        <p:nvSpPr>
+          <p:cNvPr id="2" name="제목 1">
+            <a:extLst>
+              <a:ext uri="{FF2B5EF4-FFF2-40B4-BE49-F238E27FC236}">
+                <a16:creationId xmlns:a16="http://schemas.microsoft.com/office/drawing/2014/main" id="{4E4D6850-8629-08EE-29A6-E3E8C1C7D1F7}"/>
+              </a:ext>
+            </a:extLst>
+          </p:cNvPr>
+          <p:cNvSpPr>
+            <a:spLocks noGrp="1"/>
+          </p:cNvSpPr>
+          <p:nvPr>
+            <p:ph type="title"/>
+          </p:nvPr>
+        </p:nvSpPr>
+        <p:spPr>
+          <a:xfrm>
+            <a:off x="838200" y="365125"/>
+            <a:ext cx="10515600" cy="1325563"/>
+          </a:xfrm>
+        </p:spPr>
+        <p:txBody>
+          <a:bodyPr/>
+          <a:lstStyle/>
+          <a:p>
+            <a:r>
+              <a:rPr lang="en-US" altLang="ko-KR" dirty="0" err="1"/>
+              <a:t>StudioSmallScreen</a:t>
+            </a:r>
+            <a:r>
+              <a:rPr lang="en-US" altLang="ko-KR" dirty="0"/>
+              <a:t> ( </a:t>
+            </a:r>
+            <a:r>
+              <a:rPr lang="ko-KR" altLang="en-US" dirty="0"/>
+              <a:t>이름 미정 </a:t>
+            </a:r>
+            <a:r>
+              <a:rPr lang="en-US" altLang="ko-KR" dirty="0"/>
+              <a:t>)</a:t>
+            </a:r>
+            <a:endParaRPr lang="ko-KR" altLang="en-US" dirty="0"/>
+          </a:p>
+        </p:txBody>
+      </p:sp>
+      <p:sp>
+        <p:nvSpPr>
+          <p:cNvPr id="4" name="직사각형 3">
+            <a:extLst>
+              <a:ext uri="{FF2B5EF4-FFF2-40B4-BE49-F238E27FC236}">
+                <a16:creationId xmlns:a16="http://schemas.microsoft.com/office/drawing/2014/main" id="{5C780DF7-A6D0-9985-2C70-8C566ED64D0D}"/>
+              </a:ext>
+            </a:extLst>
+          </p:cNvPr>
+          <p:cNvSpPr/>
+          <p:nvPr/>
+        </p:nvSpPr>
+        <p:spPr>
+          <a:xfrm>
+            <a:off x="659946" y="1690688"/>
+            <a:ext cx="1783710" cy="2707891"/>
+          </a:xfrm>
+          <a:prstGeom prst="rect">
+            <a:avLst/>
+          </a:prstGeom>
+        </p:spPr>
+        <p:style>
+          <a:lnRef idx="2">
+            <a:schemeClr val="accent3"/>
+          </a:lnRef>
+          <a:fillRef idx="1">
+            <a:schemeClr val="lt1"/>
+          </a:fillRef>
+          <a:effectRef idx="0">
+            <a:schemeClr val="accent3"/>
+          </a:effectRef>
+          <a:fontRef idx="minor">
+            <a:schemeClr val="dk1"/>
+          </a:fontRef>
+        </p:style>
+        <p:txBody>
+          <a:bodyPr rtlCol="0" anchor="ctr"/>
+          <a:lstStyle/>
+          <a:p>
+            <a:pPr algn="ctr"/>
+            <a:endParaRPr lang="ko-KR" altLang="en-US" dirty="0"/>
+          </a:p>
+        </p:txBody>
+      </p:sp>
+      <p:sp>
+        <p:nvSpPr>
+          <p:cNvPr id="8" name="직사각형 7">
+            <a:extLst>
+              <a:ext uri="{FF2B5EF4-FFF2-40B4-BE49-F238E27FC236}">
+                <a16:creationId xmlns:a16="http://schemas.microsoft.com/office/drawing/2014/main" id="{BB9B5E36-52CD-44DE-9E22-335DFECC08D8}"/>
+              </a:ext>
+            </a:extLst>
+          </p:cNvPr>
+          <p:cNvSpPr/>
+          <p:nvPr/>
+        </p:nvSpPr>
+        <p:spPr>
+          <a:xfrm>
+            <a:off x="659945" y="1690688"/>
+            <a:ext cx="1783710" cy="2707891"/>
+          </a:xfrm>
+          <a:prstGeom prst="rect">
+            <a:avLst/>
+          </a:prstGeom>
+        </p:spPr>
+        <p:style>
+          <a:lnRef idx="2">
+            <a:schemeClr val="accent3"/>
+          </a:lnRef>
+          <a:fillRef idx="1">
+            <a:schemeClr val="lt1"/>
+          </a:fillRef>
+          <a:effectRef idx="0">
+            <a:schemeClr val="accent3"/>
+          </a:effectRef>
+          <a:fontRef idx="minor">
+            <a:schemeClr val="dk1"/>
+          </a:fontRef>
+        </p:style>
+        <p:txBody>
+          <a:bodyPr rtlCol="0" anchor="ctr"/>
+          <a:lstStyle/>
+          <a:p>
+            <a:pPr algn="ctr"/>
+            <a:r>
+              <a:rPr lang="en-US" altLang="ko-KR" dirty="0"/>
+              <a:t>Card</a:t>
+            </a:r>
+            <a:endParaRPr lang="ko-KR" altLang="en-US" dirty="0"/>
+          </a:p>
+        </p:txBody>
+      </p:sp>
+      <p:sp>
+        <p:nvSpPr>
+          <p:cNvPr id="3" name="TextBox 2">
+            <a:extLst>
+              <a:ext uri="{FF2B5EF4-FFF2-40B4-BE49-F238E27FC236}">
+                <a16:creationId xmlns:a16="http://schemas.microsoft.com/office/drawing/2014/main" id="{3E8A96B1-429E-E429-8A2A-2B5DCCCD06C6}"/>
+              </a:ext>
+            </a:extLst>
+          </p:cNvPr>
+          <p:cNvSpPr txBox="1"/>
+          <p:nvPr/>
+        </p:nvSpPr>
+        <p:spPr>
+          <a:xfrm>
+            <a:off x="538656" y="4619297"/>
+            <a:ext cx="9645870" cy="869790"/>
+          </a:xfrm>
+          <a:prstGeom prst="rect">
+            <a:avLst/>
+          </a:prstGeom>
+          <a:noFill/>
+        </p:spPr>
+        <p:txBody>
+          <a:bodyPr wrap="square" rtlCol="0">
+            <a:spAutoFit/>
+          </a:bodyPr>
+          <a:lstStyle/>
+          <a:p>
+            <a:pPr>
+              <a:lnSpc>
+                <a:spcPct val="150000"/>
+              </a:lnSpc>
+            </a:pPr>
+            <a:r>
+              <a:rPr lang="ko-KR" altLang="en-US" dirty="0" err="1"/>
+              <a:t>메인이</a:t>
+            </a:r>
+            <a:r>
+              <a:rPr lang="ko-KR" altLang="en-US" dirty="0"/>
+              <a:t> 되는 화면이다</a:t>
+            </a:r>
+            <a:r>
+              <a:rPr lang="en-US" altLang="ko-KR" dirty="0"/>
+              <a:t>. </a:t>
+            </a:r>
+            <a:r>
+              <a:rPr lang="ko-KR" altLang="en-US" dirty="0"/>
+              <a:t>여기서 송출될 화면을 구성한다</a:t>
+            </a:r>
+            <a:r>
+              <a:rPr lang="en-US" altLang="ko-KR" dirty="0"/>
+              <a:t>.</a:t>
+            </a:r>
+          </a:p>
+          <a:p>
+            <a:pPr>
+              <a:lnSpc>
+                <a:spcPct val="150000"/>
+              </a:lnSpc>
+            </a:pPr>
+            <a:r>
+              <a:rPr lang="ko-KR" altLang="en-US" u="sng" dirty="0"/>
+              <a:t>단 하나의 카드만 추가할 수 있다</a:t>
+            </a:r>
+            <a:r>
+              <a:rPr lang="en-US" altLang="ko-KR" u="sng" dirty="0"/>
+              <a:t>.</a:t>
+            </a:r>
+          </a:p>
+        </p:txBody>
+      </p:sp>
+    </p:spTree>
+    <p:extLst>
+      <p:ext uri="{BB962C8B-B14F-4D97-AF65-F5344CB8AC3E}">
+        <p14:creationId xmlns:p14="http://schemas.microsoft.com/office/powerpoint/2010/main" val="1868109162"/>
+      </p:ext>
+    </p:extLst>
+  </p:cSld>
+  <p:clrMapOvr>
+    <a:masterClrMapping/>
+  </p:clrMapOvr>
+</p:sld>
+</file>
+
+<file path=ppt/slides/slide18.xml><?xml version="1.0" encoding="utf-8"?>
+<p:sld xmlns:a="http://schemas.openxmlformats.org/drawingml/2006/main" xmlns:r="http://schemas.openxmlformats.org/officeDocument/2006/relationships" xmlns:p="http://schemas.openxmlformats.org/presentationml/2006/main">
+  <p:cSld>
+    <p:spTree>
+      <p:nvGrpSpPr>
+        <p:cNvPr id="1" name=""/>
+        <p:cNvGrpSpPr/>
+        <p:nvPr/>
+      </p:nvGrpSpPr>
+      <p:grpSpPr>
+        <a:xfrm>
+          <a:off x="0" y="0"/>
+          <a:ext cx="0" cy="0"/>
+          <a:chOff x="0" y="0"/>
+          <a:chExt cx="0" cy="0"/>
+        </a:xfrm>
+      </p:grpSpPr>
+      <p:sp>
+        <p:nvSpPr>
+          <p:cNvPr id="2" name="제목 1">
+            <a:extLst>
+              <a:ext uri="{FF2B5EF4-FFF2-40B4-BE49-F238E27FC236}">
+                <a16:creationId xmlns:a16="http://schemas.microsoft.com/office/drawing/2014/main" id="{4E4D6850-8629-08EE-29A6-E3E8C1C7D1F7}"/>
+              </a:ext>
+            </a:extLst>
+          </p:cNvPr>
+          <p:cNvSpPr>
+            <a:spLocks noGrp="1"/>
+          </p:cNvSpPr>
+          <p:nvPr>
+            <p:ph type="title"/>
+          </p:nvPr>
+        </p:nvSpPr>
+        <p:spPr>
+          <a:xfrm>
+            <a:off x="838200" y="365125"/>
+            <a:ext cx="10515600" cy="1325563"/>
+          </a:xfrm>
+        </p:spPr>
+        <p:txBody>
+          <a:bodyPr/>
+          <a:lstStyle/>
+          <a:p>
+            <a:r>
+              <a:rPr lang="en-US" altLang="ko-KR" dirty="0" err="1"/>
+              <a:t>ShowingSmallScreen</a:t>
+            </a:r>
+            <a:r>
+              <a:rPr lang="en-US" altLang="ko-KR" dirty="0"/>
+              <a:t> ( </a:t>
+            </a:r>
+            <a:r>
+              <a:rPr lang="ko-KR" altLang="en-US" dirty="0"/>
+              <a:t>이름 미정 </a:t>
+            </a:r>
+            <a:r>
+              <a:rPr lang="en-US" altLang="ko-KR" dirty="0"/>
+              <a:t>)</a:t>
+            </a:r>
+            <a:endParaRPr lang="ko-KR" altLang="en-US" dirty="0"/>
+          </a:p>
+        </p:txBody>
+      </p:sp>
+      <p:sp>
+        <p:nvSpPr>
+          <p:cNvPr id="5" name="TextBox 4">
+            <a:extLst>
+              <a:ext uri="{FF2B5EF4-FFF2-40B4-BE49-F238E27FC236}">
+                <a16:creationId xmlns:a16="http://schemas.microsoft.com/office/drawing/2014/main" id="{351FC469-5354-D4C4-854C-DF5946D57158}"/>
+              </a:ext>
+            </a:extLst>
+          </p:cNvPr>
+          <p:cNvSpPr txBox="1"/>
+          <p:nvPr/>
+        </p:nvSpPr>
+        <p:spPr>
+          <a:xfrm>
+            <a:off x="838199" y="2806263"/>
+            <a:ext cx="6796178" cy="869790"/>
+          </a:xfrm>
+          <a:prstGeom prst="rect">
+            <a:avLst/>
+          </a:prstGeom>
+          <a:noFill/>
+        </p:spPr>
+        <p:txBody>
+          <a:bodyPr wrap="square" rtlCol="0">
+            <a:spAutoFit/>
+          </a:bodyPr>
+          <a:lstStyle/>
+          <a:p>
+            <a:pPr>
+              <a:lnSpc>
+                <a:spcPct val="150000"/>
+              </a:lnSpc>
+            </a:pPr>
+            <a:r>
+              <a:rPr lang="ko-KR" altLang="en-US" dirty="0"/>
+              <a:t>현재 선택된 카드의 설명을 보여주는 컨트롤</a:t>
+            </a:r>
+            <a:r>
+              <a:rPr lang="en-US" altLang="ko-KR" dirty="0"/>
+              <a:t>.</a:t>
+            </a:r>
+          </a:p>
+          <a:p>
+            <a:pPr>
+              <a:lnSpc>
+                <a:spcPct val="150000"/>
+              </a:lnSpc>
+            </a:pPr>
+            <a:endParaRPr lang="en-US" altLang="ko-KR" dirty="0"/>
+          </a:p>
+        </p:txBody>
+      </p:sp>
+      <p:sp>
+        <p:nvSpPr>
+          <p:cNvPr id="6" name="직사각형 5">
+            <a:extLst>
+              <a:ext uri="{FF2B5EF4-FFF2-40B4-BE49-F238E27FC236}">
+                <a16:creationId xmlns:a16="http://schemas.microsoft.com/office/drawing/2014/main" id="{394626A5-CCC6-DFD3-4C66-2F055FDF355A}"/>
+              </a:ext>
+            </a:extLst>
+          </p:cNvPr>
+          <p:cNvSpPr/>
+          <p:nvPr/>
+        </p:nvSpPr>
+        <p:spPr>
+          <a:xfrm>
+            <a:off x="9079326" y="1561292"/>
+            <a:ext cx="1783710" cy="2707891"/>
+          </a:xfrm>
+          <a:prstGeom prst="rect">
+            <a:avLst/>
+          </a:prstGeom>
+        </p:spPr>
+        <p:style>
+          <a:lnRef idx="2">
+            <a:schemeClr val="accent3"/>
+          </a:lnRef>
+          <a:fillRef idx="1">
+            <a:schemeClr val="lt1"/>
+          </a:fillRef>
+          <a:effectRef idx="0">
+            <a:schemeClr val="accent3"/>
+          </a:effectRef>
+          <a:fontRef idx="minor">
+            <a:schemeClr val="dk1"/>
+          </a:fontRef>
+        </p:style>
+        <p:txBody>
+          <a:bodyPr rtlCol="0" anchor="ctr"/>
+          <a:lstStyle/>
+          <a:p>
+            <a:pPr algn="ctr"/>
+            <a:r>
+              <a:rPr lang="en-US" altLang="ko-KR" dirty="0"/>
+              <a:t>Card</a:t>
+            </a:r>
+            <a:endParaRPr lang="ko-KR" altLang="en-US" dirty="0"/>
+          </a:p>
+        </p:txBody>
+      </p:sp>
+      <p:sp>
+        <p:nvSpPr>
+          <p:cNvPr id="7" name="TextBox 6">
+            <a:extLst>
+              <a:ext uri="{FF2B5EF4-FFF2-40B4-BE49-F238E27FC236}">
+                <a16:creationId xmlns:a16="http://schemas.microsoft.com/office/drawing/2014/main" id="{4240B6E9-8DC8-FC06-D40D-0DE5D1253494}"/>
+              </a:ext>
+            </a:extLst>
+          </p:cNvPr>
+          <p:cNvSpPr txBox="1"/>
+          <p:nvPr/>
+        </p:nvSpPr>
+        <p:spPr>
+          <a:xfrm>
+            <a:off x="9636659" y="4364073"/>
+            <a:ext cx="669043" cy="454292"/>
+          </a:xfrm>
+          <a:prstGeom prst="rect">
+            <a:avLst/>
+          </a:prstGeom>
+          <a:noFill/>
+        </p:spPr>
+        <p:txBody>
+          <a:bodyPr wrap="square" rtlCol="0">
+            <a:spAutoFit/>
+          </a:bodyPr>
+          <a:lstStyle/>
+          <a:p>
+            <a:pPr>
+              <a:lnSpc>
+                <a:spcPct val="150000"/>
+              </a:lnSpc>
+            </a:pPr>
+            <a:r>
+              <a:rPr lang="ko-KR" altLang="en-US" u="sng" dirty="0"/>
+              <a:t>설명</a:t>
+            </a:r>
+            <a:endParaRPr lang="en-US" altLang="ko-KR" u="sng" dirty="0"/>
+          </a:p>
+        </p:txBody>
+      </p:sp>
+    </p:spTree>
+    <p:extLst>
+      <p:ext uri="{BB962C8B-B14F-4D97-AF65-F5344CB8AC3E}">
+        <p14:creationId xmlns:p14="http://schemas.microsoft.com/office/powerpoint/2010/main" val="2061954934"/>
+      </p:ext>
+    </p:extLst>
+  </p:cSld>
+  <p:clrMapOvr>
+    <a:masterClrMapping/>
+  </p:clrMapOvr>
+</p:sld>
+</file>
+
+<file path=ppt/slides/slide19.xml><?xml version="1.0" encoding="utf-8"?>
+<p:sld xmlns:a="http://schemas.openxmlformats.org/drawingml/2006/main" xmlns:r="http://schemas.openxmlformats.org/officeDocument/2006/relationships" xmlns:p="http://schemas.openxmlformats.org/presentationml/2006/main">
+  <p:cSld>
+    <p:spTree>
+      <p:nvGrpSpPr>
+        <p:cNvPr id="1" name=""/>
+        <p:cNvGrpSpPr/>
+        <p:nvPr/>
+      </p:nvGrpSpPr>
+      <p:grpSpPr>
+        <a:xfrm>
+          <a:off x="0" y="0"/>
+          <a:ext cx="0" cy="0"/>
+          <a:chOff x="0" y="0"/>
+          <a:chExt cx="0" cy="0"/>
+        </a:xfrm>
+      </p:grpSpPr>
+      <p:sp>
+        <p:nvSpPr>
+          <p:cNvPr id="2" name="제목 1">
+            <a:extLst>
+              <a:ext uri="{FF2B5EF4-FFF2-40B4-BE49-F238E27FC236}">
+                <a16:creationId xmlns:a16="http://schemas.microsoft.com/office/drawing/2014/main" id="{4E4D6850-8629-08EE-29A6-E3E8C1C7D1F7}"/>
+              </a:ext>
+            </a:extLst>
+          </p:cNvPr>
+          <p:cNvSpPr>
+            <a:spLocks noGrp="1"/>
+          </p:cNvSpPr>
+          <p:nvPr>
+            <p:ph type="title"/>
+          </p:nvPr>
+        </p:nvSpPr>
+        <p:spPr>
+          <a:xfrm>
+            <a:off x="838200" y="365125"/>
+            <a:ext cx="10515600" cy="1325563"/>
+          </a:xfrm>
+        </p:spPr>
+        <p:txBody>
+          <a:bodyPr/>
+          <a:lstStyle/>
+          <a:p>
+            <a:r>
+              <a:rPr lang="en-US" altLang="ko-KR" dirty="0" err="1"/>
+              <a:t>ShowingLargeScreen</a:t>
+            </a:r>
+            <a:r>
+              <a:rPr lang="en-US" altLang="ko-KR" dirty="0"/>
+              <a:t> ( </a:t>
+            </a:r>
+            <a:r>
+              <a:rPr lang="ko-KR" altLang="en-US" dirty="0"/>
+              <a:t>이름 미정 </a:t>
+            </a:r>
+            <a:r>
+              <a:rPr lang="en-US" altLang="ko-KR" dirty="0"/>
+              <a:t>)</a:t>
+            </a:r>
+            <a:endParaRPr lang="ko-KR" altLang="en-US" dirty="0"/>
+          </a:p>
+        </p:txBody>
+      </p:sp>
+      <p:sp>
+        <p:nvSpPr>
+          <p:cNvPr id="5" name="TextBox 4">
+            <a:extLst>
+              <a:ext uri="{FF2B5EF4-FFF2-40B4-BE49-F238E27FC236}">
+                <a16:creationId xmlns:a16="http://schemas.microsoft.com/office/drawing/2014/main" id="{351FC469-5354-D4C4-854C-DF5946D57158}"/>
+              </a:ext>
+            </a:extLst>
+          </p:cNvPr>
+          <p:cNvSpPr txBox="1"/>
+          <p:nvPr/>
+        </p:nvSpPr>
+        <p:spPr>
+          <a:xfrm>
+            <a:off x="838199" y="2806263"/>
+            <a:ext cx="6796178" cy="869790"/>
+          </a:xfrm>
+          <a:prstGeom prst="rect">
+            <a:avLst/>
+          </a:prstGeom>
+          <a:noFill/>
+        </p:spPr>
+        <p:txBody>
+          <a:bodyPr wrap="square" rtlCol="0">
+            <a:spAutoFit/>
+          </a:bodyPr>
+          <a:lstStyle/>
+          <a:p>
+            <a:pPr>
+              <a:lnSpc>
+                <a:spcPct val="150000"/>
+              </a:lnSpc>
+            </a:pPr>
+            <a:r>
+              <a:rPr lang="ko-KR" altLang="en-US" dirty="0"/>
+              <a:t>현재 선택된 카드의 설명을 보여주는 컨트롤</a:t>
+            </a:r>
+            <a:r>
+              <a:rPr lang="en-US" altLang="ko-KR" dirty="0"/>
+              <a:t>.</a:t>
+            </a:r>
+          </a:p>
+          <a:p>
+            <a:pPr>
+              <a:lnSpc>
+                <a:spcPct val="150000"/>
+              </a:lnSpc>
+            </a:pPr>
+            <a:endParaRPr lang="en-US" altLang="ko-KR" dirty="0"/>
+          </a:p>
+        </p:txBody>
+      </p:sp>
+      <p:sp>
+        <p:nvSpPr>
+          <p:cNvPr id="6" name="직사각형 5">
+            <a:extLst>
+              <a:ext uri="{FF2B5EF4-FFF2-40B4-BE49-F238E27FC236}">
+                <a16:creationId xmlns:a16="http://schemas.microsoft.com/office/drawing/2014/main" id="{394626A5-CCC6-DFD3-4C66-2F055FDF355A}"/>
+              </a:ext>
+            </a:extLst>
+          </p:cNvPr>
+          <p:cNvSpPr/>
+          <p:nvPr/>
+        </p:nvSpPr>
+        <p:spPr>
+          <a:xfrm>
+            <a:off x="7159925" y="1561292"/>
+            <a:ext cx="5032075" cy="3140104"/>
+          </a:xfrm>
+          <a:prstGeom prst="rect">
+            <a:avLst/>
+          </a:prstGeom>
+        </p:spPr>
+        <p:style>
+          <a:lnRef idx="2">
+            <a:schemeClr val="accent3"/>
+          </a:lnRef>
+          <a:fillRef idx="1">
+            <a:schemeClr val="lt1"/>
+          </a:fillRef>
+          <a:effectRef idx="0">
+            <a:schemeClr val="accent3"/>
+          </a:effectRef>
+          <a:fontRef idx="minor">
+            <a:schemeClr val="dk1"/>
+          </a:fontRef>
+        </p:style>
+        <p:txBody>
+          <a:bodyPr rtlCol="0" anchor="ctr"/>
+          <a:lstStyle/>
+          <a:p>
+            <a:pPr algn="ctr"/>
+            <a:endParaRPr lang="ko-KR" altLang="en-US" dirty="0"/>
+          </a:p>
+        </p:txBody>
+      </p:sp>
+      <p:sp>
+        <p:nvSpPr>
+          <p:cNvPr id="3" name="직사각형 2">
+            <a:extLst>
+              <a:ext uri="{FF2B5EF4-FFF2-40B4-BE49-F238E27FC236}">
+                <a16:creationId xmlns:a16="http://schemas.microsoft.com/office/drawing/2014/main" id="{0015DB9E-D0E3-6288-496A-51ACD1F86FCE}"/>
+              </a:ext>
+            </a:extLst>
+          </p:cNvPr>
+          <p:cNvSpPr/>
+          <p:nvPr/>
+        </p:nvSpPr>
+        <p:spPr>
+          <a:xfrm>
+            <a:off x="8832176" y="1860295"/>
+            <a:ext cx="536111" cy="839773"/>
+          </a:xfrm>
+          <a:prstGeom prst="rect">
+            <a:avLst/>
+          </a:prstGeom>
+        </p:spPr>
+        <p:style>
+          <a:lnRef idx="2">
+            <a:schemeClr val="accent3"/>
+          </a:lnRef>
+          <a:fillRef idx="1">
+            <a:schemeClr val="lt1"/>
+          </a:fillRef>
+          <a:effectRef idx="0">
+            <a:schemeClr val="accent3"/>
+          </a:effectRef>
+          <a:fontRef idx="minor">
+            <a:schemeClr val="dk1"/>
+          </a:fontRef>
+        </p:style>
+        <p:txBody>
+          <a:bodyPr rtlCol="0" anchor="ctr"/>
+          <a:lstStyle/>
+          <a:p>
+            <a:pPr algn="ctr"/>
+            <a:r>
+              <a:rPr lang="en-US" altLang="ko-KR" sz="1050" dirty="0"/>
+              <a:t>Card</a:t>
+            </a:r>
+            <a:endParaRPr lang="ko-KR" altLang="en-US" sz="1050" dirty="0"/>
+          </a:p>
+        </p:txBody>
+      </p:sp>
+      <p:sp>
+        <p:nvSpPr>
+          <p:cNvPr id="4" name="직사각형 3">
+            <a:extLst>
+              <a:ext uri="{FF2B5EF4-FFF2-40B4-BE49-F238E27FC236}">
+                <a16:creationId xmlns:a16="http://schemas.microsoft.com/office/drawing/2014/main" id="{9157E304-688C-EAF9-3F02-5960DDD436F8}"/>
+              </a:ext>
+            </a:extLst>
+          </p:cNvPr>
+          <p:cNvSpPr/>
+          <p:nvPr/>
+        </p:nvSpPr>
+        <p:spPr>
+          <a:xfrm>
+            <a:off x="10376304" y="1936382"/>
+            <a:ext cx="536111" cy="839773"/>
+          </a:xfrm>
+          <a:prstGeom prst="rect">
+            <a:avLst/>
+          </a:prstGeom>
+        </p:spPr>
+        <p:style>
+          <a:lnRef idx="2">
+            <a:schemeClr val="accent3"/>
+          </a:lnRef>
+          <a:fillRef idx="1">
+            <a:schemeClr val="lt1"/>
+          </a:fillRef>
+          <a:effectRef idx="0">
+            <a:schemeClr val="accent3"/>
+          </a:effectRef>
+          <a:fontRef idx="minor">
+            <a:schemeClr val="dk1"/>
+          </a:fontRef>
+        </p:style>
+        <p:txBody>
+          <a:bodyPr rtlCol="0" anchor="ctr"/>
+          <a:lstStyle/>
+          <a:p>
+            <a:pPr algn="ctr"/>
+            <a:r>
+              <a:rPr lang="en-US" altLang="ko-KR" sz="1050" dirty="0"/>
+              <a:t>Card</a:t>
+            </a:r>
+            <a:endParaRPr lang="ko-KR" altLang="en-US" sz="1050" dirty="0"/>
+          </a:p>
+        </p:txBody>
+      </p:sp>
+      <p:sp>
+        <p:nvSpPr>
+          <p:cNvPr id="8" name="직사각형 7">
+            <a:extLst>
+              <a:ext uri="{FF2B5EF4-FFF2-40B4-BE49-F238E27FC236}">
+                <a16:creationId xmlns:a16="http://schemas.microsoft.com/office/drawing/2014/main" id="{E82DCDFF-D888-0D98-8F58-BD5A31DA0C3F}"/>
+              </a:ext>
+            </a:extLst>
+          </p:cNvPr>
+          <p:cNvSpPr/>
+          <p:nvPr/>
+        </p:nvSpPr>
+        <p:spPr>
+          <a:xfrm>
+            <a:off x="11366431" y="2466968"/>
+            <a:ext cx="536111" cy="839773"/>
+          </a:xfrm>
+          <a:prstGeom prst="rect">
+            <a:avLst/>
+          </a:prstGeom>
+        </p:spPr>
+        <p:style>
+          <a:lnRef idx="2">
+            <a:schemeClr val="accent3"/>
+          </a:lnRef>
+          <a:fillRef idx="1">
+            <a:schemeClr val="lt1"/>
+          </a:fillRef>
+          <a:effectRef idx="0">
+            <a:schemeClr val="accent3"/>
+          </a:effectRef>
+          <a:fontRef idx="minor">
+            <a:schemeClr val="dk1"/>
+          </a:fontRef>
+        </p:style>
+        <p:txBody>
+          <a:bodyPr rtlCol="0" anchor="ctr"/>
+          <a:lstStyle/>
+          <a:p>
+            <a:pPr algn="ctr"/>
+            <a:r>
+              <a:rPr lang="en-US" altLang="ko-KR" sz="1050" dirty="0"/>
+              <a:t>Card</a:t>
+            </a:r>
+            <a:endParaRPr lang="ko-KR" altLang="en-US" sz="1050" dirty="0"/>
+          </a:p>
+        </p:txBody>
+      </p:sp>
+      <p:sp>
+        <p:nvSpPr>
+          <p:cNvPr id="11" name="직사각형 10">
+            <a:extLst>
+              <a:ext uri="{FF2B5EF4-FFF2-40B4-BE49-F238E27FC236}">
+                <a16:creationId xmlns:a16="http://schemas.microsoft.com/office/drawing/2014/main" id="{B73A0C6B-816D-43B4-1BEE-FA55750FE8AC}"/>
+              </a:ext>
+            </a:extLst>
+          </p:cNvPr>
+          <p:cNvSpPr/>
+          <p:nvPr/>
+        </p:nvSpPr>
+        <p:spPr>
+          <a:xfrm>
+            <a:off x="7191884" y="1828589"/>
+            <a:ext cx="985958" cy="1251041"/>
+          </a:xfrm>
+          <a:prstGeom prst="rect">
+            <a:avLst/>
+          </a:prstGeom>
+        </p:spPr>
+        <p:style>
+          <a:lnRef idx="2">
+            <a:schemeClr val="accent3"/>
+          </a:lnRef>
+          <a:fillRef idx="1">
+            <a:schemeClr val="lt1"/>
+          </a:fillRef>
+          <a:effectRef idx="0">
+            <a:schemeClr val="accent3"/>
+          </a:effectRef>
+          <a:fontRef idx="minor">
+            <a:schemeClr val="dk1"/>
+          </a:fontRef>
+        </p:style>
+        <p:txBody>
+          <a:bodyPr rtlCol="0" anchor="ctr"/>
+          <a:lstStyle/>
+          <a:p>
+            <a:pPr algn="ctr"/>
+            <a:r>
+              <a:rPr lang="en-US" altLang="ko-KR" sz="1050" dirty="0"/>
+              <a:t>Showing</a:t>
+            </a:r>
+          </a:p>
+          <a:p>
+            <a:pPr algn="ctr"/>
+            <a:r>
+              <a:rPr lang="en-US" altLang="ko-KR" sz="1050" dirty="0"/>
+              <a:t>Small</a:t>
+            </a:r>
+          </a:p>
+          <a:p>
+            <a:pPr algn="ctr"/>
+            <a:r>
+              <a:rPr lang="en-US" altLang="ko-KR" sz="1050" dirty="0"/>
+              <a:t>Screen</a:t>
+            </a:r>
+            <a:endParaRPr lang="ko-KR" altLang="en-US" sz="1050" dirty="0"/>
+          </a:p>
+        </p:txBody>
+      </p:sp>
+    </p:spTree>
+    <p:extLst>
+      <p:ext uri="{BB962C8B-B14F-4D97-AF65-F5344CB8AC3E}">
+        <p14:creationId xmlns:p14="http://schemas.microsoft.com/office/powerpoint/2010/main" val="2811080802"/>
       </p:ext>
     </p:extLst>
   </p:cSld>
@@ -3928,16 +6393,100 @@
           <a:p>
             <a:r>
               <a:rPr lang="ko-KR" altLang="en-US" dirty="0"/>
-              <a:t>카드 </a:t>
-            </a:r>
-            <a:r>
-              <a:rPr lang="ko-KR" altLang="en-US" dirty="0" err="1"/>
-              <a:t>덱</a:t>
-            </a:r>
-            <a:r>
-              <a:rPr lang="ko-KR" altLang="en-US" dirty="0"/>
-              <a:t> 폴더 구조</a:t>
-            </a:r>
+              <a:t>용어 정의</a:t>
+            </a:r>
+          </a:p>
+        </p:txBody>
+      </p:sp>
+      <p:sp>
+        <p:nvSpPr>
+          <p:cNvPr id="4" name="내용 개체 틀 2">
+            <a:extLst>
+              <a:ext uri="{FF2B5EF4-FFF2-40B4-BE49-F238E27FC236}">
+                <a16:creationId xmlns:a16="http://schemas.microsoft.com/office/drawing/2014/main" id="{8A6E2EAD-0DAC-43FB-C7A6-13C811D1406F}"/>
+              </a:ext>
+            </a:extLst>
+          </p:cNvPr>
+          <p:cNvSpPr>
+            <a:spLocks noGrp="1"/>
+          </p:cNvSpPr>
+          <p:nvPr>
+            <p:ph idx="1"/>
+          </p:nvPr>
+        </p:nvSpPr>
+        <p:spPr>
+          <a:xfrm>
+            <a:off x="838200" y="1825624"/>
+            <a:ext cx="10970172" cy="5032375"/>
+          </a:xfrm>
+        </p:spPr>
+        <p:txBody>
+          <a:bodyPr>
+            <a:normAutofit/>
+          </a:bodyPr>
+          <a:lstStyle/>
+          <a:p>
+            <a:r>
+              <a:rPr lang="ko-KR" altLang="en-US" dirty="0"/>
+              <a:t>스프레드 </a:t>
+            </a:r>
+            <a:r>
+              <a:rPr lang="en-US" altLang="ko-KR" dirty="0"/>
+              <a:t>: </a:t>
+            </a:r>
+            <a:r>
+              <a:rPr lang="ko-KR" altLang="en-US" dirty="0"/>
+              <a:t>카드 배치도</a:t>
+            </a:r>
+            <a:r>
+              <a:rPr lang="en-US" altLang="ko-KR" dirty="0"/>
+              <a:t>. </a:t>
+            </a:r>
+            <a:r>
+              <a:rPr lang="ko-KR" altLang="en-US" dirty="0"/>
+              <a:t>뒤집혀진 카드가 템플릿처럼 배치되어 </a:t>
+            </a:r>
+            <a:endParaRPr lang="en-US" altLang="ko-KR" dirty="0"/>
+          </a:p>
+          <a:p>
+            <a:pPr marL="0" indent="0">
+              <a:buNone/>
+            </a:pPr>
+            <a:r>
+              <a:rPr lang="en-US" altLang="ko-KR" dirty="0"/>
+              <a:t>		</a:t>
+            </a:r>
+            <a:r>
+              <a:rPr lang="ko-KR" altLang="en-US" dirty="0"/>
+              <a:t>있으며</a:t>
+            </a:r>
+            <a:r>
+              <a:rPr lang="en-US" altLang="ko-KR" dirty="0"/>
+              <a:t>, </a:t>
+            </a:r>
+            <a:r>
+              <a:rPr lang="ko-KR" altLang="en-US" dirty="0"/>
+              <a:t>클릭을 하여 카드를 변경할 수 있다</a:t>
+            </a:r>
+            <a:r>
+              <a:rPr lang="en-US" altLang="ko-KR" dirty="0"/>
+              <a:t>.</a:t>
+            </a:r>
+          </a:p>
+          <a:p>
+            <a:pPr marL="0" indent="0">
+              <a:buNone/>
+            </a:pPr>
+            <a:endParaRPr lang="en-US" altLang="ko-KR" dirty="0"/>
+          </a:p>
+          <a:p>
+            <a:pPr marL="0" indent="0">
+              <a:buNone/>
+            </a:pPr>
+            <a:endParaRPr lang="en-US" altLang="ko-KR" dirty="0"/>
+          </a:p>
+          <a:p>
+            <a:endParaRPr lang="ko-KR" altLang="en-US" dirty="0"/>
           </a:p>
         </p:txBody>
       </p:sp>
@@ -3976,7 +6525,7 @@
           <p:cNvPr id="2" name="제목 1">
             <a:extLst>
               <a:ext uri="{FF2B5EF4-FFF2-40B4-BE49-F238E27FC236}">
-                <a16:creationId xmlns:a16="http://schemas.microsoft.com/office/drawing/2014/main" id="{A9BCE100-4D3E-CFE0-C356-EC822402C08F}"/>
+                <a16:creationId xmlns:a16="http://schemas.microsoft.com/office/drawing/2014/main" id="{00F0F902-56FF-CE83-0E0D-6EA344E4D0C3}"/>
               </a:ext>
             </a:extLst>
           </p:cNvPr>
@@ -3985,29 +6534,256 @@
           </p:cNvSpPr>
           <p:nvPr>
             <p:ph type="title"/>
+          </p:nvPr>
+        </p:nvSpPr>
+        <p:spPr/>
+        <p:txBody>
+          <a:bodyPr/>
+          <a:lstStyle/>
+          <a:p>
+            <a:r>
+              <a:rPr lang="ko-KR" altLang="en-US" dirty="0"/>
+              <a:t>프로그램 흐름 </a:t>
+            </a:r>
+            <a:r>
+              <a:rPr lang="en-US" altLang="ko-KR" dirty="0"/>
+              <a:t>– </a:t>
+            </a:r>
+            <a:r>
+              <a:rPr lang="ko-KR" altLang="en-US" dirty="0"/>
+              <a:t>카드 컨트롤 추가</a:t>
+            </a:r>
+          </a:p>
+        </p:txBody>
+      </p:sp>
+      <p:sp>
+        <p:nvSpPr>
+          <p:cNvPr id="3" name="내용 개체 틀 2">
+            <a:extLst>
+              <a:ext uri="{FF2B5EF4-FFF2-40B4-BE49-F238E27FC236}">
+                <a16:creationId xmlns:a16="http://schemas.microsoft.com/office/drawing/2014/main" id="{0A7D33D6-E5F4-8737-3AA4-8A995A5324A8}"/>
+              </a:ext>
+            </a:extLst>
+          </p:cNvPr>
+          <p:cNvSpPr>
+            <a:spLocks noGrp="1"/>
+          </p:cNvSpPr>
+          <p:nvPr>
+            <p:ph idx="1"/>
           </p:nvPr>
         </p:nvSpPr>
         <p:spPr>
           <a:xfrm>
-            <a:off x="4107611" y="2556234"/>
-            <a:ext cx="3207589" cy="1325563"/>
+            <a:off x="838200" y="1825624"/>
+            <a:ext cx="10970172" cy="5032375"/>
           </a:xfrm>
         </p:spPr>
         <p:txBody>
-          <a:bodyPr/>
-          <a:lstStyle/>
-          <a:p>
-            <a:r>
-              <a:rPr lang="ko-KR" altLang="en-US" dirty="0"/>
-              <a:t>클래스 설계</a:t>
-            </a:r>
+          <a:bodyPr>
+            <a:normAutofit/>
+          </a:bodyPr>
+          <a:lstStyle/>
+          <a:p>
+            <a:r>
+              <a:rPr lang="en-US" altLang="ko-KR" dirty="0"/>
+              <a:t>1. </a:t>
+            </a:r>
+            <a:r>
+              <a:rPr lang="ko-KR" altLang="en-US" dirty="0"/>
+              <a:t>프로그램 시작</a:t>
+            </a:r>
+            <a:endParaRPr lang="en-US" altLang="ko-KR" dirty="0"/>
+          </a:p>
+          <a:p>
+            <a:r>
+              <a:rPr lang="en-US" altLang="ko-KR" dirty="0"/>
+              <a:t>2. </a:t>
+            </a:r>
+            <a:r>
+              <a:rPr lang="en-US" altLang="ko-KR" dirty="0" err="1"/>
+              <a:t>XMLParser</a:t>
+            </a:r>
+            <a:r>
+              <a:rPr lang="ko-KR" altLang="en-US" dirty="0"/>
+              <a:t>로 </a:t>
+            </a:r>
+            <a:r>
+              <a:rPr lang="ko-KR" altLang="en-US" dirty="0" err="1"/>
+              <a:t>덱</a:t>
+            </a:r>
+            <a:r>
+              <a:rPr lang="ko-KR" altLang="en-US" dirty="0"/>
+              <a:t> 목록을 </a:t>
+            </a:r>
+            <a:r>
+              <a:rPr lang="ko-KR" altLang="en-US" dirty="0" err="1"/>
+              <a:t>로드하여</a:t>
+            </a:r>
+            <a:r>
+              <a:rPr lang="ko-KR" altLang="en-US" dirty="0"/>
+              <a:t> 리스트 형태로 저장</a:t>
+            </a:r>
+            <a:endParaRPr lang="en-US" altLang="ko-KR" dirty="0"/>
+          </a:p>
+          <a:p>
+            <a:r>
+              <a:rPr lang="en-US" altLang="ko-KR" dirty="0"/>
+              <a:t>3. </a:t>
+            </a:r>
+            <a:r>
+              <a:rPr lang="ko-KR" altLang="en-US" dirty="0"/>
+              <a:t>사용자가 스튜디오 화면에서 </a:t>
+            </a:r>
+            <a:r>
+              <a:rPr lang="ko-KR" altLang="en-US" dirty="0" err="1"/>
+              <a:t>우클릭</a:t>
+            </a:r>
+            <a:endParaRPr lang="en-US" altLang="ko-KR" dirty="0"/>
+          </a:p>
+          <a:p>
+            <a:r>
+              <a:rPr lang="en-US" altLang="ko-KR" dirty="0"/>
+              <a:t>4. </a:t>
+            </a:r>
+            <a:r>
+              <a:rPr lang="ko-KR" altLang="en-US" dirty="0"/>
+              <a:t>여러 컨텍스트 메뉴가 나옴</a:t>
+            </a:r>
+            <a:r>
+              <a:rPr lang="en-US" altLang="ko-KR" dirty="0"/>
+              <a:t>.</a:t>
+            </a:r>
+          </a:p>
+          <a:p>
+            <a:r>
+              <a:rPr lang="en-US" altLang="ko-KR" dirty="0"/>
+              <a:t>5. [</a:t>
+            </a:r>
+            <a:r>
+              <a:rPr lang="ko-KR" altLang="en-US" dirty="0"/>
+              <a:t>추가</a:t>
+            </a:r>
+            <a:r>
+              <a:rPr lang="en-US" altLang="ko-KR" dirty="0"/>
+              <a:t>] -&gt; [</a:t>
+            </a:r>
+            <a:r>
+              <a:rPr lang="ko-KR" altLang="en-US" dirty="0"/>
+              <a:t>카드</a:t>
+            </a:r>
+            <a:r>
+              <a:rPr lang="en-US" altLang="ko-KR" dirty="0"/>
+              <a:t>] </a:t>
+            </a:r>
+            <a:r>
+              <a:rPr lang="ko-KR" altLang="en-US" dirty="0" err="1"/>
+              <a:t>클릭시</a:t>
+            </a:r>
+            <a:r>
+              <a:rPr lang="ko-KR" altLang="en-US" dirty="0"/>
+              <a:t> 컨텍스트 메뉴 형태로 </a:t>
+            </a:r>
+            <a:r>
+              <a:rPr lang="ko-KR" altLang="en-US" dirty="0" err="1"/>
+              <a:t>덱</a:t>
+            </a:r>
+            <a:r>
+              <a:rPr lang="ko-KR" altLang="en-US" dirty="0"/>
+              <a:t> 리스트 표시</a:t>
+            </a:r>
+            <a:endParaRPr lang="en-US" altLang="ko-KR" dirty="0"/>
+          </a:p>
+          <a:p>
+            <a:r>
+              <a:rPr lang="en-US" altLang="ko-KR" dirty="0"/>
+              <a:t>6. </a:t>
+            </a:r>
+            <a:r>
+              <a:rPr lang="ko-KR" altLang="en-US" dirty="0" err="1"/>
+              <a:t>덱</a:t>
+            </a:r>
+            <a:r>
+              <a:rPr lang="ko-KR" altLang="en-US" dirty="0"/>
+              <a:t> 이름 </a:t>
+            </a:r>
+            <a:r>
+              <a:rPr lang="ko-KR" altLang="en-US" dirty="0" err="1"/>
+              <a:t>클릭시</a:t>
+            </a:r>
+            <a:r>
+              <a:rPr lang="ko-KR" altLang="en-US" dirty="0"/>
+              <a:t> </a:t>
+            </a:r>
+            <a:r>
+              <a:rPr lang="en-US" altLang="ko-KR" dirty="0" err="1"/>
+              <a:t>XMLParser</a:t>
+            </a:r>
+            <a:r>
+              <a:rPr lang="ko-KR" altLang="en-US" dirty="0"/>
+              <a:t>로 해당 이름의 </a:t>
+            </a:r>
+            <a:r>
+              <a:rPr lang="ko-KR" altLang="en-US" dirty="0" err="1"/>
+              <a:t>덱을</a:t>
+            </a:r>
+            <a:r>
+              <a:rPr lang="ko-KR" altLang="en-US" dirty="0"/>
+              <a:t> 찾아 로드</a:t>
+            </a:r>
+            <a:endParaRPr lang="en-US" altLang="ko-KR" dirty="0"/>
+          </a:p>
+          <a:p>
+            <a:r>
+              <a:rPr lang="en-US" altLang="ko-KR" dirty="0"/>
+              <a:t>7. </a:t>
+            </a:r>
+            <a:r>
+              <a:rPr lang="ko-KR" altLang="en-US" dirty="0"/>
+              <a:t>다이얼 로그 형태로 카드를 선택할 수 있는 윈도우 띄움</a:t>
+            </a:r>
+            <a:endParaRPr lang="en-US" altLang="ko-KR" dirty="0"/>
+          </a:p>
+          <a:p>
+            <a:r>
+              <a:rPr lang="en-US" altLang="ko-KR" dirty="0"/>
+              <a:t>8. </a:t>
+            </a:r>
+            <a:r>
+              <a:rPr lang="ko-KR" altLang="en-US" dirty="0"/>
+              <a:t>만약 다이얼 로그에서 </a:t>
+            </a:r>
+            <a:r>
+              <a:rPr lang="en-US" altLang="ko-KR" dirty="0"/>
+              <a:t>(</a:t>
+            </a:r>
+            <a:r>
+              <a:rPr lang="ko-KR" altLang="en-US" dirty="0" err="1"/>
+              <a:t>빈카드</a:t>
+            </a:r>
+            <a:r>
+              <a:rPr lang="en-US" altLang="ko-KR" dirty="0"/>
+              <a:t>) </a:t>
+            </a:r>
+            <a:r>
+              <a:rPr lang="ko-KR" altLang="en-US" dirty="0" err="1"/>
+              <a:t>선택시</a:t>
+            </a:r>
+            <a:r>
+              <a:rPr lang="ko-KR" altLang="en-US" dirty="0"/>
+              <a:t> 사용자는 빈카드를 클릭 후 다이얼 로그를 다시 띄워 카드를 다시 고를 수 있음</a:t>
+            </a:r>
+            <a:r>
+              <a:rPr lang="en-US" altLang="ko-KR" dirty="0"/>
+              <a:t>.</a:t>
+            </a:r>
+            <a:endParaRPr lang="ko-KR" altLang="en-US" dirty="0"/>
           </a:p>
         </p:txBody>
       </p:sp>
     </p:spTree>
     <p:extLst>
       <p:ext uri="{BB962C8B-B14F-4D97-AF65-F5344CB8AC3E}">
-        <p14:creationId xmlns:p14="http://schemas.microsoft.com/office/powerpoint/2010/main" val="1344494599"/>
+        <p14:creationId xmlns:p14="http://schemas.microsoft.com/office/powerpoint/2010/main" val="955096554"/>
       </p:ext>
     </p:extLst>
   </p:cSld>
@@ -4036,10 +6812,10 @@
       </p:grpSpPr>
       <p:sp>
         <p:nvSpPr>
-          <p:cNvPr id="4" name="제목 1">
-            <a:extLst>
-              <a:ext uri="{FF2B5EF4-FFF2-40B4-BE49-F238E27FC236}">
-                <a16:creationId xmlns:a16="http://schemas.microsoft.com/office/drawing/2014/main" id="{2A2D1BFF-456F-338A-12A8-17ED7E37032A}"/>
+          <p:cNvPr id="2" name="제목 1">
+            <a:extLst>
+              <a:ext uri="{FF2B5EF4-FFF2-40B4-BE49-F238E27FC236}">
+                <a16:creationId xmlns:a16="http://schemas.microsoft.com/office/drawing/2014/main" id="{A9BCE100-4D3E-CFE0-C356-EC822402C08F}"/>
               </a:ext>
             </a:extLst>
           </p:cNvPr>
@@ -4052,8 +6828,8 @@
         </p:nvSpPr>
         <p:spPr>
           <a:xfrm>
-            <a:off x="838200" y="365125"/>
-            <a:ext cx="10515600" cy="1325563"/>
+            <a:off x="4107611" y="2556234"/>
+            <a:ext cx="3207589" cy="1325563"/>
           </a:xfrm>
         </p:spPr>
         <p:txBody>
@@ -4061,135 +6837,8 @@
           <a:lstStyle/>
           <a:p>
             <a:r>
-              <a:rPr lang="en-US" altLang="ko-KR" dirty="0" err="1"/>
-              <a:t>UtilityClass</a:t>
-            </a:r>
-            <a:endParaRPr lang="ko-KR" altLang="en-US" dirty="0"/>
-          </a:p>
-        </p:txBody>
-      </p:sp>
-      <p:sp>
-        <p:nvSpPr>
-          <p:cNvPr id="5" name="TextBox 4">
-            <a:extLst>
-              <a:ext uri="{FF2B5EF4-FFF2-40B4-BE49-F238E27FC236}">
-                <a16:creationId xmlns:a16="http://schemas.microsoft.com/office/drawing/2014/main" id="{4BEBAC2E-1336-2FFE-8F36-B09DF5FEE548}"/>
-              </a:ext>
-            </a:extLst>
-          </p:cNvPr>
-          <p:cNvSpPr txBox="1"/>
-          <p:nvPr/>
-        </p:nvSpPr>
-        <p:spPr>
-          <a:xfrm>
-            <a:off x="838200" y="2806263"/>
-            <a:ext cx="6266459" cy="2531783"/>
-          </a:xfrm>
-          <a:prstGeom prst="rect">
-            <a:avLst/>
-          </a:prstGeom>
-          <a:noFill/>
-        </p:spPr>
-        <p:txBody>
-          <a:bodyPr wrap="none" rtlCol="0">
-            <a:spAutoFit/>
-          </a:bodyPr>
-          <a:lstStyle/>
-          <a:p>
-            <a:pPr>
-              <a:lnSpc>
-                <a:spcPct val="150000"/>
-              </a:lnSpc>
-            </a:pPr>
-            <a:r>
-              <a:rPr lang="ko-KR" altLang="en-US" dirty="0"/>
-              <a:t>여러 곳에서 공통적으로 사용되는 메소드들을 모은 클래스</a:t>
-            </a:r>
-            <a:r>
-              <a:rPr lang="en-US" altLang="ko-KR" dirty="0"/>
-              <a:t>.</a:t>
-            </a:r>
-          </a:p>
-          <a:p>
-            <a:pPr>
-              <a:lnSpc>
-                <a:spcPct val="150000"/>
-              </a:lnSpc>
-            </a:pPr>
-            <a:endParaRPr lang="en-US" altLang="ko-KR" dirty="0"/>
-          </a:p>
-          <a:p>
-            <a:pPr>
-              <a:lnSpc>
-                <a:spcPct val="150000"/>
-              </a:lnSpc>
-            </a:pPr>
-            <a:endParaRPr lang="en-US" altLang="ko-KR" dirty="0"/>
-          </a:p>
-          <a:p>
-            <a:pPr>
-              <a:lnSpc>
-                <a:spcPct val="150000"/>
-              </a:lnSpc>
-            </a:pPr>
-            <a:r>
-              <a:rPr lang="ko-KR" altLang="en-US" dirty="0"/>
-              <a:t>멤버변수가 없으며 모든 메소드들은 </a:t>
-            </a:r>
-            <a:r>
-              <a:rPr lang="en-US" altLang="ko-KR" dirty="0"/>
-              <a:t>static</a:t>
-            </a:r>
-            <a:r>
-              <a:rPr lang="ko-KR" altLang="en-US" dirty="0"/>
-              <a:t>으로 선언한다</a:t>
-            </a:r>
-            <a:r>
-              <a:rPr lang="en-US" altLang="ko-KR" dirty="0"/>
-              <a:t>.</a:t>
-            </a:r>
-          </a:p>
-          <a:p>
-            <a:pPr>
-              <a:lnSpc>
-                <a:spcPct val="150000"/>
-              </a:lnSpc>
-            </a:pPr>
-            <a:r>
-              <a:rPr lang="en-US" altLang="ko-KR" dirty="0"/>
-              <a:t>public final class</a:t>
-            </a:r>
-            <a:r>
-              <a:rPr lang="ko-KR" altLang="en-US" dirty="0"/>
-              <a:t>로 상속을 막으며</a:t>
-            </a:r>
-            <a:endParaRPr lang="en-US" altLang="ko-KR" dirty="0"/>
-          </a:p>
-          <a:p>
-            <a:pPr>
-              <a:lnSpc>
-                <a:spcPct val="150000"/>
-              </a:lnSpc>
-            </a:pPr>
-            <a:r>
-              <a:rPr lang="en-US" altLang="ko-KR" dirty="0"/>
-              <a:t>Private </a:t>
-            </a:r>
-            <a:r>
-              <a:rPr lang="en-US" altLang="ko-KR" dirty="0" err="1"/>
-              <a:t>UtilityClass</a:t>
-            </a:r>
-            <a:r>
-              <a:rPr lang="en-US" altLang="ko-KR" dirty="0"/>
-              <a:t>(){} </a:t>
-            </a:r>
-            <a:r>
-              <a:rPr lang="ko-KR" altLang="en-US" dirty="0"/>
-              <a:t>로 생성을 막는다</a:t>
-            </a:r>
-            <a:r>
-              <a:rPr lang="en-US" altLang="ko-KR" dirty="0"/>
-              <a:t>.</a:t>
+              <a:rPr lang="ko-KR" altLang="en-US" dirty="0"/>
+              <a:t>클래스 설계</a:t>
             </a:r>
           </a:p>
         </p:txBody>
@@ -4197,7 +6846,7 @@
     </p:spTree>
     <p:extLst>
       <p:ext uri="{BB962C8B-B14F-4D97-AF65-F5344CB8AC3E}">
-        <p14:creationId xmlns:p14="http://schemas.microsoft.com/office/powerpoint/2010/main" val="1474494540"/>
+        <p14:creationId xmlns:p14="http://schemas.microsoft.com/office/powerpoint/2010/main" val="1344494599"/>
       </p:ext>
     </p:extLst>
   </p:cSld>
@@ -4252,7 +6901,7 @@
           <a:p>
             <a:r>
               <a:rPr lang="en-US" altLang="ko-KR" dirty="0" err="1"/>
-              <a:t>JsonParser</a:t>
+              <a:t>UtilityClass</a:t>
             </a:r>
             <a:endParaRPr lang="ko-KR" altLang="en-US" dirty="0"/>
           </a:p>
@@ -4260,10 +6909,10 @@
       </p:sp>
       <p:sp>
         <p:nvSpPr>
-          <p:cNvPr id="2" name="TextBox 1">
-            <a:extLst>
-              <a:ext uri="{FF2B5EF4-FFF2-40B4-BE49-F238E27FC236}">
-                <a16:creationId xmlns:a16="http://schemas.microsoft.com/office/drawing/2014/main" id="{DF2A1D45-74B2-347C-F7E2-92FBC5B3F8E8}"/>
+          <p:cNvPr id="5" name="TextBox 4">
+            <a:extLst>
+              <a:ext uri="{FF2B5EF4-FFF2-40B4-BE49-F238E27FC236}">
+                <a16:creationId xmlns:a16="http://schemas.microsoft.com/office/drawing/2014/main" id="{4BEBAC2E-1336-2FFE-8F36-B09DF5FEE548}"/>
               </a:ext>
             </a:extLst>
           </p:cNvPr>
@@ -4273,7 +6922,7 @@
         <p:spPr>
           <a:xfrm>
             <a:off x="838200" y="2806263"/>
-            <a:ext cx="8089074" cy="3362780"/>
+            <a:ext cx="6266459" cy="2531783"/>
           </a:xfrm>
           <a:prstGeom prst="rect">
             <a:avLst/>
@@ -4292,117 +6941,12 @@
               </a:lnSpc>
             </a:pPr>
             <a:r>
-              <a:rPr lang="en-US" altLang="ko-KR" dirty="0"/>
-              <a:t>Json </a:t>
-            </a:r>
-            <a:r>
-              <a:rPr lang="ko-KR" altLang="en-US" dirty="0"/>
-              <a:t>데이터를 파싱 하여 반환하는 클래스</a:t>
+              <a:rPr lang="ko-KR" altLang="en-US" dirty="0"/>
+              <a:t>여러 곳에서 공통적으로 사용되는 메소드들을 모은 클래스</a:t>
             </a:r>
             <a:r>
               <a:rPr lang="en-US" altLang="ko-KR" dirty="0"/>
               <a:t>.</a:t>
-            </a:r>
-          </a:p>
-          <a:p>
-            <a:pPr>
-              <a:lnSpc>
-                <a:spcPct val="150000"/>
-              </a:lnSpc>
-            </a:pPr>
-            <a:r>
-              <a:rPr lang="ko-KR" altLang="en-US" dirty="0"/>
-              <a:t>파싱 된 데이터 </a:t>
-            </a:r>
-            <a:r>
-              <a:rPr lang="en-US" altLang="ko-KR" dirty="0"/>
-              <a:t>(</a:t>
-            </a:r>
-            <a:r>
-              <a:rPr lang="ko-KR" altLang="en-US" dirty="0"/>
-              <a:t>카드 </a:t>
-            </a:r>
-            <a:r>
-              <a:rPr lang="ko-KR" altLang="en-US" dirty="0" err="1"/>
-              <a:t>덱</a:t>
-            </a:r>
-            <a:r>
-              <a:rPr lang="en-US" altLang="ko-KR" dirty="0"/>
-              <a:t>, </a:t>
-            </a:r>
-            <a:r>
-              <a:rPr lang="ko-KR" altLang="en-US" dirty="0"/>
-              <a:t>스프레드</a:t>
-            </a:r>
-            <a:r>
-              <a:rPr lang="en-US" altLang="ko-KR" dirty="0"/>
-              <a:t>)</a:t>
-            </a:r>
-            <a:r>
-              <a:rPr lang="ko-KR" altLang="en-US" dirty="0"/>
-              <a:t>객체를 제공하는 메서드를 각각 제공한다</a:t>
-            </a:r>
-            <a:r>
-              <a:rPr lang="en-US" altLang="ko-KR" dirty="0"/>
-              <a:t>.</a:t>
-            </a:r>
-          </a:p>
-          <a:p>
-            <a:pPr>
-              <a:lnSpc>
-                <a:spcPct val="150000"/>
-              </a:lnSpc>
-            </a:pPr>
-            <a:r>
-              <a:rPr lang="ko-KR" altLang="en-US" dirty="0"/>
-              <a:t>성공 결과를 반환하고 </a:t>
-            </a:r>
-            <a:r>
-              <a:rPr lang="en-US" altLang="ko-KR" dirty="0"/>
-              <a:t>out</a:t>
-            </a:r>
-            <a:r>
-              <a:rPr lang="ko-KR" altLang="en-US" dirty="0"/>
-              <a:t>으로 객체를 반환한다</a:t>
-            </a:r>
-            <a:r>
-              <a:rPr lang="en-US" altLang="ko-KR" dirty="0"/>
-              <a:t>.</a:t>
-            </a:r>
-          </a:p>
-          <a:p>
-            <a:pPr>
-              <a:lnSpc>
-                <a:spcPct val="150000"/>
-              </a:lnSpc>
-            </a:pPr>
-            <a:r>
-              <a:rPr lang="en-US" altLang="ko-KR" dirty="0"/>
-              <a:t>Ex) bool result = </a:t>
-            </a:r>
-            <a:r>
-              <a:rPr lang="en-US" altLang="ko-KR" dirty="0" err="1"/>
-              <a:t>JsonParser.ParseDeck</a:t>
-            </a:r>
-            <a:r>
-              <a:rPr lang="en-US" altLang="ko-KR" dirty="0"/>
-              <a:t>(“Universal </a:t>
-            </a:r>
-            <a:r>
-              <a:rPr lang="en-US" altLang="ko-KR" dirty="0" err="1"/>
-              <a:t>Waite”,out</a:t>
-            </a:r>
-            <a:r>
-              <a:rPr lang="en-US" altLang="ko-KR" dirty="0"/>
-              <a:t> </a:t>
-            </a:r>
-            <a:r>
-              <a:rPr lang="en-US" altLang="ko-KR" dirty="0" err="1"/>
-              <a:t>uniDeck</a:t>
-            </a:r>
-            <a:r>
-              <a:rPr lang="en-US" altLang="ko-KR" dirty="0"/>
-              <a:t>);</a:t>
             </a:r>
           </a:p>
           <a:p>
@@ -4419,22 +6963,7 @@
                 <a:spcPct val="150000"/>
               </a:lnSpc>
             </a:pPr>
-            <a:r>
-              <a:rPr lang="ko-KR" altLang="en-US" dirty="0"/>
-              <a:t>멤버변수가 없으며 모든 메소드들은 </a:t>
-            </a:r>
-            <a:r>
-              <a:rPr lang="en-US" altLang="ko-KR" dirty="0"/>
-              <a:t>static</a:t>
-            </a:r>
-            <a:r>
-              <a:rPr lang="ko-KR" altLang="en-US" dirty="0"/>
-              <a:t>으로 선언한다</a:t>
-            </a:r>
-            <a:r>
-              <a:rPr lang="en-US" altLang="ko-KR" dirty="0"/>
-              <a:t>.</a:t>
-            </a:r>
+            <a:endParaRPr lang="en-US" altLang="ko-KR" dirty="0"/>
           </a:p>
           <a:p>
             <a:pPr>
@@ -4443,14 +6972,21 @@
               </a:lnSpc>
             </a:pPr>
             <a:r>
-              <a:rPr lang="en-US" altLang="ko-KR" dirty="0"/>
-              <a:t>public final class</a:t>
-            </a:r>
-            <a:r>
-              <a:rPr lang="ko-KR" altLang="en-US" dirty="0"/>
-              <a:t>로 상속을 막으며</a:t>
-            </a:r>
-            <a:endParaRPr lang="en-US" altLang="ko-KR" dirty="0"/>
+              <a:rPr lang="ko-KR" altLang="en-US" dirty="0"/>
+              <a:t>멤버변수가 없으며 모든 메소드들은 </a:t>
+            </a:r>
+            <a:r>
+              <a:rPr lang="en-US" altLang="ko-KR" dirty="0"/>
+              <a:t>static</a:t>
+            </a:r>
+            <a:r>
+              <a:rPr lang="ko-KR" altLang="en-US" dirty="0"/>
+              <a:t>으로 선언한다</a:t>
+            </a:r>
+            <a:r>
+              <a:rPr lang="en-US" altLang="ko-KR" dirty="0"/>
+              <a:t>.</a:t>
+            </a:r>
           </a:p>
           <a:p>
             <a:pPr>
@@ -4460,15 +6996,31 @@
             </a:pPr>
             <a:r>
               <a:rPr lang="en-US" altLang="ko-KR" dirty="0"/>
+              <a:t>public final class</a:t>
+            </a:r>
+            <a:r>
+              <a:rPr lang="ko-KR" altLang="en-US" dirty="0"/>
+              <a:t>로 상속을 막으며</a:t>
+            </a:r>
+            <a:endParaRPr lang="en-US" altLang="ko-KR" dirty="0"/>
+          </a:p>
+          <a:p>
+            <a:pPr>
+              <a:lnSpc>
+                <a:spcPct val="150000"/>
+              </a:lnSpc>
+            </a:pPr>
+            <a:r>
+              <a:rPr lang="en-US" altLang="ko-KR" dirty="0"/>
               <a:t>Private </a:t>
             </a:r>
             <a:r>
               <a:rPr lang="en-US" altLang="ko-KR" dirty="0" err="1"/>
-              <a:t>JsonParser</a:t>
-            </a:r>
-            <a:r>
-              <a:rPr lang="en-US" altLang="ko-KR" dirty="0"/>
-              <a:t> (){} </a:t>
+              <a:t>UtilityClass</a:t>
+            </a:r>
+            <a:r>
+              <a:rPr lang="en-US" altLang="ko-KR" dirty="0"/>
+              <a:t>(){} </a:t>
             </a:r>
             <a:r>
               <a:rPr lang="ko-KR" altLang="en-US" dirty="0"/>
@@ -4484,7 +7036,7 @@
     </p:spTree>
     <p:extLst>
       <p:ext uri="{BB962C8B-B14F-4D97-AF65-F5344CB8AC3E}">
-        <p14:creationId xmlns:p14="http://schemas.microsoft.com/office/powerpoint/2010/main" val="2728666002"/>
+        <p14:creationId xmlns:p14="http://schemas.microsoft.com/office/powerpoint/2010/main" val="1474494540"/>
       </p:ext>
     </p:extLst>
   </p:cSld>
@@ -4539,7 +7091,7 @@
           <a:p>
             <a:r>
               <a:rPr lang="en-US" altLang="ko-KR" dirty="0" err="1"/>
-              <a:t>DeckData</a:t>
+              <a:t>JsonParser</a:t>
             </a:r>
             <a:endParaRPr lang="ko-KR" altLang="en-US" dirty="0"/>
           </a:p>
@@ -4560,7 +7112,7 @@
         <p:spPr>
           <a:xfrm>
             <a:off x="838200" y="2806263"/>
-            <a:ext cx="9259586" cy="2947282"/>
+            <a:ext cx="8642559" cy="3778278"/>
           </a:xfrm>
           <a:prstGeom prst="rect">
             <a:avLst/>
@@ -4579,16 +7131,12 @@
               </a:lnSpc>
             </a:pPr>
             <a:r>
-              <a:rPr lang="ko-KR" altLang="en-US" dirty="0"/>
-              <a:t>불러들인 </a:t>
-            </a:r>
-            <a:r>
-              <a:rPr lang="ko-KR" altLang="en-US" dirty="0" err="1"/>
-              <a:t>덱을</a:t>
-            </a:r>
-            <a:r>
-              <a:rPr lang="ko-KR" altLang="en-US" dirty="0"/>
-              <a:t> 저장하는 객체</a:t>
+              <a:rPr lang="en-US" altLang="ko-KR" dirty="0"/>
+              <a:t>Json </a:t>
+            </a:r>
+            <a:r>
+              <a:rPr lang="ko-KR" altLang="en-US" dirty="0"/>
+              <a:t>데이터를 파싱 하여 반환하는 클래스</a:t>
             </a:r>
             <a:r>
               <a:rPr lang="en-US" altLang="ko-KR" dirty="0"/>
@@ -4603,7 +7151,23 @@
             </a:pPr>
             <a:r>
               <a:rPr lang="ko-KR" altLang="en-US" dirty="0"/>
-              <a:t>카드 이름을 키</a:t>
+              <a:t>스프레드</a:t>
+            </a:r>
+            <a:r>
+              <a:rPr lang="en-US" altLang="ko-KR" dirty="0"/>
+              <a:t> </a:t>
+            </a:r>
+            <a:r>
+              <a:rPr lang="ko-KR" altLang="en-US" dirty="0"/>
+              <a:t>혹은 </a:t>
+            </a:r>
+            <a:r>
+              <a:rPr lang="ko-KR" altLang="en-US" dirty="0" err="1"/>
+              <a:t>덱의</a:t>
+            </a:r>
+            <a:r>
+              <a:rPr lang="ko-KR" altLang="en-US" dirty="0"/>
+              <a:t> 이름만 읽어 리스트로 반환하거나</a:t>
             </a:r>
             <a:endParaRPr lang="en-US" altLang="ko-KR" dirty="0"/>
           </a:p>
@@ -4614,32 +7178,12 @@
               </a:lnSpc>
             </a:pPr>
             <a:r>
-              <a:rPr lang="en-US" altLang="ko-KR" dirty="0" err="1"/>
-              <a:t>CardData</a:t>
-            </a:r>
-            <a:r>
-              <a:rPr lang="ko-KR" altLang="en-US" dirty="0"/>
-              <a:t>객체와 수량을 구조체로 묶어서</a:t>
-            </a:r>
-            <a:r>
-              <a:rPr lang="en-US" altLang="ko-KR" dirty="0"/>
-              <a:t> Dictionary </a:t>
-            </a:r>
-            <a:r>
-              <a:rPr lang="ko-KR" altLang="en-US" dirty="0"/>
-              <a:t>구조체로 보관  </a:t>
-            </a:r>
-            <a:r>
-              <a:rPr lang="en-US" altLang="ko-KR" dirty="0"/>
-              <a:t>( </a:t>
-            </a:r>
-            <a:r>
-              <a:rPr lang="ko-KR" altLang="en-US" dirty="0"/>
-              <a:t>자료구조 고민중 </a:t>
-            </a:r>
-            <a:r>
-              <a:rPr lang="en-US" altLang="ko-KR" dirty="0"/>
-              <a:t>)</a:t>
+              <a:rPr lang="ko-KR" altLang="en-US" dirty="0"/>
+              <a:t>상세 정보를 반환하는 메서드를 제공한다</a:t>
+            </a:r>
+            <a:r>
+              <a:rPr lang="en-US" altLang="ko-KR" dirty="0"/>
+              <a:t>.</a:t>
             </a:r>
           </a:p>
           <a:p>
@@ -4650,25 +7194,20 @@
             </a:pPr>
             <a:r>
               <a:rPr lang="ko-KR" altLang="en-US" dirty="0"/>
-              <a:t>카드 컨트롤</a:t>
-            </a:r>
-            <a:r>
-              <a:rPr lang="en-US" altLang="ko-KR" dirty="0"/>
-              <a:t>(UI)</a:t>
-            </a:r>
-            <a:r>
-              <a:rPr lang="ko-KR" altLang="en-US" dirty="0"/>
-              <a:t>를 생성할 때 갖고 있는 </a:t>
-            </a:r>
-            <a:r>
-              <a:rPr lang="en-US" altLang="ko-KR" dirty="0" err="1"/>
-              <a:t>CardData</a:t>
-            </a:r>
-            <a:r>
-              <a:rPr lang="ko-KR" altLang="en-US" dirty="0"/>
-              <a:t>를 넘겨서 초기화 시킴</a:t>
-            </a:r>
-            <a:endParaRPr lang="en-US" altLang="ko-KR" dirty="0"/>
+              <a:t>성공 결과를 반환하고 </a:t>
+            </a:r>
+            <a:r>
+              <a:rPr lang="en-US" altLang="ko-KR" dirty="0"/>
+              <a:t>out</a:t>
+            </a:r>
+            <a:r>
+              <a:rPr lang="ko-KR" altLang="en-US" dirty="0"/>
+              <a:t>으로 객체를 반환한다</a:t>
+            </a:r>
+            <a:r>
+              <a:rPr lang="en-US" altLang="ko-KR" dirty="0"/>
+              <a:t>.</a:t>
+            </a:r>
           </a:p>
           <a:p>
             <a:pPr>
@@ -4678,23 +7217,31 @@
             </a:pPr>
             <a:r>
               <a:rPr lang="en-US" altLang="ko-KR" dirty="0"/>
-              <a:t>(※</a:t>
-            </a:r>
-            <a:r>
-              <a:rPr lang="ko-KR" altLang="en-US" dirty="0"/>
-              <a:t>카드 컨트롤에서는 이미지를 </a:t>
-            </a:r>
-            <a:r>
-              <a:rPr lang="en-US" altLang="ko-KR" dirty="0"/>
-              <a:t>Clone</a:t>
-            </a:r>
-            <a:r>
-              <a:rPr lang="ko-KR" altLang="en-US" dirty="0"/>
-              <a:t>으로 복사해서 가져 감</a:t>
-            </a:r>
-            <a:r>
-              <a:rPr lang="en-US" altLang="ko-KR" dirty="0"/>
-              <a:t>)</a:t>
+              <a:t>Ex) bool result = </a:t>
+            </a:r>
+            <a:r>
+              <a:rPr lang="en-US" altLang="ko-KR" dirty="0" err="1"/>
+              <a:t>JsonParser.ParseCard</a:t>
+            </a:r>
+            <a:r>
+              <a:rPr lang="en-US" altLang="ko-KR" dirty="0"/>
+              <a:t>(“Universal </a:t>
+            </a:r>
+            <a:r>
+              <a:rPr lang="en-US" altLang="ko-KR" dirty="0" err="1"/>
+              <a:t>Waite”,”The</a:t>
+            </a:r>
+            <a:r>
+              <a:rPr lang="en-US" altLang="ko-KR" dirty="0"/>
+              <a:t> Fool”, out </a:t>
+            </a:r>
+            <a:r>
+              <a:rPr lang="en-US" altLang="ko-KR" dirty="0" err="1"/>
+              <a:t>uniDeck</a:t>
+            </a:r>
+            <a:r>
+              <a:rPr lang="en-US" altLang="ko-KR" dirty="0"/>
+              <a:t>);</a:t>
             </a:r>
           </a:p>
           <a:p>
@@ -4712,25 +7259,71 @@
               </a:lnSpc>
             </a:pPr>
             <a:r>
+              <a:rPr lang="ko-KR" altLang="en-US" dirty="0"/>
+              <a:t>멤버변수가 없으며 모든 메소드들은 </a:t>
+            </a:r>
+            <a:r>
+              <a:rPr lang="en-US" altLang="ko-KR" dirty="0"/>
+              <a:t>static</a:t>
+            </a:r>
+            <a:r>
+              <a:rPr lang="ko-KR" altLang="en-US" dirty="0"/>
+              <a:t>으로 선언한다</a:t>
+            </a:r>
+            <a:r>
+              <a:rPr lang="en-US" altLang="ko-KR" dirty="0"/>
+              <a:t>.</a:t>
+            </a:r>
+          </a:p>
+          <a:p>
+            <a:pPr>
+              <a:lnSpc>
+                <a:spcPct val="150000"/>
+              </a:lnSpc>
+            </a:pPr>
+            <a:r>
+              <a:rPr lang="en-US" altLang="ko-KR" dirty="0"/>
+              <a:t>public final class</a:t>
+            </a:r>
+            <a:r>
+              <a:rPr lang="ko-KR" altLang="en-US" dirty="0"/>
+              <a:t>로 상속을 막으며</a:t>
+            </a:r>
+            <a:endParaRPr lang="en-US" altLang="ko-KR" dirty="0"/>
+          </a:p>
+          <a:p>
+            <a:pPr>
+              <a:lnSpc>
+                <a:spcPct val="150000"/>
+              </a:lnSpc>
+            </a:pPr>
+            <a:r>
+              <a:rPr lang="en-US" altLang="ko-KR" dirty="0"/>
+              <a:t>Private </a:t>
+            </a:r>
+            <a:r>
               <a:rPr lang="en-US" altLang="ko-KR" dirty="0" err="1"/>
-              <a:t>IDisposAble</a:t>
-            </a:r>
-            <a:r>
-              <a:rPr lang="en-US" altLang="ko-KR" dirty="0"/>
-              <a:t> </a:t>
-            </a:r>
-            <a:r>
-              <a:rPr lang="ko-KR" altLang="en-US" dirty="0"/>
-              <a:t>인터페이스를 상속받아 메모리 관리를 쉽게 함</a:t>
-            </a:r>
-            <a:endParaRPr lang="en-US" altLang="ko-KR" dirty="0"/>
+              <a:t>JsonParser</a:t>
+            </a:r>
+            <a:r>
+              <a:rPr lang="en-US" altLang="ko-KR" dirty="0"/>
+              <a:t> (){} </a:t>
+            </a:r>
+            <a:r>
+              <a:rPr lang="ko-KR" altLang="en-US" dirty="0"/>
+              <a:t>로 생성을 막는다</a:t>
+            </a:r>
+            <a:r>
+              <a:rPr lang="en-US" altLang="ko-KR" dirty="0"/>
+              <a:t>.</a:t>
+            </a:r>
           </a:p>
         </p:txBody>
       </p:sp>
     </p:spTree>
     <p:extLst>
       <p:ext uri="{BB962C8B-B14F-4D97-AF65-F5344CB8AC3E}">
-        <p14:creationId xmlns:p14="http://schemas.microsoft.com/office/powerpoint/2010/main" val="2277888943"/>
+        <p14:creationId xmlns:p14="http://schemas.microsoft.com/office/powerpoint/2010/main" val="2728666002"/>
       </p:ext>
     </p:extLst>
   </p:cSld>
@@ -4806,7 +7399,7 @@
         <p:spPr>
           <a:xfrm>
             <a:off x="838200" y="2806263"/>
-            <a:ext cx="6040436" cy="2947282"/>
+            <a:ext cx="3845925" cy="1700787"/>
           </a:xfrm>
           <a:prstGeom prst="rect">
             <a:avLst/>
@@ -4834,7 +7427,7 @@
             </a:r>
             <a:r>
               <a:rPr lang="ko-KR" altLang="en-US" dirty="0"/>
-              <a:t>이미지</a:t>
+              <a:t>사진</a:t>
             </a:r>
             <a:r>
               <a:rPr lang="en-US" altLang="ko-KR" dirty="0"/>
@@ -4842,20 +7435,13 @@
             </a:r>
             <a:r>
               <a:rPr lang="ko-KR" altLang="en-US" dirty="0"/>
-              <a:t>기본 수량</a:t>
-            </a:r>
-            <a:r>
-              <a:rPr lang="en-US" altLang="ko-KR" dirty="0"/>
-              <a:t>, </a:t>
-            </a:r>
-            <a:r>
-              <a:rPr lang="ko-KR" altLang="en-US" dirty="0"/>
-              <a:t>설명을 변수로 저장한다</a:t>
-            </a:r>
-            <a:r>
-              <a:rPr lang="en-US" altLang="ko-KR" dirty="0"/>
-              <a:t>.</a:t>
-            </a:r>
+              <a:t>설명 </a:t>
+            </a:r>
+            <a:r>
+              <a:rPr lang="ko-KR" altLang="en-US" dirty="0" err="1"/>
+              <a:t>들어가있음</a:t>
+            </a:r>
+            <a:endParaRPr lang="en-US" altLang="ko-KR" dirty="0"/>
           </a:p>
           <a:p>
             <a:pPr>
@@ -4864,47 +7450,18 @@
               </a:lnSpc>
             </a:pPr>
             <a:r>
-              <a:rPr lang="ko-KR" altLang="en-US" dirty="0"/>
-              <a:t>생성 후 값을 변경하지 않는다</a:t>
-            </a:r>
-            <a:r>
-              <a:rPr lang="en-US" altLang="ko-KR" dirty="0"/>
-              <a:t>.</a:t>
-            </a:r>
-          </a:p>
-          <a:p>
-            <a:pPr>
-              <a:lnSpc>
-                <a:spcPct val="150000"/>
-              </a:lnSpc>
-            </a:pPr>
-            <a:r>
-              <a:rPr lang="en-US" altLang="ko-KR" dirty="0"/>
-              <a:t>Card</a:t>
-            </a:r>
-            <a:r>
-              <a:rPr lang="ko-KR" altLang="en-US" dirty="0"/>
-              <a:t>컨트롤에서 초기화를 위해 사용하는 값</a:t>
-            </a:r>
-            <a:r>
-              <a:rPr lang="en-US" altLang="ko-KR" dirty="0"/>
-              <a:t>.</a:t>
-            </a:r>
-          </a:p>
-          <a:p>
-            <a:pPr>
-              <a:lnSpc>
-                <a:spcPct val="150000"/>
-              </a:lnSpc>
-            </a:pPr>
-            <a:r>
-              <a:rPr lang="ko-KR" altLang="en-US" dirty="0"/>
-              <a:t>따로 멤버변수로 보관하지 않는다</a:t>
-            </a:r>
-            <a:r>
-              <a:rPr lang="en-US" altLang="ko-KR" dirty="0"/>
-              <a:t>.</a:t>
-            </a:r>
+              <a:rPr lang="en-US" altLang="ko-KR" dirty="0" err="1"/>
+              <a:t>CardControl</a:t>
+            </a:r>
+            <a:r>
+              <a:rPr lang="en-US" altLang="ko-KR" dirty="0"/>
+              <a:t> </a:t>
+            </a:r>
+            <a:r>
+              <a:rPr lang="ko-KR" altLang="en-US" dirty="0"/>
+              <a:t>초기화시 사용</a:t>
+            </a:r>
+            <a:endParaRPr lang="en-US" altLang="ko-KR" dirty="0"/>
           </a:p>
           <a:p>
             <a:pPr>
@@ -4922,7 +7479,7 @@
             </a:pPr>
             <a:r>
               <a:rPr lang="en-US" altLang="ko-KR" dirty="0" err="1"/>
-              <a:t>IDisposAble</a:t>
+              <a:t>IDispose</a:t>
             </a:r>
             <a:r>
               <a:rPr lang="en-US" altLang="ko-KR" dirty="0"/>
@@ -4930,31 +7487,16 @@
             </a:r>
             <a:r>
               <a:rPr lang="ko-KR" altLang="en-US" dirty="0"/>
-              <a:t>인터페이스 상속받아</a:t>
+              <a:t>인터페이스 상속</a:t>
             </a:r>
             <a:endParaRPr lang="en-US" altLang="ko-KR" dirty="0"/>
-          </a:p>
-          <a:p>
-            <a:pPr>
-              <a:lnSpc>
-                <a:spcPct val="150000"/>
-              </a:lnSpc>
-            </a:pPr>
-            <a:r>
-              <a:rPr lang="ko-KR" altLang="en-US" dirty="0"/>
-              <a:t>비 관리 메모리인 이미지를 해제한다</a:t>
-            </a:r>
-            <a:r>
-              <a:rPr lang="en-US" altLang="ko-KR" dirty="0"/>
-              <a:t>.</a:t>
-            </a:r>
           </a:p>
         </p:txBody>
       </p:sp>
     </p:spTree>
     <p:extLst>
       <p:ext uri="{BB962C8B-B14F-4D97-AF65-F5344CB8AC3E}">
-        <p14:creationId xmlns:p14="http://schemas.microsoft.com/office/powerpoint/2010/main" val="466594824"/>
+        <p14:creationId xmlns:p14="http://schemas.microsoft.com/office/powerpoint/2010/main" val="210889375"/>
       </p:ext>
     </p:extLst>
   </p:cSld>
@@ -5009,9 +7551,24 @@
           <a:p>
             <a:r>
               <a:rPr lang="en-US" altLang="ko-KR" dirty="0" err="1"/>
-              <a:t>SpreadData</a:t>
-            </a:r>
-            <a:endParaRPr lang="ko-KR" altLang="en-US" dirty="0"/>
+              <a:t>CachClass</a:t>
+            </a:r>
+            <a:r>
+              <a:rPr lang="en-US" altLang="ko-KR" dirty="0"/>
+              <a:t> (</a:t>
+            </a:r>
+            <a:r>
+              <a:rPr lang="ko-KR" altLang="en-US" dirty="0"/>
+              <a:t>이름 미정</a:t>
+            </a:r>
+            <a:r>
+              <a:rPr lang="en-US" altLang="ko-KR" dirty="0"/>
+              <a:t>)</a:t>
+            </a:r>
+            <a:r>
+              <a:rPr lang="ko-KR" altLang="en-US" dirty="0"/>
+              <a:t> </a:t>
+            </a:r>
           </a:p>
         </p:txBody>
       </p:sp>
@@ -5030,7 +7587,7 @@
         <p:spPr>
           <a:xfrm>
             <a:off x="838200" y="2806263"/>
-            <a:ext cx="9990171" cy="3362780"/>
+            <a:ext cx="7040710" cy="2531783"/>
           </a:xfrm>
           <a:prstGeom prst="rect">
             <a:avLst/>
@@ -5050,25 +7607,12 @@
             </a:pPr>
             <a:r>
               <a:rPr lang="ko-KR" altLang="en-US" dirty="0"/>
-              <a:t>카드 배치의 정보를 갖고 있는 객체</a:t>
-            </a:r>
-            <a:r>
-              <a:rPr lang="en-US" altLang="ko-KR" dirty="0"/>
-              <a:t>. Spread</a:t>
-            </a:r>
-            <a:r>
-              <a:rPr lang="ko-KR" altLang="en-US" dirty="0"/>
-              <a:t>컨트롤을 초기화할 때 사용한다</a:t>
-            </a:r>
-            <a:r>
-              <a:rPr lang="en-US" altLang="ko-KR" dirty="0"/>
-              <a:t>. </a:t>
-            </a:r>
-            <a:r>
-              <a:rPr lang="ko-KR" altLang="en-US" dirty="0"/>
-              <a:t>따로 보관하지 않음</a:t>
-            </a:r>
-            <a:endParaRPr lang="en-US" altLang="ko-KR" dirty="0"/>
+              <a:t>프로그램이 처음부터 끝까지 가져야 할 데이터를 저장하는 클래스</a:t>
+            </a:r>
+            <a:r>
+              <a:rPr lang="en-US" altLang="ko-KR" dirty="0"/>
+              <a:t>.</a:t>
+            </a:r>
           </a:p>
           <a:p>
             <a:pPr>
@@ -5077,131 +7621,17 @@
               </a:lnSpc>
             </a:pPr>
             <a:r>
-              <a:rPr lang="ko-KR" altLang="en-US" dirty="0"/>
-              <a:t>스프레드의 이름</a:t>
-            </a:r>
-            <a:r>
-              <a:rPr lang="en-US" altLang="ko-KR" dirty="0"/>
-              <a:t>, </a:t>
-            </a:r>
-          </a:p>
-          <a:p>
-            <a:pPr>
-              <a:lnSpc>
-                <a:spcPct val="150000"/>
-              </a:lnSpc>
-            </a:pPr>
-            <a:r>
-              <a:rPr lang="en-US" altLang="ko-KR" dirty="0"/>
-              <a:t>List&lt;</a:t>
-            </a:r>
-            <a:r>
-              <a:rPr lang="en-US" altLang="ko-KR" dirty="0" err="1"/>
-              <a:t>SpreadSlotData</a:t>
-            </a:r>
-            <a:r>
-              <a:rPr lang="en-US" altLang="ko-KR" dirty="0"/>
-              <a:t>&gt;</a:t>
-            </a:r>
-            <a:r>
-              <a:rPr lang="ko-KR" altLang="en-US" dirty="0"/>
-              <a:t>를 보관한다</a:t>
+              <a:rPr lang="ko-KR" altLang="en-US" dirty="0" err="1"/>
+              <a:t>싱글톤으로</a:t>
+            </a:r>
+            <a:r>
+              <a:rPr lang="ko-KR" altLang="en-US" dirty="0"/>
+              <a:t> 구현하지 않는다</a:t>
             </a:r>
             <a:r>
               <a:rPr lang="en-US" altLang="ko-KR" dirty="0"/>
               <a:t>.</a:t>
             </a:r>
-          </a:p>
-          <a:p>
-            <a:pPr>
-              <a:lnSpc>
-                <a:spcPct val="150000"/>
-              </a:lnSpc>
-            </a:pPr>
-            <a:r>
-              <a:rPr lang="en-US" altLang="ko-KR" dirty="0" err="1"/>
-              <a:t>SpreadSlotData</a:t>
-            </a:r>
-            <a:r>
-              <a:rPr lang="ko-KR" altLang="en-US" dirty="0"/>
-              <a:t>는 </a:t>
-            </a:r>
-            <a:endParaRPr lang="en-US" altLang="ko-KR" dirty="0"/>
-          </a:p>
-          <a:p>
-            <a:pPr>
-              <a:lnSpc>
-                <a:spcPct val="150000"/>
-              </a:lnSpc>
-            </a:pPr>
-            <a:r>
-              <a:rPr lang="en-US" altLang="ko-KR" dirty="0"/>
-              <a:t>	</a:t>
-            </a:r>
-            <a:r>
-              <a:rPr lang="ko-KR" altLang="en-US" dirty="0"/>
-              <a:t>슬롯의 좌표 </a:t>
-            </a:r>
-            <a:r>
-              <a:rPr lang="en-US" altLang="ko-KR" dirty="0"/>
-              <a:t>(Point)</a:t>
-            </a:r>
-          </a:p>
-          <a:p>
-            <a:pPr>
-              <a:lnSpc>
-                <a:spcPct val="150000"/>
-              </a:lnSpc>
-            </a:pPr>
-            <a:r>
-              <a:rPr lang="en-US" altLang="ko-KR" dirty="0"/>
-              <a:t>	</a:t>
-            </a:r>
-            <a:r>
-              <a:rPr lang="ko-KR" altLang="en-US" dirty="0"/>
-              <a:t>슬롯의 설명 </a:t>
-            </a:r>
-            <a:r>
-              <a:rPr lang="en-US" altLang="ko-KR" dirty="0"/>
-              <a:t>ex) </a:t>
-            </a:r>
-            <a:r>
-              <a:rPr lang="ko-KR" altLang="en-US" dirty="0"/>
-              <a:t>과거</a:t>
-            </a:r>
-            <a:r>
-              <a:rPr lang="en-US" altLang="ko-KR" dirty="0"/>
-              <a:t>, </a:t>
-            </a:r>
-            <a:r>
-              <a:rPr lang="ko-KR" altLang="en-US" dirty="0"/>
-              <a:t>현재</a:t>
-            </a:r>
-            <a:r>
-              <a:rPr lang="en-US" altLang="ko-KR" dirty="0"/>
-              <a:t>, </a:t>
-            </a:r>
-            <a:r>
-              <a:rPr lang="ko-KR" altLang="en-US" dirty="0"/>
-              <a:t>미래</a:t>
-            </a:r>
-            <a:endParaRPr lang="en-US" altLang="ko-KR" dirty="0"/>
-          </a:p>
-          <a:p>
-            <a:pPr>
-              <a:lnSpc>
-                <a:spcPct val="150000"/>
-              </a:lnSpc>
-            </a:pPr>
-            <a:r>
-              <a:rPr lang="en-US" altLang="ko-KR" dirty="0"/>
-              <a:t>	</a:t>
-            </a:r>
-            <a:r>
-              <a:rPr lang="ko-KR" altLang="en-US"/>
-              <a:t>각도</a:t>
-            </a:r>
-            <a:endParaRPr lang="en-US" altLang="ko-KR" dirty="0"/>
           </a:p>
           <a:p>
             <a:pPr>
@@ -5211,12 +7641,70 @@
             </a:pPr>
             <a:endParaRPr lang="en-US" altLang="ko-KR" dirty="0"/>
           </a:p>
+          <a:p>
+            <a:pPr>
+              <a:lnSpc>
+                <a:spcPct val="150000"/>
+              </a:lnSpc>
+            </a:pPr>
+            <a:r>
+              <a:rPr lang="ko-KR" altLang="en-US" dirty="0"/>
+              <a:t>필요할 때 필요한 변수만 넘기거나</a:t>
+            </a:r>
+            <a:r>
+              <a:rPr lang="en-US" altLang="ko-KR" dirty="0"/>
+              <a:t>, </a:t>
+            </a:r>
+          </a:p>
+          <a:p>
+            <a:pPr>
+              <a:lnSpc>
+                <a:spcPct val="150000"/>
+              </a:lnSpc>
+            </a:pPr>
+            <a:r>
+              <a:rPr lang="en-US" altLang="ko-KR" dirty="0" err="1"/>
+              <a:t>ScreenStudio</a:t>
+            </a:r>
+            <a:r>
+              <a:rPr lang="en-US" altLang="ko-KR" dirty="0"/>
+              <a:t> </a:t>
+            </a:r>
+            <a:r>
+              <a:rPr lang="ko-KR" altLang="en-US" dirty="0"/>
+              <a:t>처럼 지속적으로 접근해야 할 경우</a:t>
+            </a:r>
+            <a:endParaRPr lang="en-US" altLang="ko-KR" dirty="0"/>
+          </a:p>
+          <a:p>
+            <a:pPr>
+              <a:lnSpc>
+                <a:spcPct val="150000"/>
+              </a:lnSpc>
+            </a:pPr>
+            <a:r>
+              <a:rPr lang="en-US" altLang="ko-KR" dirty="0" err="1"/>
+              <a:t>CachClass</a:t>
+            </a:r>
+            <a:r>
+              <a:rPr lang="en-US" altLang="ko-KR" dirty="0"/>
+              <a:t> </a:t>
+            </a:r>
+            <a:r>
+              <a:rPr lang="ko-KR" altLang="en-US" dirty="0"/>
+              <a:t>객체를 넘긴다</a:t>
+            </a:r>
+            <a:r>
+              <a:rPr lang="en-US" altLang="ko-KR" dirty="0"/>
+              <a:t>.</a:t>
+            </a:r>
+          </a:p>
         </p:txBody>
       </p:sp>
     </p:spTree>
     <p:extLst>
       <p:ext uri="{BB962C8B-B14F-4D97-AF65-F5344CB8AC3E}">
-        <p14:creationId xmlns:p14="http://schemas.microsoft.com/office/powerpoint/2010/main" val="2049801342"/>
+        <p14:creationId xmlns:p14="http://schemas.microsoft.com/office/powerpoint/2010/main" val="3043404210"/>
       </p:ext>
     </p:extLst>
   </p:cSld>

--- a/Document/타로 상세 설계서.pptx
+++ b/Document/타로 상세 설계서.pptx
@@ -7,23 +7,15 @@
   <p:sldIdLst>
     <p:sldId id="256" r:id="rId2"/>
     <p:sldId id="257" r:id="rId3"/>
-    <p:sldId id="269" r:id="rId4"/>
-    <p:sldId id="265" r:id="rId5"/>
-    <p:sldId id="259" r:id="rId6"/>
-    <p:sldId id="260" r:id="rId7"/>
-    <p:sldId id="277" r:id="rId8"/>
-    <p:sldId id="278" r:id="rId9"/>
+    <p:sldId id="265" r:id="rId4"/>
+    <p:sldId id="259" r:id="rId5"/>
+    <p:sldId id="260" r:id="rId6"/>
+    <p:sldId id="261" r:id="rId7"/>
+    <p:sldId id="262" r:id="rId8"/>
+    <p:sldId id="263" r:id="rId9"/>
     <p:sldId id="266" r:id="rId10"/>
     <p:sldId id="268" r:id="rId11"/>
     <p:sldId id="267" r:id="rId12"/>
-    <p:sldId id="273" r:id="rId13"/>
-    <p:sldId id="272" r:id="rId14"/>
-    <p:sldId id="276" r:id="rId15"/>
-    <p:sldId id="270" r:id="rId16"/>
-    <p:sldId id="271" r:id="rId17"/>
-    <p:sldId id="275" r:id="rId18"/>
-    <p:sldId id="279" r:id="rId19"/>
-    <p:sldId id="280" r:id="rId20"/>
   </p:sldIdLst>
   <p:sldSz cx="12192000" cy="6858000"/>
   <p:notesSz cx="6858000" cy="9144000"/>
@@ -277,7 +269,7 @@
           <a:p>
             <a:fld id="{11147D0B-5089-4B30-A7F9-0E274C569803}" type="datetimeFigureOut">
               <a:rPr lang="ko-KR" altLang="en-US" smtClean="0"/>
-              <a:t>2023-07-11</a:t>
+              <a:t>2023-07-04</a:t>
             </a:fld>
             <a:endParaRPr lang="ko-KR" altLang="en-US"/>
           </a:p>
@@ -475,7 +467,7 @@
           <a:p>
             <a:fld id="{11147D0B-5089-4B30-A7F9-0E274C569803}" type="datetimeFigureOut">
               <a:rPr lang="ko-KR" altLang="en-US" smtClean="0"/>
-              <a:t>2023-07-11</a:t>
+              <a:t>2023-07-04</a:t>
             </a:fld>
             <a:endParaRPr lang="ko-KR" altLang="en-US"/>
           </a:p>
@@ -683,7 +675,7 @@
           <a:p>
             <a:fld id="{11147D0B-5089-4B30-A7F9-0E274C569803}" type="datetimeFigureOut">
               <a:rPr lang="ko-KR" altLang="en-US" smtClean="0"/>
-              <a:t>2023-07-11</a:t>
+              <a:t>2023-07-04</a:t>
             </a:fld>
             <a:endParaRPr lang="ko-KR" altLang="en-US"/>
           </a:p>
@@ -881,7 +873,7 @@
           <a:p>
             <a:fld id="{11147D0B-5089-4B30-A7F9-0E274C569803}" type="datetimeFigureOut">
               <a:rPr lang="ko-KR" altLang="en-US" smtClean="0"/>
-              <a:t>2023-07-11</a:t>
+              <a:t>2023-07-04</a:t>
             </a:fld>
             <a:endParaRPr lang="ko-KR" altLang="en-US"/>
           </a:p>
@@ -1156,7 +1148,7 @@
           <a:p>
             <a:fld id="{11147D0B-5089-4B30-A7F9-0E274C569803}" type="datetimeFigureOut">
               <a:rPr lang="ko-KR" altLang="en-US" smtClean="0"/>
-              <a:t>2023-07-11</a:t>
+              <a:t>2023-07-04</a:t>
             </a:fld>
             <a:endParaRPr lang="ko-KR" altLang="en-US"/>
           </a:p>
@@ -1421,7 +1413,7 @@
           <a:p>
             <a:fld id="{11147D0B-5089-4B30-A7F9-0E274C569803}" type="datetimeFigureOut">
               <a:rPr lang="ko-KR" altLang="en-US" smtClean="0"/>
-              <a:t>2023-07-11</a:t>
+              <a:t>2023-07-04</a:t>
             </a:fld>
             <a:endParaRPr lang="ko-KR" altLang="en-US"/>
           </a:p>
@@ -1833,7 +1825,7 @@
           <a:p>
             <a:fld id="{11147D0B-5089-4B30-A7F9-0E274C569803}" type="datetimeFigureOut">
               <a:rPr lang="ko-KR" altLang="en-US" smtClean="0"/>
-              <a:t>2023-07-11</a:t>
+              <a:t>2023-07-04</a:t>
             </a:fld>
             <a:endParaRPr lang="ko-KR" altLang="en-US"/>
           </a:p>
@@ -1974,7 +1966,7 @@
           <a:p>
             <a:fld id="{11147D0B-5089-4B30-A7F9-0E274C569803}" type="datetimeFigureOut">
               <a:rPr lang="ko-KR" altLang="en-US" smtClean="0"/>
-              <a:t>2023-07-11</a:t>
+              <a:t>2023-07-04</a:t>
             </a:fld>
             <a:endParaRPr lang="ko-KR" altLang="en-US"/>
           </a:p>
@@ -2087,7 +2079,7 @@
           <a:p>
             <a:fld id="{11147D0B-5089-4B30-A7F9-0E274C569803}" type="datetimeFigureOut">
               <a:rPr lang="ko-KR" altLang="en-US" smtClean="0"/>
-              <a:t>2023-07-11</a:t>
+              <a:t>2023-07-04</a:t>
             </a:fld>
             <a:endParaRPr lang="ko-KR" altLang="en-US"/>
           </a:p>
@@ -2398,7 +2390,7 @@
           <a:p>
             <a:fld id="{11147D0B-5089-4B30-A7F9-0E274C569803}" type="datetimeFigureOut">
               <a:rPr lang="ko-KR" altLang="en-US" smtClean="0"/>
-              <a:t>2023-07-11</a:t>
+              <a:t>2023-07-04</a:t>
             </a:fld>
             <a:endParaRPr lang="ko-KR" altLang="en-US"/>
           </a:p>
@@ -2686,7 +2678,7 @@
           <a:p>
             <a:fld id="{11147D0B-5089-4B30-A7F9-0E274C569803}" type="datetimeFigureOut">
               <a:rPr lang="ko-KR" altLang="en-US" smtClean="0"/>
-              <a:t>2023-07-11</a:t>
+              <a:t>2023-07-04</a:t>
             </a:fld>
             <a:endParaRPr lang="ko-KR" altLang="en-US"/>
           </a:p>
@@ -2927,7 +2919,7 @@
           <a:p>
             <a:fld id="{11147D0B-5089-4B30-A7F9-0E274C569803}" type="datetimeFigureOut">
               <a:rPr lang="ko-KR" altLang="en-US" smtClean="0"/>
-              <a:t>2023-07-11</a:t>
+              <a:t>2023-07-04</a:t>
             </a:fld>
             <a:endParaRPr lang="ko-KR" altLang="en-US"/>
           </a:p>
@@ -3407,7 +3399,7 @@
             </a:r>
             <a:r>
               <a:rPr lang="en-US" altLang="ko-KR" dirty="0"/>
-              <a:t>: 2023.07.10</a:t>
+              <a:t>: 2023.07.03</a:t>
             </a:r>
           </a:p>
         </p:txBody>
@@ -3457,7 +3449,7 @@
         <p:spPr>
           <a:xfrm>
             <a:off x="838200" y="2806263"/>
-            <a:ext cx="8903271" cy="2947282"/>
+            <a:ext cx="8903271" cy="3362780"/>
           </a:xfrm>
           <a:prstGeom prst="rect">
             <a:avLst/>
@@ -3481,7 +3473,23 @@
             </a:r>
             <a:r>
               <a:rPr lang="en-US" altLang="ko-KR" dirty="0"/>
-              <a:t>. </a:t>
+              <a:t>. Ex) </a:t>
+            </a:r>
+            <a:r>
+              <a:rPr lang="ko-KR" altLang="en-US" dirty="0"/>
+              <a:t>메인 페이지</a:t>
+            </a:r>
+            <a:r>
+              <a:rPr lang="en-US" altLang="ko-KR" dirty="0"/>
+              <a:t>, </a:t>
+            </a:r>
+            <a:r>
+              <a:rPr lang="ko-KR" altLang="en-US" dirty="0"/>
+              <a:t>설정 페이지 등등</a:t>
+            </a:r>
+            <a:r>
+              <a:rPr lang="en-US" altLang="ko-KR" dirty="0"/>
+              <a:t>..</a:t>
             </a:r>
           </a:p>
           <a:p>
@@ -3490,7 +3498,86 @@
                 <a:spcPct val="150000"/>
               </a:lnSpc>
             </a:pPr>
+            <a:r>
+              <a:rPr lang="ko-KR" altLang="en-US" dirty="0" err="1"/>
+              <a:t>메인이</a:t>
+            </a:r>
+            <a:r>
+              <a:rPr lang="ko-KR" altLang="en-US" dirty="0"/>
+              <a:t> 되는 </a:t>
+            </a:r>
+            <a:r>
+              <a:rPr lang="ko-KR" altLang="en-US" dirty="0" err="1"/>
+              <a:t>윈폼에</a:t>
+            </a:r>
+            <a:r>
+              <a:rPr lang="ko-KR" altLang="en-US" dirty="0"/>
+              <a:t> </a:t>
+            </a:r>
+            <a:r>
+              <a:rPr lang="en-US" altLang="ko-KR" dirty="0"/>
+              <a:t>Panel </a:t>
+            </a:r>
+            <a:r>
+              <a:rPr lang="ko-KR" altLang="en-US" dirty="0"/>
+              <a:t>하나를 넣은 뒤</a:t>
+            </a:r>
+            <a:r>
+              <a:rPr lang="en-US" altLang="ko-KR" dirty="0"/>
+              <a:t>, </a:t>
+            </a:r>
+            <a:r>
+              <a:rPr lang="ko-KR" altLang="en-US" dirty="0"/>
+              <a:t>화면전환이 필요할 때</a:t>
+            </a:r>
             <a:endParaRPr lang="en-US" altLang="ko-KR" dirty="0"/>
+          </a:p>
+          <a:p>
+            <a:pPr>
+              <a:lnSpc>
+                <a:spcPct val="150000"/>
+              </a:lnSpc>
+            </a:pPr>
+            <a:r>
+              <a:rPr lang="en-US" altLang="ko-KR" dirty="0" err="1"/>
+              <a:t>Panel.Controls.Clear</a:t>
+            </a:r>
+            <a:r>
+              <a:rPr lang="en-US" altLang="ko-KR" dirty="0"/>
+              <a:t>() </a:t>
+            </a:r>
+            <a:r>
+              <a:rPr lang="ko-KR" altLang="en-US" dirty="0"/>
+              <a:t>호출 후</a:t>
+            </a:r>
+            <a:r>
+              <a:rPr lang="en-US" altLang="ko-KR" dirty="0"/>
+              <a:t>, </a:t>
+            </a:r>
+            <a:r>
+              <a:rPr lang="en-US" altLang="ko-KR" dirty="0" err="1"/>
+              <a:t>Panel.Controls.Add</a:t>
+            </a:r>
+            <a:r>
+              <a:rPr lang="en-US" altLang="ko-KR" dirty="0"/>
+              <a:t>( </a:t>
+            </a:r>
+            <a:r>
+              <a:rPr lang="ko-KR" altLang="en-US" dirty="0"/>
+              <a:t>메인 페이지 </a:t>
+            </a:r>
+            <a:r>
+              <a:rPr lang="en-US" altLang="ko-KR" dirty="0"/>
+              <a:t>) </a:t>
+            </a:r>
+            <a:r>
+              <a:rPr lang="ko-KR" altLang="en-US" dirty="0"/>
+              <a:t>를 통해 전환한다</a:t>
+            </a:r>
+            <a:r>
+              <a:rPr lang="en-US" altLang="ko-KR" dirty="0"/>
+              <a:t>.</a:t>
+            </a:r>
           </a:p>
           <a:p>
             <a:pPr>
@@ -3666,8 +3753,8 @@
         </p:nvSpPr>
         <p:spPr>
           <a:xfrm>
-            <a:off x="838199" y="2806263"/>
-            <a:ext cx="6382407" cy="2947282"/>
+            <a:off x="838200" y="2806263"/>
+            <a:ext cx="5718168" cy="1285288"/>
           </a:xfrm>
           <a:prstGeom prst="rect">
             <a:avLst/>
@@ -3675,7 +3762,7 @@
           <a:noFill/>
         </p:spPr>
         <p:txBody>
-          <a:bodyPr wrap="square" rtlCol="0">
+          <a:bodyPr wrap="none" rtlCol="0">
             <a:spAutoFit/>
           </a:bodyPr>
           <a:lstStyle/>
@@ -3691,9 +3778,16 @@
             </a:r>
             <a:r>
               <a:rPr lang="ko-KR" altLang="en-US" dirty="0"/>
-              <a:t>컨트롤을 포함하며</a:t>
-            </a:r>
-            <a:endParaRPr lang="en-US" altLang="ko-KR" dirty="0"/>
+              <a:t>컨트롤을 </a:t>
+            </a:r>
+            <a:r>
+              <a:rPr lang="ko-KR" altLang="en-US" dirty="0" err="1"/>
+              <a:t>갖고있음</a:t>
+            </a:r>
+            <a:r>
+              <a:rPr lang="en-US" altLang="ko-KR" dirty="0"/>
+              <a:t>.</a:t>
+            </a:r>
           </a:p>
           <a:p>
             <a:pPr>
@@ -3702,13 +3796,14 @@
               </a:lnSpc>
             </a:pPr>
             <a:r>
-              <a:rPr lang="ko-KR" altLang="en-US" dirty="0"/>
-              <a:t>카드 설명</a:t>
-            </a:r>
-            <a:r>
-              <a:rPr lang="en-US" altLang="ko-KR" dirty="0"/>
-              <a:t>,</a:t>
-            </a:r>
+              <a:rPr lang="en-US" altLang="ko-KR" dirty="0" err="1"/>
+              <a:t>CardData</a:t>
+            </a:r>
+            <a:r>
+              <a:rPr lang="ko-KR" altLang="en-US" dirty="0"/>
+              <a:t>로 초기화하며 모든 값을 멤버변수로 가져옴</a:t>
+            </a:r>
+            <a:endParaRPr lang="en-US" altLang="ko-KR" dirty="0"/>
           </a:p>
           <a:p>
             <a:pPr>
@@ -3718,56 +3813,16 @@
             </a:pPr>
             <a:r>
               <a:rPr lang="ko-KR" altLang="en-US" dirty="0"/>
-              <a:t>뒤집혀 있는지 여부 </a:t>
-            </a:r>
-            <a:r>
-              <a:rPr lang="en-US" altLang="ko-KR" dirty="0"/>
-              <a:t>( </a:t>
-            </a:r>
-            <a:r>
-              <a:rPr lang="ko-KR" altLang="en-US" dirty="0"/>
-              <a:t>정해지지 않은 카드 여부 </a:t>
-            </a:r>
-            <a:r>
-              <a:rPr lang="en-US" altLang="ko-KR" dirty="0"/>
-              <a:t>)</a:t>
-            </a:r>
-            <a:r>
-              <a:rPr lang="ko-KR" altLang="en-US" dirty="0"/>
-              <a:t>을 변수로 저장</a:t>
-            </a:r>
-            <a:endParaRPr lang="en-US" altLang="ko-KR" dirty="0"/>
-          </a:p>
-          <a:p>
-            <a:pPr>
-              <a:lnSpc>
-                <a:spcPct val="150000"/>
-              </a:lnSpc>
-            </a:pPr>
-            <a:endParaRPr lang="en-US" altLang="ko-KR" dirty="0"/>
-          </a:p>
-          <a:p>
-            <a:pPr>
-              <a:lnSpc>
-                <a:spcPct val="150000"/>
-              </a:lnSpc>
-            </a:pPr>
-            <a:r>
-              <a:rPr lang="en-US" altLang="ko-KR" dirty="0" err="1"/>
-              <a:t>SetDegree</a:t>
-            </a:r>
-            <a:r>
-              <a:rPr lang="ko-KR" altLang="en-US" dirty="0"/>
-              <a:t>를 통해 각도 조절 메서드 제공</a:t>
-            </a:r>
-            <a:endParaRPr lang="en-US" altLang="ko-KR" dirty="0"/>
-          </a:p>
-          <a:p>
-            <a:pPr>
-              <a:lnSpc>
-                <a:spcPct val="150000"/>
-              </a:lnSpc>
-            </a:pPr>
+              <a:t>이미지는 </a:t>
+            </a:r>
+            <a:r>
+              <a:rPr lang="en-US" altLang="ko-KR" dirty="0"/>
+              <a:t>Clone</a:t>
+            </a:r>
+            <a:r>
+              <a:rPr lang="ko-KR" altLang="en-US" dirty="0"/>
+              <a:t>으로 가져옴</a:t>
+            </a:r>
             <a:endParaRPr lang="en-US" altLang="ko-KR" dirty="0"/>
           </a:p>
         </p:txBody>
@@ -3824,2526 +3879,6 @@
     <p:extLst>
       <p:ext uri="{BB962C8B-B14F-4D97-AF65-F5344CB8AC3E}">
         <p14:creationId xmlns:p14="http://schemas.microsoft.com/office/powerpoint/2010/main" val="642064528"/>
-      </p:ext>
-    </p:extLst>
-  </p:cSld>
-  <p:clrMapOvr>
-    <a:masterClrMapping/>
-  </p:clrMapOvr>
-</p:sld>
-</file>
-
-<file path=ppt/slides/slide12.xml><?xml version="1.0" encoding="utf-8"?>
-<p:sld xmlns:a="http://schemas.openxmlformats.org/drawingml/2006/main" xmlns:r="http://schemas.openxmlformats.org/officeDocument/2006/relationships" xmlns:p="http://schemas.openxmlformats.org/presentationml/2006/main">
-  <p:cSld>
-    <p:spTree>
-      <p:nvGrpSpPr>
-        <p:cNvPr id="1" name=""/>
-        <p:cNvGrpSpPr/>
-        <p:nvPr/>
-      </p:nvGrpSpPr>
-      <p:grpSpPr>
-        <a:xfrm>
-          <a:off x="0" y="0"/>
-          <a:ext cx="0" cy="0"/>
-          <a:chOff x="0" y="0"/>
-          <a:chExt cx="0" cy="0"/>
-        </a:xfrm>
-      </p:grpSpPr>
-      <p:sp>
-        <p:nvSpPr>
-          <p:cNvPr id="2" name="제목 1">
-            <a:extLst>
-              <a:ext uri="{FF2B5EF4-FFF2-40B4-BE49-F238E27FC236}">
-                <a16:creationId xmlns:a16="http://schemas.microsoft.com/office/drawing/2014/main" id="{4E4D6850-8629-08EE-29A6-E3E8C1C7D1F7}"/>
-              </a:ext>
-            </a:extLst>
-          </p:cNvPr>
-          <p:cNvSpPr>
-            <a:spLocks noGrp="1"/>
-          </p:cNvSpPr>
-          <p:nvPr>
-            <p:ph type="title"/>
-          </p:nvPr>
-        </p:nvSpPr>
-        <p:spPr>
-          <a:xfrm>
-            <a:off x="838200" y="365125"/>
-            <a:ext cx="10515600" cy="1325563"/>
-          </a:xfrm>
-        </p:spPr>
-        <p:txBody>
-          <a:bodyPr/>
-          <a:lstStyle/>
-          <a:p>
-            <a:r>
-              <a:rPr lang="en-US" altLang="ko-KR" dirty="0" err="1"/>
-              <a:t>TaroForm</a:t>
-            </a:r>
-            <a:r>
-              <a:rPr lang="ko-KR" altLang="en-US" dirty="0"/>
-              <a:t> </a:t>
-            </a:r>
-            <a:r>
-              <a:rPr lang="en-US" altLang="ko-KR" dirty="0"/>
-              <a:t>(</a:t>
-            </a:r>
-            <a:r>
-              <a:rPr lang="ko-KR" altLang="en-US" dirty="0"/>
-              <a:t> </a:t>
-            </a:r>
-            <a:r>
-              <a:rPr lang="ko-KR" altLang="en-US" dirty="0" err="1"/>
-              <a:t>메인폼</a:t>
-            </a:r>
-            <a:r>
-              <a:rPr lang="ko-KR" altLang="en-US" dirty="0"/>
-              <a:t> </a:t>
-            </a:r>
-            <a:r>
-              <a:rPr lang="en-US" altLang="ko-KR" dirty="0"/>
-              <a:t>)</a:t>
-            </a:r>
-            <a:endParaRPr lang="ko-KR" altLang="en-US" dirty="0"/>
-          </a:p>
-        </p:txBody>
-      </p:sp>
-      <p:sp>
-        <p:nvSpPr>
-          <p:cNvPr id="3" name="TextBox 2">
-            <a:extLst>
-              <a:ext uri="{FF2B5EF4-FFF2-40B4-BE49-F238E27FC236}">
-                <a16:creationId xmlns:a16="http://schemas.microsoft.com/office/drawing/2014/main" id="{AB46C859-926E-D72A-17DA-64AA25EB0430}"/>
-              </a:ext>
-            </a:extLst>
-          </p:cNvPr>
-          <p:cNvSpPr txBox="1"/>
-          <p:nvPr/>
-        </p:nvSpPr>
-        <p:spPr>
-          <a:xfrm>
-            <a:off x="838199" y="2806263"/>
-            <a:ext cx="9645870" cy="2947282"/>
-          </a:xfrm>
-          <a:prstGeom prst="rect">
-            <a:avLst/>
-          </a:prstGeom>
-          <a:noFill/>
-        </p:spPr>
-        <p:txBody>
-          <a:bodyPr wrap="square" rtlCol="0">
-            <a:spAutoFit/>
-          </a:bodyPr>
-          <a:lstStyle/>
-          <a:p>
-            <a:pPr>
-              <a:lnSpc>
-                <a:spcPct val="150000"/>
-              </a:lnSpc>
-            </a:pPr>
-            <a:r>
-              <a:rPr lang="ko-KR" altLang="en-US" dirty="0"/>
-              <a:t>프로그램의 전체 틀</a:t>
-            </a:r>
-            <a:r>
-              <a:rPr lang="en-US" altLang="ko-KR" dirty="0"/>
-              <a:t>.</a:t>
-            </a:r>
-          </a:p>
-          <a:p>
-            <a:pPr>
-              <a:lnSpc>
-                <a:spcPct val="150000"/>
-              </a:lnSpc>
-            </a:pPr>
-            <a:endParaRPr lang="en-US" altLang="ko-KR" dirty="0"/>
-          </a:p>
-          <a:p>
-            <a:pPr>
-              <a:lnSpc>
-                <a:spcPct val="150000"/>
-              </a:lnSpc>
-            </a:pPr>
-            <a:r>
-              <a:rPr lang="en-US" altLang="ko-KR" dirty="0" err="1"/>
-              <a:t>StudioScreen</a:t>
-            </a:r>
-            <a:r>
-              <a:rPr lang="ko-KR" altLang="en-US" dirty="0"/>
-              <a:t>을 배치할 패널</a:t>
-            </a:r>
-            <a:r>
-              <a:rPr lang="en-US" altLang="ko-KR" dirty="0"/>
-              <a:t>, </a:t>
-            </a:r>
-            <a:r>
-              <a:rPr lang="ko-KR" altLang="en-US" dirty="0" err="1"/>
-              <a:t>툴바가</a:t>
-            </a:r>
-            <a:r>
-              <a:rPr lang="ko-KR" altLang="en-US" dirty="0"/>
-              <a:t> 들어가 있다</a:t>
-            </a:r>
-            <a:r>
-              <a:rPr lang="en-US" altLang="ko-KR" dirty="0"/>
-              <a:t>.</a:t>
-            </a:r>
-          </a:p>
-          <a:p>
-            <a:pPr>
-              <a:lnSpc>
-                <a:spcPct val="150000"/>
-              </a:lnSpc>
-            </a:pPr>
-            <a:r>
-              <a:rPr lang="ko-KR" altLang="en-US" dirty="0"/>
-              <a:t>프로그램이 시작할 때 </a:t>
-            </a:r>
-            <a:r>
-              <a:rPr lang="en-US" altLang="ko-KR" dirty="0" err="1"/>
-              <a:t>XMLParser</a:t>
-            </a:r>
-            <a:r>
-              <a:rPr lang="ko-KR" altLang="en-US" dirty="0"/>
-              <a:t>로 현재 존재하는 </a:t>
-            </a:r>
-            <a:r>
-              <a:rPr lang="ko-KR" altLang="en-US" dirty="0" err="1"/>
-              <a:t>덱의</a:t>
-            </a:r>
-            <a:r>
-              <a:rPr lang="ko-KR" altLang="en-US" dirty="0"/>
-              <a:t> 이름만 읽어 </a:t>
-            </a:r>
-            <a:r>
-              <a:rPr lang="en-US" altLang="ko-KR" dirty="0"/>
-              <a:t>List</a:t>
-            </a:r>
-            <a:r>
-              <a:rPr lang="ko-KR" altLang="en-US" dirty="0"/>
-              <a:t>로 </a:t>
-            </a:r>
-            <a:r>
-              <a:rPr lang="en-US" altLang="ko-KR" dirty="0" err="1"/>
-              <a:t>CardCach</a:t>
-            </a:r>
-            <a:r>
-              <a:rPr lang="ko-KR" altLang="en-US" dirty="0"/>
-              <a:t>에 </a:t>
-            </a:r>
-            <a:endParaRPr lang="en-US" altLang="ko-KR" dirty="0"/>
-          </a:p>
-          <a:p>
-            <a:pPr>
-              <a:lnSpc>
-                <a:spcPct val="150000"/>
-              </a:lnSpc>
-            </a:pPr>
-            <a:r>
-              <a:rPr lang="ko-KR" altLang="en-US" dirty="0"/>
-              <a:t>저장한다</a:t>
-            </a:r>
-            <a:r>
-              <a:rPr lang="en-US" altLang="ko-KR" dirty="0"/>
-              <a:t>.</a:t>
-            </a:r>
-          </a:p>
-          <a:p>
-            <a:pPr>
-              <a:lnSpc>
-                <a:spcPct val="150000"/>
-              </a:lnSpc>
-            </a:pPr>
-            <a:r>
-              <a:rPr lang="en-US" altLang="ko-KR" dirty="0" err="1"/>
-              <a:t>StudioScreen</a:t>
-            </a:r>
-            <a:r>
-              <a:rPr lang="ko-KR" altLang="en-US" dirty="0"/>
-              <a:t>을 생성하여 패널에 배치하고</a:t>
-            </a:r>
-            <a:r>
-              <a:rPr lang="en-US" altLang="ko-KR" dirty="0"/>
-              <a:t>, </a:t>
-            </a:r>
-            <a:r>
-              <a:rPr lang="ko-KR" altLang="en-US" dirty="0" err="1"/>
-              <a:t>툴바의</a:t>
-            </a:r>
-            <a:r>
-              <a:rPr lang="ko-KR" altLang="en-US" dirty="0"/>
-              <a:t> 작업이 </a:t>
-            </a:r>
-            <a:r>
-              <a:rPr lang="en-US" altLang="ko-KR" dirty="0"/>
-              <a:t>Studio</a:t>
-            </a:r>
-            <a:r>
-              <a:rPr lang="ko-KR" altLang="en-US" dirty="0"/>
-              <a:t>에 영향을 끼쳐야 되면</a:t>
-            </a:r>
-            <a:endParaRPr lang="en-US" altLang="ko-KR" dirty="0"/>
-          </a:p>
-          <a:p>
-            <a:pPr>
-              <a:lnSpc>
-                <a:spcPct val="150000"/>
-              </a:lnSpc>
-            </a:pPr>
-            <a:r>
-              <a:rPr lang="en-US" altLang="ko-KR" dirty="0" err="1"/>
-              <a:t>StudioScreen</a:t>
-            </a:r>
-            <a:r>
-              <a:rPr lang="ko-KR" altLang="en-US" dirty="0"/>
-              <a:t>의 메서드를 호출하여 상호작용한다</a:t>
-            </a:r>
-            <a:r>
-              <a:rPr lang="en-US" altLang="ko-KR" dirty="0"/>
-              <a:t>.</a:t>
-            </a:r>
-          </a:p>
-        </p:txBody>
-      </p:sp>
-      <p:sp>
-        <p:nvSpPr>
-          <p:cNvPr id="4" name="직사각형 3">
-            <a:extLst>
-              <a:ext uri="{FF2B5EF4-FFF2-40B4-BE49-F238E27FC236}">
-                <a16:creationId xmlns:a16="http://schemas.microsoft.com/office/drawing/2014/main" id="{489247A1-26E2-5A64-278D-AB6ABCDF55BD}"/>
-              </a:ext>
-            </a:extLst>
-          </p:cNvPr>
-          <p:cNvSpPr/>
-          <p:nvPr/>
-        </p:nvSpPr>
-        <p:spPr>
-          <a:xfrm>
-            <a:off x="6881748" y="646847"/>
-            <a:ext cx="4472052" cy="3036587"/>
-          </a:xfrm>
-          <a:prstGeom prst="rect">
-            <a:avLst/>
-          </a:prstGeom>
-        </p:spPr>
-        <p:style>
-          <a:lnRef idx="2">
-            <a:schemeClr val="accent3"/>
-          </a:lnRef>
-          <a:fillRef idx="1">
-            <a:schemeClr val="lt1"/>
-          </a:fillRef>
-          <a:effectRef idx="0">
-            <a:schemeClr val="accent3"/>
-          </a:effectRef>
-          <a:fontRef idx="minor">
-            <a:schemeClr val="dk1"/>
-          </a:fontRef>
-        </p:style>
-        <p:txBody>
-          <a:bodyPr rtlCol="0" anchor="ctr"/>
-          <a:lstStyle/>
-          <a:p>
-            <a:pPr algn="ctr"/>
-            <a:endParaRPr lang="ko-KR" altLang="en-US" dirty="0"/>
-          </a:p>
-        </p:txBody>
-      </p:sp>
-      <p:sp>
-        <p:nvSpPr>
-          <p:cNvPr id="5" name="직사각형 4">
-            <a:extLst>
-              <a:ext uri="{FF2B5EF4-FFF2-40B4-BE49-F238E27FC236}">
-                <a16:creationId xmlns:a16="http://schemas.microsoft.com/office/drawing/2014/main" id="{B1D3A9E9-222D-56DF-0868-99482FCBE5BB}"/>
-              </a:ext>
-            </a:extLst>
-          </p:cNvPr>
-          <p:cNvSpPr/>
-          <p:nvPr/>
-        </p:nvSpPr>
-        <p:spPr>
-          <a:xfrm>
-            <a:off x="6881748" y="646847"/>
-            <a:ext cx="4472052" cy="189916"/>
-          </a:xfrm>
-          <a:prstGeom prst="rect">
-            <a:avLst/>
-          </a:prstGeom>
-        </p:spPr>
-        <p:style>
-          <a:lnRef idx="2">
-            <a:schemeClr val="accent3"/>
-          </a:lnRef>
-          <a:fillRef idx="1">
-            <a:schemeClr val="lt1"/>
-          </a:fillRef>
-          <a:effectRef idx="0">
-            <a:schemeClr val="accent3"/>
-          </a:effectRef>
-          <a:fontRef idx="minor">
-            <a:schemeClr val="dk1"/>
-          </a:fontRef>
-        </p:style>
-        <p:txBody>
-          <a:bodyPr rtlCol="0" anchor="ctr"/>
-          <a:lstStyle/>
-          <a:p>
-            <a:pPr algn="ctr"/>
-            <a:endParaRPr lang="ko-KR" altLang="en-US" dirty="0"/>
-          </a:p>
-        </p:txBody>
-      </p:sp>
-      <p:sp>
-        <p:nvSpPr>
-          <p:cNvPr id="9" name="직사각형 8">
-            <a:extLst>
-              <a:ext uri="{FF2B5EF4-FFF2-40B4-BE49-F238E27FC236}">
-                <a16:creationId xmlns:a16="http://schemas.microsoft.com/office/drawing/2014/main" id="{BEB4C292-88BC-5597-B3EC-A3B20E25411E}"/>
-              </a:ext>
-            </a:extLst>
-          </p:cNvPr>
-          <p:cNvSpPr/>
-          <p:nvPr/>
-        </p:nvSpPr>
-        <p:spPr>
-          <a:xfrm>
-            <a:off x="6881748" y="836763"/>
-            <a:ext cx="4472052" cy="189916"/>
-          </a:xfrm>
-          <a:prstGeom prst="rect">
-            <a:avLst/>
-          </a:prstGeom>
-        </p:spPr>
-        <p:style>
-          <a:lnRef idx="2">
-            <a:schemeClr val="accent3"/>
-          </a:lnRef>
-          <a:fillRef idx="1">
-            <a:schemeClr val="lt1"/>
-          </a:fillRef>
-          <a:effectRef idx="0">
-            <a:schemeClr val="accent3"/>
-          </a:effectRef>
-          <a:fontRef idx="minor">
-            <a:schemeClr val="dk1"/>
-          </a:fontRef>
-        </p:style>
-        <p:txBody>
-          <a:bodyPr rtlCol="0" anchor="ctr"/>
-          <a:lstStyle/>
-          <a:p>
-            <a:pPr algn="ctr"/>
-            <a:endParaRPr lang="ko-KR" altLang="en-US" dirty="0"/>
-          </a:p>
-        </p:txBody>
-      </p:sp>
-      <p:sp>
-        <p:nvSpPr>
-          <p:cNvPr id="6" name="직사각형 5">
-            <a:extLst>
-              <a:ext uri="{FF2B5EF4-FFF2-40B4-BE49-F238E27FC236}">
-                <a16:creationId xmlns:a16="http://schemas.microsoft.com/office/drawing/2014/main" id="{BC28C386-7BAF-35C4-E7FE-45599ACC48F0}"/>
-              </a:ext>
-            </a:extLst>
-          </p:cNvPr>
-          <p:cNvSpPr/>
-          <p:nvPr/>
-        </p:nvSpPr>
-        <p:spPr>
-          <a:xfrm>
-            <a:off x="6881748" y="837990"/>
-            <a:ext cx="571475" cy="189916"/>
-          </a:xfrm>
-          <a:prstGeom prst="rect">
-            <a:avLst/>
-          </a:prstGeom>
-        </p:spPr>
-        <p:style>
-          <a:lnRef idx="2">
-            <a:schemeClr val="accent3"/>
-          </a:lnRef>
-          <a:fillRef idx="1">
-            <a:schemeClr val="lt1"/>
-          </a:fillRef>
-          <a:effectRef idx="0">
-            <a:schemeClr val="accent3"/>
-          </a:effectRef>
-          <a:fontRef idx="minor">
-            <a:schemeClr val="dk1"/>
-          </a:fontRef>
-        </p:style>
-        <p:txBody>
-          <a:bodyPr rtlCol="0" anchor="ctr"/>
-          <a:lstStyle/>
-          <a:p>
-            <a:pPr algn="ctr"/>
-            <a:r>
-              <a:rPr lang="ko-KR" altLang="en-US" sz="1000" dirty="0"/>
-              <a:t>파일</a:t>
-            </a:r>
-          </a:p>
-        </p:txBody>
-      </p:sp>
-      <p:sp>
-        <p:nvSpPr>
-          <p:cNvPr id="7" name="직사각형 6">
-            <a:extLst>
-              <a:ext uri="{FF2B5EF4-FFF2-40B4-BE49-F238E27FC236}">
-                <a16:creationId xmlns:a16="http://schemas.microsoft.com/office/drawing/2014/main" id="{9986DE98-9595-3A98-CC4C-27058E366E31}"/>
-              </a:ext>
-            </a:extLst>
-          </p:cNvPr>
-          <p:cNvSpPr/>
-          <p:nvPr/>
-        </p:nvSpPr>
-        <p:spPr>
-          <a:xfrm>
-            <a:off x="10782325" y="652500"/>
-            <a:ext cx="571475" cy="189916"/>
-          </a:xfrm>
-          <a:prstGeom prst="rect">
-            <a:avLst/>
-          </a:prstGeom>
-        </p:spPr>
-        <p:style>
-          <a:lnRef idx="2">
-            <a:schemeClr val="accent3"/>
-          </a:lnRef>
-          <a:fillRef idx="1">
-            <a:schemeClr val="lt1"/>
-          </a:fillRef>
-          <a:effectRef idx="0">
-            <a:schemeClr val="accent3"/>
-          </a:effectRef>
-          <a:fontRef idx="minor">
-            <a:schemeClr val="dk1"/>
-          </a:fontRef>
-        </p:style>
-        <p:txBody>
-          <a:bodyPr rtlCol="0" anchor="ctr"/>
-          <a:lstStyle/>
-          <a:p>
-            <a:pPr algn="ctr"/>
-            <a:r>
-              <a:rPr lang="en-US" altLang="ko-KR" sz="1000" dirty="0"/>
-              <a:t>- </a:t>
-            </a:r>
-            <a:r>
-              <a:rPr lang="ko-KR" altLang="en-US" sz="1000" dirty="0" err="1"/>
-              <a:t>ㅁ</a:t>
-            </a:r>
-            <a:r>
-              <a:rPr lang="ko-KR" altLang="en-US" sz="1000" dirty="0"/>
-              <a:t> </a:t>
-            </a:r>
-            <a:r>
-              <a:rPr lang="en-US" altLang="ko-KR" sz="1000" dirty="0"/>
-              <a:t>X</a:t>
-            </a:r>
-            <a:endParaRPr lang="ko-KR" altLang="en-US" sz="1000" dirty="0"/>
-          </a:p>
-        </p:txBody>
-      </p:sp>
-      <p:sp>
-        <p:nvSpPr>
-          <p:cNvPr id="8" name="직사각형 7">
-            <a:extLst>
-              <a:ext uri="{FF2B5EF4-FFF2-40B4-BE49-F238E27FC236}">
-                <a16:creationId xmlns:a16="http://schemas.microsoft.com/office/drawing/2014/main" id="{7EEF96B3-9EE0-4A91-07D1-2FC27D3E81D6}"/>
-              </a:ext>
-            </a:extLst>
-          </p:cNvPr>
-          <p:cNvSpPr/>
-          <p:nvPr/>
-        </p:nvSpPr>
-        <p:spPr>
-          <a:xfrm>
-            <a:off x="7453223" y="837990"/>
-            <a:ext cx="571475" cy="189916"/>
-          </a:xfrm>
-          <a:prstGeom prst="rect">
-            <a:avLst/>
-          </a:prstGeom>
-        </p:spPr>
-        <p:style>
-          <a:lnRef idx="2">
-            <a:schemeClr val="accent3"/>
-          </a:lnRef>
-          <a:fillRef idx="1">
-            <a:schemeClr val="lt1"/>
-          </a:fillRef>
-          <a:effectRef idx="0">
-            <a:schemeClr val="accent3"/>
-          </a:effectRef>
-          <a:fontRef idx="minor">
-            <a:schemeClr val="dk1"/>
-          </a:fontRef>
-        </p:style>
-        <p:txBody>
-          <a:bodyPr rtlCol="0" anchor="ctr"/>
-          <a:lstStyle/>
-          <a:p>
-            <a:pPr algn="ctr"/>
-            <a:r>
-              <a:rPr lang="ko-KR" altLang="en-US" sz="900" dirty="0" err="1"/>
-              <a:t>덱</a:t>
-            </a:r>
-            <a:r>
-              <a:rPr lang="ko-KR" altLang="en-US" sz="900" dirty="0"/>
-              <a:t> 로드</a:t>
-            </a:r>
-          </a:p>
-        </p:txBody>
-      </p:sp>
-    </p:spTree>
-    <p:extLst>
-      <p:ext uri="{BB962C8B-B14F-4D97-AF65-F5344CB8AC3E}">
-        <p14:creationId xmlns:p14="http://schemas.microsoft.com/office/powerpoint/2010/main" val="358486195"/>
-      </p:ext>
-    </p:extLst>
-  </p:cSld>
-  <p:clrMapOvr>
-    <a:masterClrMapping/>
-  </p:clrMapOvr>
-</p:sld>
-</file>
-
-<file path=ppt/slides/slide13.xml><?xml version="1.0" encoding="utf-8"?>
-<p:sld xmlns:a="http://schemas.openxmlformats.org/drawingml/2006/main" xmlns:r="http://schemas.openxmlformats.org/officeDocument/2006/relationships" xmlns:p="http://schemas.openxmlformats.org/presentationml/2006/main">
-  <p:cSld>
-    <p:spTree>
-      <p:nvGrpSpPr>
-        <p:cNvPr id="1" name=""/>
-        <p:cNvGrpSpPr/>
-        <p:nvPr/>
-      </p:nvGrpSpPr>
-      <p:grpSpPr>
-        <a:xfrm>
-          <a:off x="0" y="0"/>
-          <a:ext cx="0" cy="0"/>
-          <a:chOff x="0" y="0"/>
-          <a:chExt cx="0" cy="0"/>
-        </a:xfrm>
-      </p:grpSpPr>
-      <p:sp>
-        <p:nvSpPr>
-          <p:cNvPr id="2" name="제목 1">
-            <a:extLst>
-              <a:ext uri="{FF2B5EF4-FFF2-40B4-BE49-F238E27FC236}">
-                <a16:creationId xmlns:a16="http://schemas.microsoft.com/office/drawing/2014/main" id="{4E4D6850-8629-08EE-29A6-E3E8C1C7D1F7}"/>
-              </a:ext>
-            </a:extLst>
-          </p:cNvPr>
-          <p:cNvSpPr>
-            <a:spLocks noGrp="1"/>
-          </p:cNvSpPr>
-          <p:nvPr>
-            <p:ph type="title"/>
-          </p:nvPr>
-        </p:nvSpPr>
-        <p:spPr>
-          <a:xfrm>
-            <a:off x="838200" y="365125"/>
-            <a:ext cx="10515600" cy="1325563"/>
-          </a:xfrm>
-        </p:spPr>
-        <p:txBody>
-          <a:bodyPr/>
-          <a:lstStyle/>
-          <a:p>
-            <a:r>
-              <a:rPr lang="en-US" altLang="ko-KR" dirty="0" err="1"/>
-              <a:t>StudioScreenBase</a:t>
-            </a:r>
-            <a:endParaRPr lang="ko-KR" altLang="en-US" dirty="0"/>
-          </a:p>
-        </p:txBody>
-      </p:sp>
-      <p:sp>
-        <p:nvSpPr>
-          <p:cNvPr id="3" name="TextBox 2">
-            <a:extLst>
-              <a:ext uri="{FF2B5EF4-FFF2-40B4-BE49-F238E27FC236}">
-                <a16:creationId xmlns:a16="http://schemas.microsoft.com/office/drawing/2014/main" id="{AB46C859-926E-D72A-17DA-64AA25EB0430}"/>
-              </a:ext>
-            </a:extLst>
-          </p:cNvPr>
-          <p:cNvSpPr txBox="1"/>
-          <p:nvPr/>
-        </p:nvSpPr>
-        <p:spPr>
-          <a:xfrm>
-            <a:off x="838200" y="2301767"/>
-            <a:ext cx="9645870" cy="5024773"/>
-          </a:xfrm>
-          <a:prstGeom prst="rect">
-            <a:avLst/>
-          </a:prstGeom>
-          <a:noFill/>
-        </p:spPr>
-        <p:txBody>
-          <a:bodyPr wrap="square" rtlCol="0">
-            <a:spAutoFit/>
-          </a:bodyPr>
-          <a:lstStyle/>
-          <a:p>
-            <a:pPr>
-              <a:lnSpc>
-                <a:spcPct val="150000"/>
-              </a:lnSpc>
-            </a:pPr>
-            <a:r>
-              <a:rPr lang="en-US" altLang="ko-KR" dirty="0" err="1"/>
-              <a:t>StudioLargerScreen</a:t>
-            </a:r>
-            <a:r>
-              <a:rPr lang="ko-KR" altLang="en-US" dirty="0"/>
-              <a:t>과 </a:t>
-            </a:r>
-            <a:r>
-              <a:rPr lang="en-US" altLang="ko-KR" dirty="0" err="1"/>
-              <a:t>StudioSmallScreen</a:t>
-            </a:r>
-            <a:r>
-              <a:rPr lang="ko-KR" altLang="en-US" dirty="0"/>
-              <a:t>은 이 클래스를 상속받는다</a:t>
-            </a:r>
-            <a:r>
-              <a:rPr lang="en-US" altLang="ko-KR" dirty="0"/>
-              <a:t>.</a:t>
-            </a:r>
-          </a:p>
-          <a:p>
-            <a:pPr>
-              <a:lnSpc>
-                <a:spcPct val="150000"/>
-              </a:lnSpc>
-            </a:pPr>
-            <a:r>
-              <a:rPr lang="en-US" altLang="ko-KR" dirty="0"/>
-              <a:t>abstract (</a:t>
-            </a:r>
-            <a:r>
-              <a:rPr lang="ko-KR" altLang="en-US" dirty="0"/>
-              <a:t>추상 클래스</a:t>
-            </a:r>
-            <a:r>
-              <a:rPr lang="en-US" altLang="ko-KR" dirty="0"/>
-              <a:t>) </a:t>
-            </a:r>
-            <a:r>
-              <a:rPr lang="ko-KR" altLang="en-US" dirty="0"/>
-              <a:t>한정자를 사용하여 클래스를 정의한다</a:t>
-            </a:r>
-            <a:r>
-              <a:rPr lang="en-US" altLang="ko-KR" dirty="0"/>
-              <a:t>.</a:t>
-            </a:r>
-          </a:p>
-          <a:p>
-            <a:pPr>
-              <a:lnSpc>
-                <a:spcPct val="150000"/>
-              </a:lnSpc>
-            </a:pPr>
-            <a:endParaRPr lang="en-US" altLang="ko-KR" dirty="0"/>
-          </a:p>
-          <a:p>
-            <a:pPr>
-              <a:lnSpc>
-                <a:spcPct val="150000"/>
-              </a:lnSpc>
-            </a:pPr>
-            <a:r>
-              <a:rPr lang="ko-KR" altLang="en-US" dirty="0"/>
-              <a:t>공통적인 기능 포함함</a:t>
-            </a:r>
-            <a:r>
-              <a:rPr lang="en-US" altLang="ko-KR" dirty="0"/>
-              <a:t>.</a:t>
-            </a:r>
-          </a:p>
-          <a:p>
-            <a:pPr>
-              <a:lnSpc>
-                <a:spcPct val="150000"/>
-              </a:lnSpc>
-            </a:pPr>
-            <a:r>
-              <a:rPr lang="ko-KR" altLang="en-US" dirty="0"/>
-              <a:t>두 클래스가 똑같은 동작을 할 경우 </a:t>
-            </a:r>
-            <a:r>
-              <a:rPr lang="en-US" altLang="ko-KR" dirty="0"/>
-              <a:t>Base</a:t>
-            </a:r>
-            <a:r>
-              <a:rPr lang="ko-KR" altLang="en-US" dirty="0"/>
-              <a:t>클래스에서 정의</a:t>
-            </a:r>
-            <a:endParaRPr lang="en-US" altLang="ko-KR" dirty="0"/>
-          </a:p>
-          <a:p>
-            <a:pPr>
-              <a:lnSpc>
-                <a:spcPct val="150000"/>
-              </a:lnSpc>
-            </a:pPr>
-            <a:r>
-              <a:rPr lang="ko-KR" altLang="en-US" dirty="0"/>
-              <a:t>달라져야 하는 동작은 </a:t>
-            </a:r>
-            <a:r>
-              <a:rPr lang="en-US" altLang="ko-KR" dirty="0"/>
-              <a:t>virtual </a:t>
-            </a:r>
-            <a:r>
-              <a:rPr lang="ko-KR" altLang="en-US" dirty="0"/>
-              <a:t>메서드로 만든 후</a:t>
-            </a:r>
-            <a:r>
-              <a:rPr lang="en-US" altLang="ko-KR" dirty="0"/>
-              <a:t>, </a:t>
-            </a:r>
-            <a:r>
-              <a:rPr lang="ko-KR" altLang="en-US" dirty="0"/>
-              <a:t>자식 클래스에서 정의</a:t>
-            </a:r>
-            <a:endParaRPr lang="en-US" altLang="ko-KR" dirty="0"/>
-          </a:p>
-          <a:p>
-            <a:pPr>
-              <a:lnSpc>
-                <a:spcPct val="150000"/>
-              </a:lnSpc>
-            </a:pPr>
-            <a:endParaRPr lang="en-US" altLang="ko-KR" dirty="0"/>
-          </a:p>
-          <a:p>
-            <a:pPr>
-              <a:lnSpc>
-                <a:spcPct val="150000"/>
-              </a:lnSpc>
-            </a:pPr>
-            <a:r>
-              <a:rPr lang="ko-KR" altLang="en-US" dirty="0" err="1"/>
-              <a:t>우클릭을</a:t>
-            </a:r>
-            <a:r>
-              <a:rPr lang="ko-KR" altLang="en-US" dirty="0"/>
-              <a:t> 눌러 컨텍스트 메뉴를 통해 카드를 추가 제거할 수 있다</a:t>
-            </a:r>
-            <a:r>
-              <a:rPr lang="en-US" altLang="ko-KR" dirty="0"/>
-              <a:t>.</a:t>
-            </a:r>
-          </a:p>
-          <a:p>
-            <a:pPr>
-              <a:lnSpc>
-                <a:spcPct val="150000"/>
-              </a:lnSpc>
-            </a:pPr>
-            <a:r>
-              <a:rPr lang="en-US" altLang="ko-KR" dirty="0" err="1"/>
-              <a:t>CardControl</a:t>
-            </a:r>
-            <a:r>
-              <a:rPr lang="ko-KR" altLang="en-US" dirty="0"/>
-              <a:t>을 보유하며</a:t>
-            </a:r>
-            <a:r>
-              <a:rPr lang="en-US" altLang="ko-KR" dirty="0"/>
-              <a:t>, </a:t>
-            </a:r>
-            <a:r>
-              <a:rPr lang="ko-KR" altLang="en-US" dirty="0"/>
-              <a:t>카드의 이벤트를 관리한다</a:t>
-            </a:r>
-            <a:r>
-              <a:rPr lang="en-US" altLang="ko-KR" dirty="0"/>
-              <a:t>. ( </a:t>
-            </a:r>
-            <a:r>
-              <a:rPr lang="ko-KR" altLang="en-US" dirty="0" err="1"/>
-              <a:t>우클릭</a:t>
-            </a:r>
-            <a:r>
-              <a:rPr lang="en-US" altLang="ko-KR" dirty="0"/>
-              <a:t>, </a:t>
-            </a:r>
-            <a:r>
-              <a:rPr lang="ko-KR" altLang="en-US" dirty="0" err="1"/>
-              <a:t>좌클릭</a:t>
-            </a:r>
-            <a:r>
-              <a:rPr lang="ko-KR" altLang="en-US" dirty="0"/>
-              <a:t> </a:t>
-            </a:r>
-            <a:r>
-              <a:rPr lang="en-US" altLang="ko-KR" dirty="0"/>
-              <a:t>)</a:t>
-            </a:r>
-          </a:p>
-          <a:p>
-            <a:pPr>
-              <a:lnSpc>
-                <a:spcPct val="150000"/>
-              </a:lnSpc>
-            </a:pPr>
-            <a:endParaRPr lang="en-US" altLang="ko-KR" dirty="0"/>
-          </a:p>
-          <a:p>
-            <a:pPr>
-              <a:lnSpc>
-                <a:spcPct val="150000"/>
-              </a:lnSpc>
-            </a:pPr>
-            <a:endParaRPr lang="en-US" altLang="ko-KR" dirty="0"/>
-          </a:p>
-          <a:p>
-            <a:pPr>
-              <a:lnSpc>
-                <a:spcPct val="150000"/>
-              </a:lnSpc>
-            </a:pPr>
-            <a:endParaRPr lang="en-US" altLang="ko-KR" dirty="0"/>
-          </a:p>
-        </p:txBody>
-      </p:sp>
-    </p:spTree>
-    <p:extLst>
-      <p:ext uri="{BB962C8B-B14F-4D97-AF65-F5344CB8AC3E}">
-        <p14:creationId xmlns:p14="http://schemas.microsoft.com/office/powerpoint/2010/main" val="3134216158"/>
-      </p:ext>
-    </p:extLst>
-  </p:cSld>
-  <p:clrMapOvr>
-    <a:masterClrMapping/>
-  </p:clrMapOvr>
-</p:sld>
-</file>
-
-<file path=ppt/slides/slide14.xml><?xml version="1.0" encoding="utf-8"?>
-<p:sld xmlns:a="http://schemas.openxmlformats.org/drawingml/2006/main" xmlns:r="http://schemas.openxmlformats.org/officeDocument/2006/relationships" xmlns:p="http://schemas.openxmlformats.org/presentationml/2006/main">
-  <p:cSld>
-    <p:spTree>
-      <p:nvGrpSpPr>
-        <p:cNvPr id="1" name=""/>
-        <p:cNvGrpSpPr/>
-        <p:nvPr/>
-      </p:nvGrpSpPr>
-      <p:grpSpPr>
-        <a:xfrm>
-          <a:off x="0" y="0"/>
-          <a:ext cx="0" cy="0"/>
-          <a:chOff x="0" y="0"/>
-          <a:chExt cx="0" cy="0"/>
-        </a:xfrm>
-      </p:grpSpPr>
-      <p:sp>
-        <p:nvSpPr>
-          <p:cNvPr id="2" name="제목 1">
-            <a:extLst>
-              <a:ext uri="{FF2B5EF4-FFF2-40B4-BE49-F238E27FC236}">
-                <a16:creationId xmlns:a16="http://schemas.microsoft.com/office/drawing/2014/main" id="{4E4D6850-8629-08EE-29A6-E3E8C1C7D1F7}"/>
-              </a:ext>
-            </a:extLst>
-          </p:cNvPr>
-          <p:cNvSpPr>
-            <a:spLocks noGrp="1"/>
-          </p:cNvSpPr>
-          <p:nvPr>
-            <p:ph type="title"/>
-          </p:nvPr>
-        </p:nvSpPr>
-        <p:spPr>
-          <a:xfrm>
-            <a:off x="838200" y="365125"/>
-            <a:ext cx="10515600" cy="1325563"/>
-          </a:xfrm>
-        </p:spPr>
-        <p:txBody>
-          <a:bodyPr/>
-          <a:lstStyle/>
-          <a:p>
-            <a:r>
-              <a:rPr lang="en-US" altLang="ko-KR" dirty="0" err="1"/>
-              <a:t>StudioScreenBase</a:t>
-            </a:r>
-            <a:endParaRPr lang="ko-KR" altLang="en-US" dirty="0"/>
-          </a:p>
-        </p:txBody>
-      </p:sp>
-      <p:sp>
-        <p:nvSpPr>
-          <p:cNvPr id="3" name="TextBox 2">
-            <a:extLst>
-              <a:ext uri="{FF2B5EF4-FFF2-40B4-BE49-F238E27FC236}">
-                <a16:creationId xmlns:a16="http://schemas.microsoft.com/office/drawing/2014/main" id="{AB46C859-926E-D72A-17DA-64AA25EB0430}"/>
-              </a:ext>
-            </a:extLst>
-          </p:cNvPr>
-          <p:cNvSpPr txBox="1"/>
-          <p:nvPr/>
-        </p:nvSpPr>
-        <p:spPr>
-          <a:xfrm>
-            <a:off x="838200" y="2301767"/>
-            <a:ext cx="11135264" cy="4609275"/>
-          </a:xfrm>
-          <a:prstGeom prst="rect">
-            <a:avLst/>
-          </a:prstGeom>
-          <a:noFill/>
-        </p:spPr>
-        <p:txBody>
-          <a:bodyPr wrap="square" rtlCol="0">
-            <a:spAutoFit/>
-          </a:bodyPr>
-          <a:lstStyle/>
-          <a:p>
-            <a:pPr>
-              <a:lnSpc>
-                <a:spcPct val="150000"/>
-              </a:lnSpc>
-            </a:pPr>
-            <a:r>
-              <a:rPr lang="ko-KR" altLang="en-US" dirty="0"/>
-              <a:t>공통 기능</a:t>
-            </a:r>
-            <a:endParaRPr lang="en-US" altLang="ko-KR" dirty="0"/>
-          </a:p>
-          <a:p>
-            <a:pPr>
-              <a:lnSpc>
-                <a:spcPct val="150000"/>
-              </a:lnSpc>
-            </a:pPr>
-            <a:r>
-              <a:rPr lang="en-US" altLang="ko-KR" dirty="0"/>
-              <a:t>	</a:t>
-            </a:r>
-            <a:r>
-              <a:rPr lang="ko-KR" altLang="en-US" dirty="0" err="1"/>
-              <a:t>우클릭을</a:t>
-            </a:r>
-            <a:r>
-              <a:rPr lang="ko-KR" altLang="en-US" dirty="0"/>
-              <a:t> 통한 컨텍스트 메뉴 및 세부 동작</a:t>
-            </a:r>
-            <a:endParaRPr lang="en-US" altLang="ko-KR" dirty="0"/>
-          </a:p>
-          <a:p>
-            <a:pPr>
-              <a:lnSpc>
-                <a:spcPct val="150000"/>
-              </a:lnSpc>
-            </a:pPr>
-            <a:r>
-              <a:rPr lang="en-US" altLang="ko-KR" dirty="0"/>
-              <a:t>	</a:t>
-            </a:r>
-            <a:r>
-              <a:rPr lang="ko-KR" altLang="en-US" dirty="0" err="1"/>
-              <a:t>그외</a:t>
-            </a:r>
-            <a:r>
-              <a:rPr lang="en-US" altLang="ko-KR" dirty="0"/>
-              <a:t> </a:t>
-            </a:r>
-            <a:r>
-              <a:rPr lang="ko-KR" altLang="en-US" dirty="0"/>
-              <a:t>등등</a:t>
-            </a:r>
-            <a:r>
-              <a:rPr lang="en-US" altLang="ko-KR" dirty="0"/>
-              <a:t>..</a:t>
-            </a:r>
-          </a:p>
-          <a:p>
-            <a:pPr>
-              <a:lnSpc>
-                <a:spcPct val="150000"/>
-              </a:lnSpc>
-            </a:pPr>
-            <a:r>
-              <a:rPr lang="ko-KR" altLang="en-US" dirty="0"/>
-              <a:t>다른 기능</a:t>
-            </a:r>
-            <a:endParaRPr lang="en-US" altLang="ko-KR" dirty="0"/>
-          </a:p>
-          <a:p>
-            <a:pPr>
-              <a:lnSpc>
-                <a:spcPct val="150000"/>
-              </a:lnSpc>
-            </a:pPr>
-            <a:r>
-              <a:rPr lang="en-US" altLang="ko-KR" dirty="0"/>
-              <a:t>	</a:t>
-            </a:r>
-            <a:r>
-              <a:rPr lang="ko-KR" altLang="en-US" dirty="0"/>
-              <a:t>카드 추가</a:t>
-            </a:r>
-            <a:endParaRPr lang="en-US" altLang="ko-KR" dirty="0"/>
-          </a:p>
-          <a:p>
-            <a:pPr>
-              <a:lnSpc>
-                <a:spcPct val="150000"/>
-              </a:lnSpc>
-            </a:pPr>
-            <a:endParaRPr lang="en-US" altLang="ko-KR" dirty="0"/>
-          </a:p>
-          <a:p>
-            <a:pPr>
-              <a:lnSpc>
-                <a:spcPct val="150000"/>
-              </a:lnSpc>
-            </a:pPr>
-            <a:r>
-              <a:rPr lang="ko-KR" altLang="en-US" dirty="0"/>
-              <a:t>카드 추가 프로세스</a:t>
-            </a:r>
-            <a:endParaRPr lang="en-US" altLang="ko-KR" dirty="0"/>
-          </a:p>
-          <a:p>
-            <a:pPr>
-              <a:lnSpc>
-                <a:spcPct val="150000"/>
-              </a:lnSpc>
-            </a:pPr>
-            <a:r>
-              <a:rPr lang="en-US" altLang="ko-KR" dirty="0"/>
-              <a:t>[</a:t>
-            </a:r>
-            <a:r>
-              <a:rPr lang="ko-KR" altLang="en-US" dirty="0"/>
-              <a:t>공통</a:t>
-            </a:r>
-            <a:r>
-              <a:rPr lang="en-US" altLang="ko-KR" dirty="0"/>
-              <a:t>]	(</a:t>
-            </a:r>
-            <a:r>
-              <a:rPr lang="ko-KR" altLang="en-US" dirty="0"/>
-              <a:t>컨텍스트 메뉴</a:t>
-            </a:r>
-            <a:r>
-              <a:rPr lang="en-US" altLang="ko-KR" dirty="0"/>
-              <a:t>) : </a:t>
-            </a:r>
-            <a:r>
-              <a:rPr lang="ko-KR" altLang="en-US" dirty="0"/>
-              <a:t>추가</a:t>
-            </a:r>
-            <a:r>
-              <a:rPr lang="en-US" altLang="ko-KR" dirty="0"/>
-              <a:t>-&gt;</a:t>
-            </a:r>
-            <a:r>
-              <a:rPr lang="ko-KR" altLang="en-US" dirty="0"/>
-              <a:t>카드</a:t>
-            </a:r>
-            <a:r>
-              <a:rPr lang="en-US" altLang="ko-KR" dirty="0"/>
-              <a:t>-&gt;</a:t>
-            </a:r>
-            <a:r>
-              <a:rPr lang="ko-KR" altLang="en-US" dirty="0" err="1"/>
-              <a:t>덱선택</a:t>
-            </a:r>
-            <a:endParaRPr lang="en-US" altLang="ko-KR" dirty="0"/>
-          </a:p>
-          <a:p>
-            <a:pPr>
-              <a:lnSpc>
-                <a:spcPct val="150000"/>
-              </a:lnSpc>
-            </a:pPr>
-            <a:r>
-              <a:rPr lang="en-US" altLang="ko-KR" dirty="0"/>
-              <a:t>[</a:t>
-            </a:r>
-            <a:r>
-              <a:rPr lang="ko-KR" altLang="en-US" dirty="0"/>
-              <a:t>공통</a:t>
-            </a:r>
-            <a:r>
-              <a:rPr lang="en-US" altLang="ko-KR" dirty="0"/>
-              <a:t>]	(</a:t>
-            </a:r>
-            <a:r>
-              <a:rPr lang="en-US" altLang="ko-KR" dirty="0" err="1"/>
-              <a:t>CardAdd</a:t>
-            </a:r>
-            <a:r>
-              <a:rPr lang="en-US" altLang="ko-KR" dirty="0"/>
-              <a:t> </a:t>
-            </a:r>
-            <a:r>
-              <a:rPr lang="ko-KR" altLang="en-US" dirty="0"/>
-              <a:t>메서드</a:t>
-            </a:r>
-            <a:r>
-              <a:rPr lang="en-US" altLang="ko-KR" dirty="0"/>
-              <a:t>) : </a:t>
-            </a:r>
-            <a:r>
-              <a:rPr lang="ko-KR" altLang="en-US" dirty="0"/>
-              <a:t>다이얼로그에서 카드 선택</a:t>
-            </a:r>
-            <a:r>
-              <a:rPr lang="en-US" altLang="ko-KR" dirty="0"/>
-              <a:t>-&gt; </a:t>
-            </a:r>
-            <a:r>
-              <a:rPr lang="en-US" altLang="ko-KR" dirty="0" err="1"/>
-              <a:t>XMLParser</a:t>
-            </a:r>
-            <a:r>
-              <a:rPr lang="ko-KR" altLang="en-US" dirty="0"/>
-              <a:t>가 </a:t>
-            </a:r>
-            <a:r>
-              <a:rPr lang="en-US" altLang="ko-KR" dirty="0" err="1"/>
-              <a:t>CardData</a:t>
-            </a:r>
-            <a:r>
-              <a:rPr lang="en-US" altLang="ko-KR" dirty="0"/>
-              <a:t> </a:t>
-            </a:r>
-            <a:r>
-              <a:rPr lang="ko-KR" altLang="en-US" dirty="0"/>
-              <a:t>반환</a:t>
-            </a:r>
-            <a:r>
-              <a:rPr lang="en-US" altLang="ko-KR" dirty="0"/>
-              <a:t>. </a:t>
-            </a:r>
-            <a:r>
-              <a:rPr lang="en-US" altLang="ko-KR" dirty="0" err="1"/>
-              <a:t>CardControl</a:t>
-            </a:r>
-            <a:r>
-              <a:rPr lang="en-US" altLang="ko-KR" dirty="0"/>
-              <a:t> </a:t>
-            </a:r>
-            <a:r>
-              <a:rPr lang="ko-KR" altLang="en-US" dirty="0"/>
-              <a:t>생성</a:t>
-            </a:r>
-            <a:endParaRPr lang="en-US" altLang="ko-KR" dirty="0"/>
-          </a:p>
-          <a:p>
-            <a:pPr>
-              <a:lnSpc>
-                <a:spcPct val="150000"/>
-              </a:lnSpc>
-            </a:pPr>
-            <a:r>
-              <a:rPr lang="en-US" altLang="ko-KR" dirty="0"/>
-              <a:t>[virtual]	(</a:t>
-            </a:r>
-            <a:r>
-              <a:rPr lang="en-US" altLang="ko-KR" dirty="0" err="1"/>
-              <a:t>CardDrop</a:t>
-            </a:r>
-            <a:r>
-              <a:rPr lang="en-US" altLang="ko-KR" dirty="0"/>
-              <a:t>?) </a:t>
-            </a:r>
-            <a:r>
-              <a:rPr lang="ko-KR" altLang="en-US" dirty="0"/>
-              <a:t>자식클래스는 이 메서드를 재정의 하여 실제 배치될 곳을 정한다</a:t>
-            </a:r>
-            <a:r>
-              <a:rPr lang="en-US" altLang="ko-KR" dirty="0"/>
-              <a:t>. </a:t>
-            </a:r>
-          </a:p>
-          <a:p>
-            <a:pPr>
-              <a:lnSpc>
-                <a:spcPct val="150000"/>
-              </a:lnSpc>
-            </a:pPr>
-            <a:endParaRPr lang="en-US" altLang="ko-KR" dirty="0"/>
-          </a:p>
-        </p:txBody>
-      </p:sp>
-    </p:spTree>
-    <p:extLst>
-      <p:ext uri="{BB962C8B-B14F-4D97-AF65-F5344CB8AC3E}">
-        <p14:creationId xmlns:p14="http://schemas.microsoft.com/office/powerpoint/2010/main" val="1787666025"/>
-      </p:ext>
-    </p:extLst>
-  </p:cSld>
-  <p:clrMapOvr>
-    <a:masterClrMapping/>
-  </p:clrMapOvr>
-</p:sld>
-</file>
-
-<file path=ppt/slides/slide15.xml><?xml version="1.0" encoding="utf-8"?>
-<p:sld xmlns:a="http://schemas.openxmlformats.org/drawingml/2006/main" xmlns:r="http://schemas.openxmlformats.org/officeDocument/2006/relationships" xmlns:p="http://schemas.openxmlformats.org/presentationml/2006/main">
-  <p:cSld>
-    <p:spTree>
-      <p:nvGrpSpPr>
-        <p:cNvPr id="1" name=""/>
-        <p:cNvGrpSpPr/>
-        <p:nvPr/>
-      </p:nvGrpSpPr>
-      <p:grpSpPr>
-        <a:xfrm>
-          <a:off x="0" y="0"/>
-          <a:ext cx="0" cy="0"/>
-          <a:chOff x="0" y="0"/>
-          <a:chExt cx="0" cy="0"/>
-        </a:xfrm>
-      </p:grpSpPr>
-      <p:sp>
-        <p:nvSpPr>
-          <p:cNvPr id="2" name="제목 1">
-            <a:extLst>
-              <a:ext uri="{FF2B5EF4-FFF2-40B4-BE49-F238E27FC236}">
-                <a16:creationId xmlns:a16="http://schemas.microsoft.com/office/drawing/2014/main" id="{4E4D6850-8629-08EE-29A6-E3E8C1C7D1F7}"/>
-              </a:ext>
-            </a:extLst>
-          </p:cNvPr>
-          <p:cNvSpPr>
-            <a:spLocks noGrp="1"/>
-          </p:cNvSpPr>
-          <p:nvPr>
-            <p:ph type="title"/>
-          </p:nvPr>
-        </p:nvSpPr>
-        <p:spPr>
-          <a:xfrm>
-            <a:off x="838200" y="365125"/>
-            <a:ext cx="10515600" cy="1325563"/>
-          </a:xfrm>
-        </p:spPr>
-        <p:txBody>
-          <a:bodyPr/>
-          <a:lstStyle/>
-          <a:p>
-            <a:r>
-              <a:rPr lang="en-US" altLang="ko-KR" dirty="0" err="1"/>
-              <a:t>StudioLargeScreen</a:t>
-            </a:r>
-            <a:r>
-              <a:rPr lang="en-US" altLang="ko-KR" dirty="0"/>
-              <a:t> ( </a:t>
-            </a:r>
-            <a:r>
-              <a:rPr lang="ko-KR" altLang="en-US" dirty="0"/>
-              <a:t>이름 미정 </a:t>
-            </a:r>
-            <a:r>
-              <a:rPr lang="en-US" altLang="ko-KR" dirty="0"/>
-              <a:t>)</a:t>
-            </a:r>
-            <a:endParaRPr lang="ko-KR" altLang="en-US" dirty="0"/>
-          </a:p>
-        </p:txBody>
-      </p:sp>
-      <p:sp>
-        <p:nvSpPr>
-          <p:cNvPr id="4" name="직사각형 3">
-            <a:extLst>
-              <a:ext uri="{FF2B5EF4-FFF2-40B4-BE49-F238E27FC236}">
-                <a16:creationId xmlns:a16="http://schemas.microsoft.com/office/drawing/2014/main" id="{5C780DF7-A6D0-9985-2C70-8C566ED64D0D}"/>
-              </a:ext>
-            </a:extLst>
-          </p:cNvPr>
-          <p:cNvSpPr/>
-          <p:nvPr/>
-        </p:nvSpPr>
-        <p:spPr>
-          <a:xfrm>
-            <a:off x="659945" y="1690688"/>
-            <a:ext cx="11006537" cy="4978126"/>
-          </a:xfrm>
-          <a:prstGeom prst="rect">
-            <a:avLst/>
-          </a:prstGeom>
-        </p:spPr>
-        <p:style>
-          <a:lnRef idx="2">
-            <a:schemeClr val="accent3"/>
-          </a:lnRef>
-          <a:fillRef idx="1">
-            <a:schemeClr val="lt1"/>
-          </a:fillRef>
-          <a:effectRef idx="0">
-            <a:schemeClr val="accent3"/>
-          </a:effectRef>
-          <a:fontRef idx="minor">
-            <a:schemeClr val="dk1"/>
-          </a:fontRef>
-        </p:style>
-        <p:txBody>
-          <a:bodyPr rtlCol="0" anchor="ctr"/>
-          <a:lstStyle/>
-          <a:p>
-            <a:pPr algn="ctr"/>
-            <a:endParaRPr lang="ko-KR" altLang="en-US" dirty="0"/>
-          </a:p>
-        </p:txBody>
-      </p:sp>
-      <p:sp>
-        <p:nvSpPr>
-          <p:cNvPr id="7" name="직사각형 6">
-            <a:extLst>
-              <a:ext uri="{FF2B5EF4-FFF2-40B4-BE49-F238E27FC236}">
-                <a16:creationId xmlns:a16="http://schemas.microsoft.com/office/drawing/2014/main" id="{45F020ED-EA86-B85A-839F-D7AD69B1030B}"/>
-              </a:ext>
-            </a:extLst>
-          </p:cNvPr>
-          <p:cNvSpPr/>
-          <p:nvPr/>
-        </p:nvSpPr>
-        <p:spPr>
-          <a:xfrm>
-            <a:off x="6237688" y="2845456"/>
-            <a:ext cx="804483" cy="1167085"/>
-          </a:xfrm>
-          <a:prstGeom prst="rect">
-            <a:avLst/>
-          </a:prstGeom>
-        </p:spPr>
-        <p:style>
-          <a:lnRef idx="2">
-            <a:schemeClr val="accent3"/>
-          </a:lnRef>
-          <a:fillRef idx="1">
-            <a:schemeClr val="lt1"/>
-          </a:fillRef>
-          <a:effectRef idx="0">
-            <a:schemeClr val="accent3"/>
-          </a:effectRef>
-          <a:fontRef idx="minor">
-            <a:schemeClr val="dk1"/>
-          </a:fontRef>
-        </p:style>
-        <p:txBody>
-          <a:bodyPr rtlCol="0" anchor="ctr"/>
-          <a:lstStyle/>
-          <a:p>
-            <a:pPr algn="ctr"/>
-            <a:r>
-              <a:rPr lang="en-US" altLang="ko-KR" dirty="0"/>
-              <a:t>Card</a:t>
-            </a:r>
-            <a:endParaRPr lang="ko-KR" altLang="en-US" dirty="0"/>
-          </a:p>
-        </p:txBody>
-      </p:sp>
-      <p:sp>
-        <p:nvSpPr>
-          <p:cNvPr id="8" name="직사각형 7">
-            <a:extLst>
-              <a:ext uri="{FF2B5EF4-FFF2-40B4-BE49-F238E27FC236}">
-                <a16:creationId xmlns:a16="http://schemas.microsoft.com/office/drawing/2014/main" id="{BB9B5E36-52CD-44DE-9E22-335DFECC08D8}"/>
-              </a:ext>
-            </a:extLst>
-          </p:cNvPr>
-          <p:cNvSpPr/>
-          <p:nvPr/>
-        </p:nvSpPr>
-        <p:spPr>
-          <a:xfrm>
-            <a:off x="9170074" y="2845456"/>
-            <a:ext cx="804483" cy="1167085"/>
-          </a:xfrm>
-          <a:prstGeom prst="rect">
-            <a:avLst/>
-          </a:prstGeom>
-        </p:spPr>
-        <p:style>
-          <a:lnRef idx="2">
-            <a:schemeClr val="accent3"/>
-          </a:lnRef>
-          <a:fillRef idx="1">
-            <a:schemeClr val="lt1"/>
-          </a:fillRef>
-          <a:effectRef idx="0">
-            <a:schemeClr val="accent3"/>
-          </a:effectRef>
-          <a:fontRef idx="minor">
-            <a:schemeClr val="dk1"/>
-          </a:fontRef>
-        </p:style>
-        <p:txBody>
-          <a:bodyPr rtlCol="0" anchor="ctr"/>
-          <a:lstStyle/>
-          <a:p>
-            <a:pPr algn="ctr"/>
-            <a:r>
-              <a:rPr lang="en-US" altLang="ko-KR" dirty="0"/>
-              <a:t>Card</a:t>
-            </a:r>
-            <a:endParaRPr lang="ko-KR" altLang="en-US" dirty="0"/>
-          </a:p>
-        </p:txBody>
-      </p:sp>
-      <p:sp>
-        <p:nvSpPr>
-          <p:cNvPr id="11" name="직사각형 10">
-            <a:extLst>
-              <a:ext uri="{FF2B5EF4-FFF2-40B4-BE49-F238E27FC236}">
-                <a16:creationId xmlns:a16="http://schemas.microsoft.com/office/drawing/2014/main" id="{B47676DE-F779-9FB9-4015-BC82BEC4BD83}"/>
-              </a:ext>
-            </a:extLst>
-          </p:cNvPr>
-          <p:cNvSpPr/>
-          <p:nvPr/>
-        </p:nvSpPr>
-        <p:spPr>
-          <a:xfrm>
-            <a:off x="3163413" y="2845456"/>
-            <a:ext cx="804483" cy="1167085"/>
-          </a:xfrm>
-          <a:prstGeom prst="rect">
-            <a:avLst/>
-          </a:prstGeom>
-        </p:spPr>
-        <p:style>
-          <a:lnRef idx="2">
-            <a:schemeClr val="accent3"/>
-          </a:lnRef>
-          <a:fillRef idx="1">
-            <a:schemeClr val="lt1"/>
-          </a:fillRef>
-          <a:effectRef idx="0">
-            <a:schemeClr val="accent3"/>
-          </a:effectRef>
-          <a:fontRef idx="minor">
-            <a:schemeClr val="dk1"/>
-          </a:fontRef>
-        </p:style>
-        <p:txBody>
-          <a:bodyPr rtlCol="0" anchor="ctr"/>
-          <a:lstStyle/>
-          <a:p>
-            <a:pPr algn="ctr"/>
-            <a:r>
-              <a:rPr lang="en-US" altLang="ko-KR" dirty="0"/>
-              <a:t>Card</a:t>
-            </a:r>
-            <a:endParaRPr lang="ko-KR" altLang="en-US" dirty="0"/>
-          </a:p>
-        </p:txBody>
-      </p:sp>
-    </p:spTree>
-    <p:extLst>
-      <p:ext uri="{BB962C8B-B14F-4D97-AF65-F5344CB8AC3E}">
-        <p14:creationId xmlns:p14="http://schemas.microsoft.com/office/powerpoint/2010/main" val="3525701695"/>
-      </p:ext>
-    </p:extLst>
-  </p:cSld>
-  <p:clrMapOvr>
-    <a:masterClrMapping/>
-  </p:clrMapOvr>
-</p:sld>
-</file>
-
-<file path=ppt/slides/slide16.xml><?xml version="1.0" encoding="utf-8"?>
-<p:sld xmlns:a="http://schemas.openxmlformats.org/drawingml/2006/main" xmlns:r="http://schemas.openxmlformats.org/officeDocument/2006/relationships" xmlns:p="http://schemas.openxmlformats.org/presentationml/2006/main">
-  <p:cSld>
-    <p:spTree>
-      <p:nvGrpSpPr>
-        <p:cNvPr id="1" name=""/>
-        <p:cNvGrpSpPr/>
-        <p:nvPr/>
-      </p:nvGrpSpPr>
-      <p:grpSpPr>
-        <a:xfrm>
-          <a:off x="0" y="0"/>
-          <a:ext cx="0" cy="0"/>
-          <a:chOff x="0" y="0"/>
-          <a:chExt cx="0" cy="0"/>
-        </a:xfrm>
-      </p:grpSpPr>
-      <p:sp>
-        <p:nvSpPr>
-          <p:cNvPr id="2" name="제목 1">
-            <a:extLst>
-              <a:ext uri="{FF2B5EF4-FFF2-40B4-BE49-F238E27FC236}">
-                <a16:creationId xmlns:a16="http://schemas.microsoft.com/office/drawing/2014/main" id="{4E4D6850-8629-08EE-29A6-E3E8C1C7D1F7}"/>
-              </a:ext>
-            </a:extLst>
-          </p:cNvPr>
-          <p:cNvSpPr>
-            <a:spLocks noGrp="1"/>
-          </p:cNvSpPr>
-          <p:nvPr>
-            <p:ph type="title"/>
-          </p:nvPr>
-        </p:nvSpPr>
-        <p:spPr>
-          <a:xfrm>
-            <a:off x="838200" y="365125"/>
-            <a:ext cx="10515600" cy="1325563"/>
-          </a:xfrm>
-        </p:spPr>
-        <p:txBody>
-          <a:bodyPr/>
-          <a:lstStyle/>
-          <a:p>
-            <a:r>
-              <a:rPr lang="en-US" altLang="ko-KR" dirty="0" err="1"/>
-              <a:t>StudioLargeScreen</a:t>
-            </a:r>
-            <a:r>
-              <a:rPr lang="en-US" altLang="ko-KR" dirty="0"/>
-              <a:t> ( </a:t>
-            </a:r>
-            <a:r>
-              <a:rPr lang="ko-KR" altLang="en-US" dirty="0"/>
-              <a:t>이름 미정 </a:t>
-            </a:r>
-            <a:r>
-              <a:rPr lang="en-US" altLang="ko-KR" dirty="0"/>
-              <a:t>)</a:t>
-            </a:r>
-            <a:endParaRPr lang="ko-KR" altLang="en-US" dirty="0"/>
-          </a:p>
-        </p:txBody>
-      </p:sp>
-      <p:sp>
-        <p:nvSpPr>
-          <p:cNvPr id="3" name="TextBox 2">
-            <a:extLst>
-              <a:ext uri="{FF2B5EF4-FFF2-40B4-BE49-F238E27FC236}">
-                <a16:creationId xmlns:a16="http://schemas.microsoft.com/office/drawing/2014/main" id="{AB46C859-926E-D72A-17DA-64AA25EB0430}"/>
-              </a:ext>
-            </a:extLst>
-          </p:cNvPr>
-          <p:cNvSpPr txBox="1"/>
-          <p:nvPr/>
-        </p:nvSpPr>
-        <p:spPr>
-          <a:xfrm>
-            <a:off x="838199" y="2806263"/>
-            <a:ext cx="9645870" cy="1285288"/>
-          </a:xfrm>
-          <a:prstGeom prst="rect">
-            <a:avLst/>
-          </a:prstGeom>
-          <a:noFill/>
-        </p:spPr>
-        <p:txBody>
-          <a:bodyPr wrap="square" rtlCol="0">
-            <a:spAutoFit/>
-          </a:bodyPr>
-          <a:lstStyle/>
-          <a:p>
-            <a:pPr>
-              <a:lnSpc>
-                <a:spcPct val="150000"/>
-              </a:lnSpc>
-            </a:pPr>
-            <a:r>
-              <a:rPr lang="ko-KR" altLang="en-US" dirty="0" err="1"/>
-              <a:t>메인이</a:t>
-            </a:r>
-            <a:r>
-              <a:rPr lang="ko-KR" altLang="en-US" dirty="0"/>
-              <a:t> 되는 화면이다</a:t>
-            </a:r>
-            <a:r>
-              <a:rPr lang="en-US" altLang="ko-KR" dirty="0"/>
-              <a:t>. </a:t>
-            </a:r>
-            <a:r>
-              <a:rPr lang="ko-KR" altLang="en-US" dirty="0"/>
-              <a:t>여기서 송출될 화면을 구성한다</a:t>
-            </a:r>
-            <a:r>
-              <a:rPr lang="en-US" altLang="ko-KR" dirty="0"/>
-              <a:t>.</a:t>
-            </a:r>
-          </a:p>
-          <a:p>
-            <a:pPr>
-              <a:lnSpc>
-                <a:spcPct val="150000"/>
-              </a:lnSpc>
-            </a:pPr>
-            <a:endParaRPr lang="en-US" altLang="ko-KR" dirty="0"/>
-          </a:p>
-          <a:p>
-            <a:pPr>
-              <a:lnSpc>
-                <a:spcPct val="150000"/>
-              </a:lnSpc>
-            </a:pPr>
-            <a:r>
-              <a:rPr lang="en-US" altLang="ko-KR" u="sng" dirty="0"/>
-              <a:t> </a:t>
-            </a:r>
-            <a:r>
-              <a:rPr lang="en-US" altLang="ko-KR" u="sng" dirty="0" err="1"/>
-              <a:t>CardControl</a:t>
-            </a:r>
-            <a:r>
-              <a:rPr lang="ko-KR" altLang="en-US" u="sng" dirty="0"/>
-              <a:t>을 원하는 곳으로 이동할 수 있으며</a:t>
-            </a:r>
-            <a:r>
-              <a:rPr lang="en-US" altLang="ko-KR" u="sng" dirty="0"/>
-              <a:t>, </a:t>
-            </a:r>
-            <a:r>
-              <a:rPr lang="ko-KR" altLang="en-US" u="sng" dirty="0"/>
-              <a:t>사이즈 조절 가능</a:t>
-            </a:r>
-            <a:endParaRPr lang="en-US" altLang="ko-KR" u="sng" dirty="0"/>
-          </a:p>
-        </p:txBody>
-      </p:sp>
-    </p:spTree>
-    <p:extLst>
-      <p:ext uri="{BB962C8B-B14F-4D97-AF65-F5344CB8AC3E}">
-        <p14:creationId xmlns:p14="http://schemas.microsoft.com/office/powerpoint/2010/main" val="2883815923"/>
-      </p:ext>
-    </p:extLst>
-  </p:cSld>
-  <p:clrMapOvr>
-    <a:masterClrMapping/>
-  </p:clrMapOvr>
-</p:sld>
-</file>
-
-<file path=ppt/slides/slide17.xml><?xml version="1.0" encoding="utf-8"?>
-<p:sld xmlns:a="http://schemas.openxmlformats.org/drawingml/2006/main" xmlns:r="http://schemas.openxmlformats.org/officeDocument/2006/relationships" xmlns:p="http://schemas.openxmlformats.org/presentationml/2006/main">
-  <p:cSld>
-    <p:spTree>
-      <p:nvGrpSpPr>
-        <p:cNvPr id="1" name=""/>
-        <p:cNvGrpSpPr/>
-        <p:nvPr/>
-      </p:nvGrpSpPr>
-      <p:grpSpPr>
-        <a:xfrm>
-          <a:off x="0" y="0"/>
-          <a:ext cx="0" cy="0"/>
-          <a:chOff x="0" y="0"/>
-          <a:chExt cx="0" cy="0"/>
-        </a:xfrm>
-      </p:grpSpPr>
-      <p:sp>
-        <p:nvSpPr>
-          <p:cNvPr id="2" name="제목 1">
-            <a:extLst>
-              <a:ext uri="{FF2B5EF4-FFF2-40B4-BE49-F238E27FC236}">
-                <a16:creationId xmlns:a16="http://schemas.microsoft.com/office/drawing/2014/main" id="{4E4D6850-8629-08EE-29A6-E3E8C1C7D1F7}"/>
-              </a:ext>
-            </a:extLst>
-          </p:cNvPr>
-          <p:cNvSpPr>
-            <a:spLocks noGrp="1"/>
-          </p:cNvSpPr>
-          <p:nvPr>
-            <p:ph type="title"/>
-          </p:nvPr>
-        </p:nvSpPr>
-        <p:spPr>
-          <a:xfrm>
-            <a:off x="838200" y="365125"/>
-            <a:ext cx="10515600" cy="1325563"/>
-          </a:xfrm>
-        </p:spPr>
-        <p:txBody>
-          <a:bodyPr/>
-          <a:lstStyle/>
-          <a:p>
-            <a:r>
-              <a:rPr lang="en-US" altLang="ko-KR" dirty="0" err="1"/>
-              <a:t>StudioSmallScreen</a:t>
-            </a:r>
-            <a:r>
-              <a:rPr lang="en-US" altLang="ko-KR" dirty="0"/>
-              <a:t> ( </a:t>
-            </a:r>
-            <a:r>
-              <a:rPr lang="ko-KR" altLang="en-US" dirty="0"/>
-              <a:t>이름 미정 </a:t>
-            </a:r>
-            <a:r>
-              <a:rPr lang="en-US" altLang="ko-KR" dirty="0"/>
-              <a:t>)</a:t>
-            </a:r>
-            <a:endParaRPr lang="ko-KR" altLang="en-US" dirty="0"/>
-          </a:p>
-        </p:txBody>
-      </p:sp>
-      <p:sp>
-        <p:nvSpPr>
-          <p:cNvPr id="4" name="직사각형 3">
-            <a:extLst>
-              <a:ext uri="{FF2B5EF4-FFF2-40B4-BE49-F238E27FC236}">
-                <a16:creationId xmlns:a16="http://schemas.microsoft.com/office/drawing/2014/main" id="{5C780DF7-A6D0-9985-2C70-8C566ED64D0D}"/>
-              </a:ext>
-            </a:extLst>
-          </p:cNvPr>
-          <p:cNvSpPr/>
-          <p:nvPr/>
-        </p:nvSpPr>
-        <p:spPr>
-          <a:xfrm>
-            <a:off x="659946" y="1690688"/>
-            <a:ext cx="1783710" cy="2707891"/>
-          </a:xfrm>
-          <a:prstGeom prst="rect">
-            <a:avLst/>
-          </a:prstGeom>
-        </p:spPr>
-        <p:style>
-          <a:lnRef idx="2">
-            <a:schemeClr val="accent3"/>
-          </a:lnRef>
-          <a:fillRef idx="1">
-            <a:schemeClr val="lt1"/>
-          </a:fillRef>
-          <a:effectRef idx="0">
-            <a:schemeClr val="accent3"/>
-          </a:effectRef>
-          <a:fontRef idx="minor">
-            <a:schemeClr val="dk1"/>
-          </a:fontRef>
-        </p:style>
-        <p:txBody>
-          <a:bodyPr rtlCol="0" anchor="ctr"/>
-          <a:lstStyle/>
-          <a:p>
-            <a:pPr algn="ctr"/>
-            <a:endParaRPr lang="ko-KR" altLang="en-US" dirty="0"/>
-          </a:p>
-        </p:txBody>
-      </p:sp>
-      <p:sp>
-        <p:nvSpPr>
-          <p:cNvPr id="8" name="직사각형 7">
-            <a:extLst>
-              <a:ext uri="{FF2B5EF4-FFF2-40B4-BE49-F238E27FC236}">
-                <a16:creationId xmlns:a16="http://schemas.microsoft.com/office/drawing/2014/main" id="{BB9B5E36-52CD-44DE-9E22-335DFECC08D8}"/>
-              </a:ext>
-            </a:extLst>
-          </p:cNvPr>
-          <p:cNvSpPr/>
-          <p:nvPr/>
-        </p:nvSpPr>
-        <p:spPr>
-          <a:xfrm>
-            <a:off x="659945" y="1690688"/>
-            <a:ext cx="1783710" cy="2707891"/>
-          </a:xfrm>
-          <a:prstGeom prst="rect">
-            <a:avLst/>
-          </a:prstGeom>
-        </p:spPr>
-        <p:style>
-          <a:lnRef idx="2">
-            <a:schemeClr val="accent3"/>
-          </a:lnRef>
-          <a:fillRef idx="1">
-            <a:schemeClr val="lt1"/>
-          </a:fillRef>
-          <a:effectRef idx="0">
-            <a:schemeClr val="accent3"/>
-          </a:effectRef>
-          <a:fontRef idx="minor">
-            <a:schemeClr val="dk1"/>
-          </a:fontRef>
-        </p:style>
-        <p:txBody>
-          <a:bodyPr rtlCol="0" anchor="ctr"/>
-          <a:lstStyle/>
-          <a:p>
-            <a:pPr algn="ctr"/>
-            <a:r>
-              <a:rPr lang="en-US" altLang="ko-KR" dirty="0"/>
-              <a:t>Card</a:t>
-            </a:r>
-            <a:endParaRPr lang="ko-KR" altLang="en-US" dirty="0"/>
-          </a:p>
-        </p:txBody>
-      </p:sp>
-      <p:sp>
-        <p:nvSpPr>
-          <p:cNvPr id="3" name="TextBox 2">
-            <a:extLst>
-              <a:ext uri="{FF2B5EF4-FFF2-40B4-BE49-F238E27FC236}">
-                <a16:creationId xmlns:a16="http://schemas.microsoft.com/office/drawing/2014/main" id="{3E8A96B1-429E-E429-8A2A-2B5DCCCD06C6}"/>
-              </a:ext>
-            </a:extLst>
-          </p:cNvPr>
-          <p:cNvSpPr txBox="1"/>
-          <p:nvPr/>
-        </p:nvSpPr>
-        <p:spPr>
-          <a:xfrm>
-            <a:off x="538656" y="4619297"/>
-            <a:ext cx="9645870" cy="869790"/>
-          </a:xfrm>
-          <a:prstGeom prst="rect">
-            <a:avLst/>
-          </a:prstGeom>
-          <a:noFill/>
-        </p:spPr>
-        <p:txBody>
-          <a:bodyPr wrap="square" rtlCol="0">
-            <a:spAutoFit/>
-          </a:bodyPr>
-          <a:lstStyle/>
-          <a:p>
-            <a:pPr>
-              <a:lnSpc>
-                <a:spcPct val="150000"/>
-              </a:lnSpc>
-            </a:pPr>
-            <a:r>
-              <a:rPr lang="ko-KR" altLang="en-US" dirty="0" err="1"/>
-              <a:t>메인이</a:t>
-            </a:r>
-            <a:r>
-              <a:rPr lang="ko-KR" altLang="en-US" dirty="0"/>
-              <a:t> 되는 화면이다</a:t>
-            </a:r>
-            <a:r>
-              <a:rPr lang="en-US" altLang="ko-KR" dirty="0"/>
-              <a:t>. </a:t>
-            </a:r>
-            <a:r>
-              <a:rPr lang="ko-KR" altLang="en-US" dirty="0"/>
-              <a:t>여기서 송출될 화면을 구성한다</a:t>
-            </a:r>
-            <a:r>
-              <a:rPr lang="en-US" altLang="ko-KR" dirty="0"/>
-              <a:t>.</a:t>
-            </a:r>
-          </a:p>
-          <a:p>
-            <a:pPr>
-              <a:lnSpc>
-                <a:spcPct val="150000"/>
-              </a:lnSpc>
-            </a:pPr>
-            <a:r>
-              <a:rPr lang="ko-KR" altLang="en-US" u="sng" dirty="0"/>
-              <a:t>단 하나의 카드만 추가할 수 있다</a:t>
-            </a:r>
-            <a:r>
-              <a:rPr lang="en-US" altLang="ko-KR" u="sng" dirty="0"/>
-              <a:t>.</a:t>
-            </a:r>
-          </a:p>
-        </p:txBody>
-      </p:sp>
-    </p:spTree>
-    <p:extLst>
-      <p:ext uri="{BB962C8B-B14F-4D97-AF65-F5344CB8AC3E}">
-        <p14:creationId xmlns:p14="http://schemas.microsoft.com/office/powerpoint/2010/main" val="1868109162"/>
-      </p:ext>
-    </p:extLst>
-  </p:cSld>
-  <p:clrMapOvr>
-    <a:masterClrMapping/>
-  </p:clrMapOvr>
-</p:sld>
-</file>
-
-<file path=ppt/slides/slide18.xml><?xml version="1.0" encoding="utf-8"?>
-<p:sld xmlns:a="http://schemas.openxmlformats.org/drawingml/2006/main" xmlns:r="http://schemas.openxmlformats.org/officeDocument/2006/relationships" xmlns:p="http://schemas.openxmlformats.org/presentationml/2006/main">
-  <p:cSld>
-    <p:spTree>
-      <p:nvGrpSpPr>
-        <p:cNvPr id="1" name=""/>
-        <p:cNvGrpSpPr/>
-        <p:nvPr/>
-      </p:nvGrpSpPr>
-      <p:grpSpPr>
-        <a:xfrm>
-          <a:off x="0" y="0"/>
-          <a:ext cx="0" cy="0"/>
-          <a:chOff x="0" y="0"/>
-          <a:chExt cx="0" cy="0"/>
-        </a:xfrm>
-      </p:grpSpPr>
-      <p:sp>
-        <p:nvSpPr>
-          <p:cNvPr id="2" name="제목 1">
-            <a:extLst>
-              <a:ext uri="{FF2B5EF4-FFF2-40B4-BE49-F238E27FC236}">
-                <a16:creationId xmlns:a16="http://schemas.microsoft.com/office/drawing/2014/main" id="{4E4D6850-8629-08EE-29A6-E3E8C1C7D1F7}"/>
-              </a:ext>
-            </a:extLst>
-          </p:cNvPr>
-          <p:cNvSpPr>
-            <a:spLocks noGrp="1"/>
-          </p:cNvSpPr>
-          <p:nvPr>
-            <p:ph type="title"/>
-          </p:nvPr>
-        </p:nvSpPr>
-        <p:spPr>
-          <a:xfrm>
-            <a:off x="838200" y="365125"/>
-            <a:ext cx="10515600" cy="1325563"/>
-          </a:xfrm>
-        </p:spPr>
-        <p:txBody>
-          <a:bodyPr/>
-          <a:lstStyle/>
-          <a:p>
-            <a:r>
-              <a:rPr lang="en-US" altLang="ko-KR" dirty="0" err="1"/>
-              <a:t>ShowingSmallScreen</a:t>
-            </a:r>
-            <a:r>
-              <a:rPr lang="en-US" altLang="ko-KR" dirty="0"/>
-              <a:t> ( </a:t>
-            </a:r>
-            <a:r>
-              <a:rPr lang="ko-KR" altLang="en-US" dirty="0"/>
-              <a:t>이름 미정 </a:t>
-            </a:r>
-            <a:r>
-              <a:rPr lang="en-US" altLang="ko-KR" dirty="0"/>
-              <a:t>)</a:t>
-            </a:r>
-            <a:endParaRPr lang="ko-KR" altLang="en-US" dirty="0"/>
-          </a:p>
-        </p:txBody>
-      </p:sp>
-      <p:sp>
-        <p:nvSpPr>
-          <p:cNvPr id="5" name="TextBox 4">
-            <a:extLst>
-              <a:ext uri="{FF2B5EF4-FFF2-40B4-BE49-F238E27FC236}">
-                <a16:creationId xmlns:a16="http://schemas.microsoft.com/office/drawing/2014/main" id="{351FC469-5354-D4C4-854C-DF5946D57158}"/>
-              </a:ext>
-            </a:extLst>
-          </p:cNvPr>
-          <p:cNvSpPr txBox="1"/>
-          <p:nvPr/>
-        </p:nvSpPr>
-        <p:spPr>
-          <a:xfrm>
-            <a:off x="838199" y="2806263"/>
-            <a:ext cx="6796178" cy="869790"/>
-          </a:xfrm>
-          <a:prstGeom prst="rect">
-            <a:avLst/>
-          </a:prstGeom>
-          <a:noFill/>
-        </p:spPr>
-        <p:txBody>
-          <a:bodyPr wrap="square" rtlCol="0">
-            <a:spAutoFit/>
-          </a:bodyPr>
-          <a:lstStyle/>
-          <a:p>
-            <a:pPr>
-              <a:lnSpc>
-                <a:spcPct val="150000"/>
-              </a:lnSpc>
-            </a:pPr>
-            <a:r>
-              <a:rPr lang="ko-KR" altLang="en-US" dirty="0"/>
-              <a:t>현재 선택된 카드의 설명을 보여주는 컨트롤</a:t>
-            </a:r>
-            <a:r>
-              <a:rPr lang="en-US" altLang="ko-KR" dirty="0"/>
-              <a:t>.</a:t>
-            </a:r>
-          </a:p>
-          <a:p>
-            <a:pPr>
-              <a:lnSpc>
-                <a:spcPct val="150000"/>
-              </a:lnSpc>
-            </a:pPr>
-            <a:endParaRPr lang="en-US" altLang="ko-KR" dirty="0"/>
-          </a:p>
-        </p:txBody>
-      </p:sp>
-      <p:sp>
-        <p:nvSpPr>
-          <p:cNvPr id="6" name="직사각형 5">
-            <a:extLst>
-              <a:ext uri="{FF2B5EF4-FFF2-40B4-BE49-F238E27FC236}">
-                <a16:creationId xmlns:a16="http://schemas.microsoft.com/office/drawing/2014/main" id="{394626A5-CCC6-DFD3-4C66-2F055FDF355A}"/>
-              </a:ext>
-            </a:extLst>
-          </p:cNvPr>
-          <p:cNvSpPr/>
-          <p:nvPr/>
-        </p:nvSpPr>
-        <p:spPr>
-          <a:xfrm>
-            <a:off x="9079326" y="1561292"/>
-            <a:ext cx="1783710" cy="2707891"/>
-          </a:xfrm>
-          <a:prstGeom prst="rect">
-            <a:avLst/>
-          </a:prstGeom>
-        </p:spPr>
-        <p:style>
-          <a:lnRef idx="2">
-            <a:schemeClr val="accent3"/>
-          </a:lnRef>
-          <a:fillRef idx="1">
-            <a:schemeClr val="lt1"/>
-          </a:fillRef>
-          <a:effectRef idx="0">
-            <a:schemeClr val="accent3"/>
-          </a:effectRef>
-          <a:fontRef idx="minor">
-            <a:schemeClr val="dk1"/>
-          </a:fontRef>
-        </p:style>
-        <p:txBody>
-          <a:bodyPr rtlCol="0" anchor="ctr"/>
-          <a:lstStyle/>
-          <a:p>
-            <a:pPr algn="ctr"/>
-            <a:r>
-              <a:rPr lang="en-US" altLang="ko-KR" dirty="0"/>
-              <a:t>Card</a:t>
-            </a:r>
-            <a:endParaRPr lang="ko-KR" altLang="en-US" dirty="0"/>
-          </a:p>
-        </p:txBody>
-      </p:sp>
-      <p:sp>
-        <p:nvSpPr>
-          <p:cNvPr id="7" name="TextBox 6">
-            <a:extLst>
-              <a:ext uri="{FF2B5EF4-FFF2-40B4-BE49-F238E27FC236}">
-                <a16:creationId xmlns:a16="http://schemas.microsoft.com/office/drawing/2014/main" id="{4240B6E9-8DC8-FC06-D40D-0DE5D1253494}"/>
-              </a:ext>
-            </a:extLst>
-          </p:cNvPr>
-          <p:cNvSpPr txBox="1"/>
-          <p:nvPr/>
-        </p:nvSpPr>
-        <p:spPr>
-          <a:xfrm>
-            <a:off x="9636659" y="4364073"/>
-            <a:ext cx="669043" cy="454292"/>
-          </a:xfrm>
-          <a:prstGeom prst="rect">
-            <a:avLst/>
-          </a:prstGeom>
-          <a:noFill/>
-        </p:spPr>
-        <p:txBody>
-          <a:bodyPr wrap="square" rtlCol="0">
-            <a:spAutoFit/>
-          </a:bodyPr>
-          <a:lstStyle/>
-          <a:p>
-            <a:pPr>
-              <a:lnSpc>
-                <a:spcPct val="150000"/>
-              </a:lnSpc>
-            </a:pPr>
-            <a:r>
-              <a:rPr lang="ko-KR" altLang="en-US" u="sng" dirty="0"/>
-              <a:t>설명</a:t>
-            </a:r>
-            <a:endParaRPr lang="en-US" altLang="ko-KR" u="sng" dirty="0"/>
-          </a:p>
-        </p:txBody>
-      </p:sp>
-    </p:spTree>
-    <p:extLst>
-      <p:ext uri="{BB962C8B-B14F-4D97-AF65-F5344CB8AC3E}">
-        <p14:creationId xmlns:p14="http://schemas.microsoft.com/office/powerpoint/2010/main" val="2061954934"/>
-      </p:ext>
-    </p:extLst>
-  </p:cSld>
-  <p:clrMapOvr>
-    <a:masterClrMapping/>
-  </p:clrMapOvr>
-</p:sld>
-</file>
-
-<file path=ppt/slides/slide19.xml><?xml version="1.0" encoding="utf-8"?>
-<p:sld xmlns:a="http://schemas.openxmlformats.org/drawingml/2006/main" xmlns:r="http://schemas.openxmlformats.org/officeDocument/2006/relationships" xmlns:p="http://schemas.openxmlformats.org/presentationml/2006/main">
-  <p:cSld>
-    <p:spTree>
-      <p:nvGrpSpPr>
-        <p:cNvPr id="1" name=""/>
-        <p:cNvGrpSpPr/>
-        <p:nvPr/>
-      </p:nvGrpSpPr>
-      <p:grpSpPr>
-        <a:xfrm>
-          <a:off x="0" y="0"/>
-          <a:ext cx="0" cy="0"/>
-          <a:chOff x="0" y="0"/>
-          <a:chExt cx="0" cy="0"/>
-        </a:xfrm>
-      </p:grpSpPr>
-      <p:sp>
-        <p:nvSpPr>
-          <p:cNvPr id="2" name="제목 1">
-            <a:extLst>
-              <a:ext uri="{FF2B5EF4-FFF2-40B4-BE49-F238E27FC236}">
-                <a16:creationId xmlns:a16="http://schemas.microsoft.com/office/drawing/2014/main" id="{4E4D6850-8629-08EE-29A6-E3E8C1C7D1F7}"/>
-              </a:ext>
-            </a:extLst>
-          </p:cNvPr>
-          <p:cNvSpPr>
-            <a:spLocks noGrp="1"/>
-          </p:cNvSpPr>
-          <p:nvPr>
-            <p:ph type="title"/>
-          </p:nvPr>
-        </p:nvSpPr>
-        <p:spPr>
-          <a:xfrm>
-            <a:off x="838200" y="365125"/>
-            <a:ext cx="10515600" cy="1325563"/>
-          </a:xfrm>
-        </p:spPr>
-        <p:txBody>
-          <a:bodyPr/>
-          <a:lstStyle/>
-          <a:p>
-            <a:r>
-              <a:rPr lang="en-US" altLang="ko-KR" dirty="0" err="1"/>
-              <a:t>ShowingLargeScreen</a:t>
-            </a:r>
-            <a:r>
-              <a:rPr lang="en-US" altLang="ko-KR" dirty="0"/>
-              <a:t> ( </a:t>
-            </a:r>
-            <a:r>
-              <a:rPr lang="ko-KR" altLang="en-US" dirty="0"/>
-              <a:t>이름 미정 </a:t>
-            </a:r>
-            <a:r>
-              <a:rPr lang="en-US" altLang="ko-KR" dirty="0"/>
-              <a:t>)</a:t>
-            </a:r>
-            <a:endParaRPr lang="ko-KR" altLang="en-US" dirty="0"/>
-          </a:p>
-        </p:txBody>
-      </p:sp>
-      <p:sp>
-        <p:nvSpPr>
-          <p:cNvPr id="5" name="TextBox 4">
-            <a:extLst>
-              <a:ext uri="{FF2B5EF4-FFF2-40B4-BE49-F238E27FC236}">
-                <a16:creationId xmlns:a16="http://schemas.microsoft.com/office/drawing/2014/main" id="{351FC469-5354-D4C4-854C-DF5946D57158}"/>
-              </a:ext>
-            </a:extLst>
-          </p:cNvPr>
-          <p:cNvSpPr txBox="1"/>
-          <p:nvPr/>
-        </p:nvSpPr>
-        <p:spPr>
-          <a:xfrm>
-            <a:off x="838199" y="2806263"/>
-            <a:ext cx="6796178" cy="869790"/>
-          </a:xfrm>
-          <a:prstGeom prst="rect">
-            <a:avLst/>
-          </a:prstGeom>
-          <a:noFill/>
-        </p:spPr>
-        <p:txBody>
-          <a:bodyPr wrap="square" rtlCol="0">
-            <a:spAutoFit/>
-          </a:bodyPr>
-          <a:lstStyle/>
-          <a:p>
-            <a:pPr>
-              <a:lnSpc>
-                <a:spcPct val="150000"/>
-              </a:lnSpc>
-            </a:pPr>
-            <a:r>
-              <a:rPr lang="ko-KR" altLang="en-US" dirty="0"/>
-              <a:t>현재 선택된 카드의 설명을 보여주는 컨트롤</a:t>
-            </a:r>
-            <a:r>
-              <a:rPr lang="en-US" altLang="ko-KR" dirty="0"/>
-              <a:t>.</a:t>
-            </a:r>
-          </a:p>
-          <a:p>
-            <a:pPr>
-              <a:lnSpc>
-                <a:spcPct val="150000"/>
-              </a:lnSpc>
-            </a:pPr>
-            <a:endParaRPr lang="en-US" altLang="ko-KR" dirty="0"/>
-          </a:p>
-        </p:txBody>
-      </p:sp>
-      <p:sp>
-        <p:nvSpPr>
-          <p:cNvPr id="6" name="직사각형 5">
-            <a:extLst>
-              <a:ext uri="{FF2B5EF4-FFF2-40B4-BE49-F238E27FC236}">
-                <a16:creationId xmlns:a16="http://schemas.microsoft.com/office/drawing/2014/main" id="{394626A5-CCC6-DFD3-4C66-2F055FDF355A}"/>
-              </a:ext>
-            </a:extLst>
-          </p:cNvPr>
-          <p:cNvSpPr/>
-          <p:nvPr/>
-        </p:nvSpPr>
-        <p:spPr>
-          <a:xfrm>
-            <a:off x="7159925" y="1561292"/>
-            <a:ext cx="5032075" cy="3140104"/>
-          </a:xfrm>
-          <a:prstGeom prst="rect">
-            <a:avLst/>
-          </a:prstGeom>
-        </p:spPr>
-        <p:style>
-          <a:lnRef idx="2">
-            <a:schemeClr val="accent3"/>
-          </a:lnRef>
-          <a:fillRef idx="1">
-            <a:schemeClr val="lt1"/>
-          </a:fillRef>
-          <a:effectRef idx="0">
-            <a:schemeClr val="accent3"/>
-          </a:effectRef>
-          <a:fontRef idx="minor">
-            <a:schemeClr val="dk1"/>
-          </a:fontRef>
-        </p:style>
-        <p:txBody>
-          <a:bodyPr rtlCol="0" anchor="ctr"/>
-          <a:lstStyle/>
-          <a:p>
-            <a:pPr algn="ctr"/>
-            <a:endParaRPr lang="ko-KR" altLang="en-US" dirty="0"/>
-          </a:p>
-        </p:txBody>
-      </p:sp>
-      <p:sp>
-        <p:nvSpPr>
-          <p:cNvPr id="3" name="직사각형 2">
-            <a:extLst>
-              <a:ext uri="{FF2B5EF4-FFF2-40B4-BE49-F238E27FC236}">
-                <a16:creationId xmlns:a16="http://schemas.microsoft.com/office/drawing/2014/main" id="{0015DB9E-D0E3-6288-496A-51ACD1F86FCE}"/>
-              </a:ext>
-            </a:extLst>
-          </p:cNvPr>
-          <p:cNvSpPr/>
-          <p:nvPr/>
-        </p:nvSpPr>
-        <p:spPr>
-          <a:xfrm>
-            <a:off x="8832176" y="1860295"/>
-            <a:ext cx="536111" cy="839773"/>
-          </a:xfrm>
-          <a:prstGeom prst="rect">
-            <a:avLst/>
-          </a:prstGeom>
-        </p:spPr>
-        <p:style>
-          <a:lnRef idx="2">
-            <a:schemeClr val="accent3"/>
-          </a:lnRef>
-          <a:fillRef idx="1">
-            <a:schemeClr val="lt1"/>
-          </a:fillRef>
-          <a:effectRef idx="0">
-            <a:schemeClr val="accent3"/>
-          </a:effectRef>
-          <a:fontRef idx="minor">
-            <a:schemeClr val="dk1"/>
-          </a:fontRef>
-        </p:style>
-        <p:txBody>
-          <a:bodyPr rtlCol="0" anchor="ctr"/>
-          <a:lstStyle/>
-          <a:p>
-            <a:pPr algn="ctr"/>
-            <a:r>
-              <a:rPr lang="en-US" altLang="ko-KR" sz="1050" dirty="0"/>
-              <a:t>Card</a:t>
-            </a:r>
-            <a:endParaRPr lang="ko-KR" altLang="en-US" sz="1050" dirty="0"/>
-          </a:p>
-        </p:txBody>
-      </p:sp>
-      <p:sp>
-        <p:nvSpPr>
-          <p:cNvPr id="4" name="직사각형 3">
-            <a:extLst>
-              <a:ext uri="{FF2B5EF4-FFF2-40B4-BE49-F238E27FC236}">
-                <a16:creationId xmlns:a16="http://schemas.microsoft.com/office/drawing/2014/main" id="{9157E304-688C-EAF9-3F02-5960DDD436F8}"/>
-              </a:ext>
-            </a:extLst>
-          </p:cNvPr>
-          <p:cNvSpPr/>
-          <p:nvPr/>
-        </p:nvSpPr>
-        <p:spPr>
-          <a:xfrm>
-            <a:off x="10376304" y="1936382"/>
-            <a:ext cx="536111" cy="839773"/>
-          </a:xfrm>
-          <a:prstGeom prst="rect">
-            <a:avLst/>
-          </a:prstGeom>
-        </p:spPr>
-        <p:style>
-          <a:lnRef idx="2">
-            <a:schemeClr val="accent3"/>
-          </a:lnRef>
-          <a:fillRef idx="1">
-            <a:schemeClr val="lt1"/>
-          </a:fillRef>
-          <a:effectRef idx="0">
-            <a:schemeClr val="accent3"/>
-          </a:effectRef>
-          <a:fontRef idx="minor">
-            <a:schemeClr val="dk1"/>
-          </a:fontRef>
-        </p:style>
-        <p:txBody>
-          <a:bodyPr rtlCol="0" anchor="ctr"/>
-          <a:lstStyle/>
-          <a:p>
-            <a:pPr algn="ctr"/>
-            <a:r>
-              <a:rPr lang="en-US" altLang="ko-KR" sz="1050" dirty="0"/>
-              <a:t>Card</a:t>
-            </a:r>
-            <a:endParaRPr lang="ko-KR" altLang="en-US" sz="1050" dirty="0"/>
-          </a:p>
-        </p:txBody>
-      </p:sp>
-      <p:sp>
-        <p:nvSpPr>
-          <p:cNvPr id="8" name="직사각형 7">
-            <a:extLst>
-              <a:ext uri="{FF2B5EF4-FFF2-40B4-BE49-F238E27FC236}">
-                <a16:creationId xmlns:a16="http://schemas.microsoft.com/office/drawing/2014/main" id="{E82DCDFF-D888-0D98-8F58-BD5A31DA0C3F}"/>
-              </a:ext>
-            </a:extLst>
-          </p:cNvPr>
-          <p:cNvSpPr/>
-          <p:nvPr/>
-        </p:nvSpPr>
-        <p:spPr>
-          <a:xfrm>
-            <a:off x="11366431" y="2466968"/>
-            <a:ext cx="536111" cy="839773"/>
-          </a:xfrm>
-          <a:prstGeom prst="rect">
-            <a:avLst/>
-          </a:prstGeom>
-        </p:spPr>
-        <p:style>
-          <a:lnRef idx="2">
-            <a:schemeClr val="accent3"/>
-          </a:lnRef>
-          <a:fillRef idx="1">
-            <a:schemeClr val="lt1"/>
-          </a:fillRef>
-          <a:effectRef idx="0">
-            <a:schemeClr val="accent3"/>
-          </a:effectRef>
-          <a:fontRef idx="minor">
-            <a:schemeClr val="dk1"/>
-          </a:fontRef>
-        </p:style>
-        <p:txBody>
-          <a:bodyPr rtlCol="0" anchor="ctr"/>
-          <a:lstStyle/>
-          <a:p>
-            <a:pPr algn="ctr"/>
-            <a:r>
-              <a:rPr lang="en-US" altLang="ko-KR" sz="1050" dirty="0"/>
-              <a:t>Card</a:t>
-            </a:r>
-            <a:endParaRPr lang="ko-KR" altLang="en-US" sz="1050" dirty="0"/>
-          </a:p>
-        </p:txBody>
-      </p:sp>
-      <p:sp>
-        <p:nvSpPr>
-          <p:cNvPr id="11" name="직사각형 10">
-            <a:extLst>
-              <a:ext uri="{FF2B5EF4-FFF2-40B4-BE49-F238E27FC236}">
-                <a16:creationId xmlns:a16="http://schemas.microsoft.com/office/drawing/2014/main" id="{B73A0C6B-816D-43B4-1BEE-FA55750FE8AC}"/>
-              </a:ext>
-            </a:extLst>
-          </p:cNvPr>
-          <p:cNvSpPr/>
-          <p:nvPr/>
-        </p:nvSpPr>
-        <p:spPr>
-          <a:xfrm>
-            <a:off x="7191884" y="1828589"/>
-            <a:ext cx="985958" cy="1251041"/>
-          </a:xfrm>
-          <a:prstGeom prst="rect">
-            <a:avLst/>
-          </a:prstGeom>
-        </p:spPr>
-        <p:style>
-          <a:lnRef idx="2">
-            <a:schemeClr val="accent3"/>
-          </a:lnRef>
-          <a:fillRef idx="1">
-            <a:schemeClr val="lt1"/>
-          </a:fillRef>
-          <a:effectRef idx="0">
-            <a:schemeClr val="accent3"/>
-          </a:effectRef>
-          <a:fontRef idx="minor">
-            <a:schemeClr val="dk1"/>
-          </a:fontRef>
-        </p:style>
-        <p:txBody>
-          <a:bodyPr rtlCol="0" anchor="ctr"/>
-          <a:lstStyle/>
-          <a:p>
-            <a:pPr algn="ctr"/>
-            <a:r>
-              <a:rPr lang="en-US" altLang="ko-KR" sz="1050" dirty="0"/>
-              <a:t>Showing</a:t>
-            </a:r>
-          </a:p>
-          <a:p>
-            <a:pPr algn="ctr"/>
-            <a:r>
-              <a:rPr lang="en-US" altLang="ko-KR" sz="1050" dirty="0"/>
-              <a:t>Small</a:t>
-            </a:r>
-          </a:p>
-          <a:p>
-            <a:pPr algn="ctr"/>
-            <a:r>
-              <a:rPr lang="en-US" altLang="ko-KR" sz="1050" dirty="0"/>
-              <a:t>Screen</a:t>
-            </a:r>
-            <a:endParaRPr lang="ko-KR" altLang="en-US" sz="1050" dirty="0"/>
-          </a:p>
-        </p:txBody>
-      </p:sp>
-    </p:spTree>
-    <p:extLst>
-      <p:ext uri="{BB962C8B-B14F-4D97-AF65-F5344CB8AC3E}">
-        <p14:creationId xmlns:p14="http://schemas.microsoft.com/office/powerpoint/2010/main" val="2811080802"/>
       </p:ext>
     </p:extLst>
   </p:cSld>
@@ -6393,100 +3928,16 @@
           <a:p>
             <a:r>
               <a:rPr lang="ko-KR" altLang="en-US" dirty="0"/>
-              <a:t>용어 정의</a:t>
-            </a:r>
-          </a:p>
-        </p:txBody>
-      </p:sp>
-      <p:sp>
-        <p:nvSpPr>
-          <p:cNvPr id="4" name="내용 개체 틀 2">
-            <a:extLst>
-              <a:ext uri="{FF2B5EF4-FFF2-40B4-BE49-F238E27FC236}">
-                <a16:creationId xmlns:a16="http://schemas.microsoft.com/office/drawing/2014/main" id="{8A6E2EAD-0DAC-43FB-C7A6-13C811D1406F}"/>
-              </a:ext>
-            </a:extLst>
-          </p:cNvPr>
-          <p:cNvSpPr>
-            <a:spLocks noGrp="1"/>
-          </p:cNvSpPr>
-          <p:nvPr>
-            <p:ph idx="1"/>
-          </p:nvPr>
-        </p:nvSpPr>
-        <p:spPr>
-          <a:xfrm>
-            <a:off x="838200" y="1825624"/>
-            <a:ext cx="10970172" cy="5032375"/>
-          </a:xfrm>
-        </p:spPr>
-        <p:txBody>
-          <a:bodyPr>
-            <a:normAutofit/>
-          </a:bodyPr>
-          <a:lstStyle/>
-          <a:p>
-            <a:r>
-              <a:rPr lang="ko-KR" altLang="en-US" dirty="0"/>
-              <a:t>스프레드 </a:t>
-            </a:r>
-            <a:r>
-              <a:rPr lang="en-US" altLang="ko-KR" dirty="0"/>
-              <a:t>: </a:t>
-            </a:r>
-            <a:r>
-              <a:rPr lang="ko-KR" altLang="en-US" dirty="0"/>
-              <a:t>카드 배치도</a:t>
-            </a:r>
-            <a:r>
-              <a:rPr lang="en-US" altLang="ko-KR" dirty="0"/>
-              <a:t>. </a:t>
-            </a:r>
-            <a:r>
-              <a:rPr lang="ko-KR" altLang="en-US" dirty="0"/>
-              <a:t>뒤집혀진 카드가 템플릿처럼 배치되어 </a:t>
-            </a:r>
-            <a:endParaRPr lang="en-US" altLang="ko-KR" dirty="0"/>
-          </a:p>
-          <a:p>
-            <a:pPr marL="0" indent="0">
-              <a:buNone/>
-            </a:pPr>
-            <a:r>
-              <a:rPr lang="en-US" altLang="ko-KR" dirty="0"/>
-              <a:t>		</a:t>
-            </a:r>
-            <a:r>
-              <a:rPr lang="ko-KR" altLang="en-US" dirty="0"/>
-              <a:t>있으며</a:t>
-            </a:r>
-            <a:r>
-              <a:rPr lang="en-US" altLang="ko-KR" dirty="0"/>
-              <a:t>, </a:t>
-            </a:r>
-            <a:r>
-              <a:rPr lang="ko-KR" altLang="en-US" dirty="0"/>
-              <a:t>클릭을 하여 카드를 변경할 수 있다</a:t>
-            </a:r>
-            <a:r>
-              <a:rPr lang="en-US" altLang="ko-KR" dirty="0"/>
-              <a:t>.</a:t>
-            </a:r>
-          </a:p>
-          <a:p>
-            <a:pPr marL="0" indent="0">
-              <a:buNone/>
-            </a:pPr>
-            <a:endParaRPr lang="en-US" altLang="ko-KR" dirty="0"/>
-          </a:p>
-          <a:p>
-            <a:pPr marL="0" indent="0">
-              <a:buNone/>
-            </a:pPr>
-            <a:endParaRPr lang="en-US" altLang="ko-KR" dirty="0"/>
-          </a:p>
-          <a:p>
-            <a:endParaRPr lang="ko-KR" altLang="en-US" dirty="0"/>
+              <a:t>카드 </a:t>
+            </a:r>
+            <a:r>
+              <a:rPr lang="ko-KR" altLang="en-US" dirty="0" err="1"/>
+              <a:t>덱</a:t>
+            </a:r>
+            <a:r>
+              <a:rPr lang="ko-KR" altLang="en-US" dirty="0"/>
+              <a:t> 폴더 구조</a:t>
+            </a:r>
           </a:p>
         </p:txBody>
       </p:sp>
@@ -6525,7 +3976,7 @@
           <p:cNvPr id="2" name="제목 1">
             <a:extLst>
               <a:ext uri="{FF2B5EF4-FFF2-40B4-BE49-F238E27FC236}">
-                <a16:creationId xmlns:a16="http://schemas.microsoft.com/office/drawing/2014/main" id="{00F0F902-56FF-CE83-0E0D-6EA344E4D0C3}"/>
+                <a16:creationId xmlns:a16="http://schemas.microsoft.com/office/drawing/2014/main" id="{A9BCE100-4D3E-CFE0-C356-EC822402C08F}"/>
               </a:ext>
             </a:extLst>
           </p:cNvPr>
@@ -6534,256 +3985,29 @@
           </p:cNvSpPr>
           <p:nvPr>
             <p:ph type="title"/>
-          </p:nvPr>
-        </p:nvSpPr>
-        <p:spPr/>
-        <p:txBody>
-          <a:bodyPr/>
-          <a:lstStyle/>
-          <a:p>
-            <a:r>
-              <a:rPr lang="ko-KR" altLang="en-US" dirty="0"/>
-              <a:t>프로그램 흐름 </a:t>
-            </a:r>
-            <a:r>
-              <a:rPr lang="en-US" altLang="ko-KR" dirty="0"/>
-              <a:t>– </a:t>
-            </a:r>
-            <a:r>
-              <a:rPr lang="ko-KR" altLang="en-US" dirty="0"/>
-              <a:t>카드 컨트롤 추가</a:t>
-            </a:r>
-          </a:p>
-        </p:txBody>
-      </p:sp>
-      <p:sp>
-        <p:nvSpPr>
-          <p:cNvPr id="3" name="내용 개체 틀 2">
-            <a:extLst>
-              <a:ext uri="{FF2B5EF4-FFF2-40B4-BE49-F238E27FC236}">
-                <a16:creationId xmlns:a16="http://schemas.microsoft.com/office/drawing/2014/main" id="{0A7D33D6-E5F4-8737-3AA4-8A995A5324A8}"/>
-              </a:ext>
-            </a:extLst>
-          </p:cNvPr>
-          <p:cNvSpPr>
-            <a:spLocks noGrp="1"/>
-          </p:cNvSpPr>
-          <p:nvPr>
-            <p:ph idx="1"/>
           </p:nvPr>
         </p:nvSpPr>
         <p:spPr>
           <a:xfrm>
-            <a:off x="838200" y="1825624"/>
-            <a:ext cx="10970172" cy="5032375"/>
+            <a:off x="4107611" y="2556234"/>
+            <a:ext cx="3207589" cy="1325563"/>
           </a:xfrm>
         </p:spPr>
         <p:txBody>
-          <a:bodyPr>
-            <a:normAutofit/>
-          </a:bodyPr>
-          <a:lstStyle/>
-          <a:p>
-            <a:r>
-              <a:rPr lang="en-US" altLang="ko-KR" dirty="0"/>
-              <a:t>1. </a:t>
-            </a:r>
-            <a:r>
-              <a:rPr lang="ko-KR" altLang="en-US" dirty="0"/>
-              <a:t>프로그램 시작</a:t>
-            </a:r>
-            <a:endParaRPr lang="en-US" altLang="ko-KR" dirty="0"/>
-          </a:p>
-          <a:p>
-            <a:r>
-              <a:rPr lang="en-US" altLang="ko-KR" dirty="0"/>
-              <a:t>2. </a:t>
-            </a:r>
-            <a:r>
-              <a:rPr lang="en-US" altLang="ko-KR" dirty="0" err="1"/>
-              <a:t>XMLParser</a:t>
-            </a:r>
-            <a:r>
-              <a:rPr lang="ko-KR" altLang="en-US" dirty="0"/>
-              <a:t>로 </a:t>
-            </a:r>
-            <a:r>
-              <a:rPr lang="ko-KR" altLang="en-US" dirty="0" err="1"/>
-              <a:t>덱</a:t>
-            </a:r>
-            <a:r>
-              <a:rPr lang="ko-KR" altLang="en-US" dirty="0"/>
-              <a:t> 목록을 </a:t>
-            </a:r>
-            <a:r>
-              <a:rPr lang="ko-KR" altLang="en-US" dirty="0" err="1"/>
-              <a:t>로드하여</a:t>
-            </a:r>
-            <a:r>
-              <a:rPr lang="ko-KR" altLang="en-US" dirty="0"/>
-              <a:t> 리스트 형태로 저장</a:t>
-            </a:r>
-            <a:endParaRPr lang="en-US" altLang="ko-KR" dirty="0"/>
-          </a:p>
-          <a:p>
-            <a:r>
-              <a:rPr lang="en-US" altLang="ko-KR" dirty="0"/>
-              <a:t>3. </a:t>
-            </a:r>
-            <a:r>
-              <a:rPr lang="ko-KR" altLang="en-US" dirty="0"/>
-              <a:t>사용자가 스튜디오 화면에서 </a:t>
-            </a:r>
-            <a:r>
-              <a:rPr lang="ko-KR" altLang="en-US" dirty="0" err="1"/>
-              <a:t>우클릭</a:t>
-            </a:r>
-            <a:endParaRPr lang="en-US" altLang="ko-KR" dirty="0"/>
-          </a:p>
-          <a:p>
-            <a:r>
-              <a:rPr lang="en-US" altLang="ko-KR" dirty="0"/>
-              <a:t>4. </a:t>
-            </a:r>
-            <a:r>
-              <a:rPr lang="ko-KR" altLang="en-US" dirty="0"/>
-              <a:t>여러 컨텍스트 메뉴가 나옴</a:t>
-            </a:r>
-            <a:r>
-              <a:rPr lang="en-US" altLang="ko-KR" dirty="0"/>
-              <a:t>.</a:t>
-            </a:r>
-          </a:p>
-          <a:p>
-            <a:r>
-              <a:rPr lang="en-US" altLang="ko-KR" dirty="0"/>
-              <a:t>5. [</a:t>
-            </a:r>
-            <a:r>
-              <a:rPr lang="ko-KR" altLang="en-US" dirty="0"/>
-              <a:t>추가</a:t>
-            </a:r>
-            <a:r>
-              <a:rPr lang="en-US" altLang="ko-KR" dirty="0"/>
-              <a:t>] -&gt; [</a:t>
-            </a:r>
-            <a:r>
-              <a:rPr lang="ko-KR" altLang="en-US" dirty="0"/>
-              <a:t>카드</a:t>
-            </a:r>
-            <a:r>
-              <a:rPr lang="en-US" altLang="ko-KR" dirty="0"/>
-              <a:t>] </a:t>
-            </a:r>
-            <a:r>
-              <a:rPr lang="ko-KR" altLang="en-US" dirty="0" err="1"/>
-              <a:t>클릭시</a:t>
-            </a:r>
-            <a:r>
-              <a:rPr lang="ko-KR" altLang="en-US" dirty="0"/>
-              <a:t> 컨텍스트 메뉴 형태로 </a:t>
-            </a:r>
-            <a:r>
-              <a:rPr lang="ko-KR" altLang="en-US" dirty="0" err="1"/>
-              <a:t>덱</a:t>
-            </a:r>
-            <a:r>
-              <a:rPr lang="ko-KR" altLang="en-US" dirty="0"/>
-              <a:t> 리스트 표시</a:t>
-            </a:r>
-            <a:endParaRPr lang="en-US" altLang="ko-KR" dirty="0"/>
-          </a:p>
-          <a:p>
-            <a:r>
-              <a:rPr lang="en-US" altLang="ko-KR" dirty="0"/>
-              <a:t>6. </a:t>
-            </a:r>
-            <a:r>
-              <a:rPr lang="ko-KR" altLang="en-US" dirty="0" err="1"/>
-              <a:t>덱</a:t>
-            </a:r>
-            <a:r>
-              <a:rPr lang="ko-KR" altLang="en-US" dirty="0"/>
-              <a:t> 이름 </a:t>
-            </a:r>
-            <a:r>
-              <a:rPr lang="ko-KR" altLang="en-US" dirty="0" err="1"/>
-              <a:t>클릭시</a:t>
-            </a:r>
-            <a:r>
-              <a:rPr lang="ko-KR" altLang="en-US" dirty="0"/>
-              <a:t> </a:t>
-            </a:r>
-            <a:r>
-              <a:rPr lang="en-US" altLang="ko-KR" dirty="0" err="1"/>
-              <a:t>XMLParser</a:t>
-            </a:r>
-            <a:r>
-              <a:rPr lang="ko-KR" altLang="en-US" dirty="0"/>
-              <a:t>로 해당 이름의 </a:t>
-            </a:r>
-            <a:r>
-              <a:rPr lang="ko-KR" altLang="en-US" dirty="0" err="1"/>
-              <a:t>덱을</a:t>
-            </a:r>
-            <a:r>
-              <a:rPr lang="ko-KR" altLang="en-US" dirty="0"/>
-              <a:t> 찾아 로드</a:t>
-            </a:r>
-            <a:endParaRPr lang="en-US" altLang="ko-KR" dirty="0"/>
-          </a:p>
-          <a:p>
-            <a:r>
-              <a:rPr lang="en-US" altLang="ko-KR" dirty="0"/>
-              <a:t>7. </a:t>
-            </a:r>
-            <a:r>
-              <a:rPr lang="ko-KR" altLang="en-US" dirty="0"/>
-              <a:t>다이얼 로그 형태로 카드를 선택할 수 있는 윈도우 띄움</a:t>
-            </a:r>
-            <a:endParaRPr lang="en-US" altLang="ko-KR" dirty="0"/>
-          </a:p>
-          <a:p>
-            <a:r>
-              <a:rPr lang="en-US" altLang="ko-KR" dirty="0"/>
-              <a:t>8. </a:t>
-            </a:r>
-            <a:r>
-              <a:rPr lang="ko-KR" altLang="en-US" dirty="0"/>
-              <a:t>만약 다이얼 로그에서 </a:t>
-            </a:r>
-            <a:r>
-              <a:rPr lang="en-US" altLang="ko-KR" dirty="0"/>
-              <a:t>(</a:t>
-            </a:r>
-            <a:r>
-              <a:rPr lang="ko-KR" altLang="en-US" dirty="0" err="1"/>
-              <a:t>빈카드</a:t>
-            </a:r>
-            <a:r>
-              <a:rPr lang="en-US" altLang="ko-KR" dirty="0"/>
-              <a:t>) </a:t>
-            </a:r>
-            <a:r>
-              <a:rPr lang="ko-KR" altLang="en-US" dirty="0" err="1"/>
-              <a:t>선택시</a:t>
-            </a:r>
-            <a:r>
-              <a:rPr lang="ko-KR" altLang="en-US" dirty="0"/>
-              <a:t> 사용자는 빈카드를 클릭 후 다이얼 로그를 다시 띄워 카드를 다시 고를 수 있음</a:t>
-            </a:r>
-            <a:r>
-              <a:rPr lang="en-US" altLang="ko-KR" dirty="0"/>
-              <a:t>.</a:t>
-            </a:r>
-            <a:endParaRPr lang="ko-KR" altLang="en-US" dirty="0"/>
+          <a:bodyPr/>
+          <a:lstStyle/>
+          <a:p>
+            <a:r>
+              <a:rPr lang="ko-KR" altLang="en-US" dirty="0"/>
+              <a:t>클래스 설계</a:t>
+            </a:r>
           </a:p>
         </p:txBody>
       </p:sp>
     </p:spTree>
     <p:extLst>
       <p:ext uri="{BB962C8B-B14F-4D97-AF65-F5344CB8AC3E}">
-        <p14:creationId xmlns:p14="http://schemas.microsoft.com/office/powerpoint/2010/main" val="955096554"/>
+        <p14:creationId xmlns:p14="http://schemas.microsoft.com/office/powerpoint/2010/main" val="1344494599"/>
       </p:ext>
     </p:extLst>
   </p:cSld>
@@ -6812,10 +4036,10 @@
       </p:grpSpPr>
       <p:sp>
         <p:nvSpPr>
-          <p:cNvPr id="2" name="제목 1">
-            <a:extLst>
-              <a:ext uri="{FF2B5EF4-FFF2-40B4-BE49-F238E27FC236}">
-                <a16:creationId xmlns:a16="http://schemas.microsoft.com/office/drawing/2014/main" id="{A9BCE100-4D3E-CFE0-C356-EC822402C08F}"/>
+          <p:cNvPr id="4" name="제목 1">
+            <a:extLst>
+              <a:ext uri="{FF2B5EF4-FFF2-40B4-BE49-F238E27FC236}">
+                <a16:creationId xmlns:a16="http://schemas.microsoft.com/office/drawing/2014/main" id="{2A2D1BFF-456F-338A-12A8-17ED7E37032A}"/>
               </a:ext>
             </a:extLst>
           </p:cNvPr>
@@ -6828,8 +4052,8 @@
         </p:nvSpPr>
         <p:spPr>
           <a:xfrm>
-            <a:off x="4107611" y="2556234"/>
-            <a:ext cx="3207589" cy="1325563"/>
+            <a:off x="838200" y="365125"/>
+            <a:ext cx="10515600" cy="1325563"/>
           </a:xfrm>
         </p:spPr>
         <p:txBody>
@@ -6837,8 +4061,135 @@
           <a:lstStyle/>
           <a:p>
             <a:r>
-              <a:rPr lang="ko-KR" altLang="en-US" dirty="0"/>
-              <a:t>클래스 설계</a:t>
+              <a:rPr lang="en-US" altLang="ko-KR" dirty="0" err="1"/>
+              <a:t>UtilityClass</a:t>
+            </a:r>
+            <a:endParaRPr lang="ko-KR" altLang="en-US" dirty="0"/>
+          </a:p>
+        </p:txBody>
+      </p:sp>
+      <p:sp>
+        <p:nvSpPr>
+          <p:cNvPr id="5" name="TextBox 4">
+            <a:extLst>
+              <a:ext uri="{FF2B5EF4-FFF2-40B4-BE49-F238E27FC236}">
+                <a16:creationId xmlns:a16="http://schemas.microsoft.com/office/drawing/2014/main" id="{4BEBAC2E-1336-2FFE-8F36-B09DF5FEE548}"/>
+              </a:ext>
+            </a:extLst>
+          </p:cNvPr>
+          <p:cNvSpPr txBox="1"/>
+          <p:nvPr/>
+        </p:nvSpPr>
+        <p:spPr>
+          <a:xfrm>
+            <a:off x="838200" y="2806263"/>
+            <a:ext cx="6266459" cy="2531783"/>
+          </a:xfrm>
+          <a:prstGeom prst="rect">
+            <a:avLst/>
+          </a:prstGeom>
+          <a:noFill/>
+        </p:spPr>
+        <p:txBody>
+          <a:bodyPr wrap="none" rtlCol="0">
+            <a:spAutoFit/>
+          </a:bodyPr>
+          <a:lstStyle/>
+          <a:p>
+            <a:pPr>
+              <a:lnSpc>
+                <a:spcPct val="150000"/>
+              </a:lnSpc>
+            </a:pPr>
+            <a:r>
+              <a:rPr lang="ko-KR" altLang="en-US" dirty="0"/>
+              <a:t>여러 곳에서 공통적으로 사용되는 메소드들을 모은 클래스</a:t>
+            </a:r>
+            <a:r>
+              <a:rPr lang="en-US" altLang="ko-KR" dirty="0"/>
+              <a:t>.</a:t>
+            </a:r>
+          </a:p>
+          <a:p>
+            <a:pPr>
+              <a:lnSpc>
+                <a:spcPct val="150000"/>
+              </a:lnSpc>
+            </a:pPr>
+            <a:endParaRPr lang="en-US" altLang="ko-KR" dirty="0"/>
+          </a:p>
+          <a:p>
+            <a:pPr>
+              <a:lnSpc>
+                <a:spcPct val="150000"/>
+              </a:lnSpc>
+            </a:pPr>
+            <a:endParaRPr lang="en-US" altLang="ko-KR" dirty="0"/>
+          </a:p>
+          <a:p>
+            <a:pPr>
+              <a:lnSpc>
+                <a:spcPct val="150000"/>
+              </a:lnSpc>
+            </a:pPr>
+            <a:r>
+              <a:rPr lang="ko-KR" altLang="en-US" dirty="0"/>
+              <a:t>멤버변수가 없으며 모든 메소드들은 </a:t>
+            </a:r>
+            <a:r>
+              <a:rPr lang="en-US" altLang="ko-KR" dirty="0"/>
+              <a:t>static</a:t>
+            </a:r>
+            <a:r>
+              <a:rPr lang="ko-KR" altLang="en-US" dirty="0"/>
+              <a:t>으로 선언한다</a:t>
+            </a:r>
+            <a:r>
+              <a:rPr lang="en-US" altLang="ko-KR" dirty="0"/>
+              <a:t>.</a:t>
+            </a:r>
+          </a:p>
+          <a:p>
+            <a:pPr>
+              <a:lnSpc>
+                <a:spcPct val="150000"/>
+              </a:lnSpc>
+            </a:pPr>
+            <a:r>
+              <a:rPr lang="en-US" altLang="ko-KR" dirty="0"/>
+              <a:t>public final class</a:t>
+            </a:r>
+            <a:r>
+              <a:rPr lang="ko-KR" altLang="en-US" dirty="0"/>
+              <a:t>로 상속을 막으며</a:t>
+            </a:r>
+            <a:endParaRPr lang="en-US" altLang="ko-KR" dirty="0"/>
+          </a:p>
+          <a:p>
+            <a:pPr>
+              <a:lnSpc>
+                <a:spcPct val="150000"/>
+              </a:lnSpc>
+            </a:pPr>
+            <a:r>
+              <a:rPr lang="en-US" altLang="ko-KR" dirty="0"/>
+              <a:t>Private </a:t>
+            </a:r>
+            <a:r>
+              <a:rPr lang="en-US" altLang="ko-KR" dirty="0" err="1"/>
+              <a:t>UtilityClass</a:t>
+            </a:r>
+            <a:r>
+              <a:rPr lang="en-US" altLang="ko-KR" dirty="0"/>
+              <a:t>(){} </a:t>
+            </a:r>
+            <a:r>
+              <a:rPr lang="ko-KR" altLang="en-US" dirty="0"/>
+              <a:t>로 생성을 막는다</a:t>
+            </a:r>
+            <a:r>
+              <a:rPr lang="en-US" altLang="ko-KR" dirty="0"/>
+              <a:t>.</a:t>
             </a:r>
           </a:p>
         </p:txBody>
@@ -6846,7 +4197,7 @@
     </p:spTree>
     <p:extLst>
       <p:ext uri="{BB962C8B-B14F-4D97-AF65-F5344CB8AC3E}">
-        <p14:creationId xmlns:p14="http://schemas.microsoft.com/office/powerpoint/2010/main" val="1344494599"/>
+        <p14:creationId xmlns:p14="http://schemas.microsoft.com/office/powerpoint/2010/main" val="1474494540"/>
       </p:ext>
     </p:extLst>
   </p:cSld>
@@ -6901,7 +4252,7 @@
           <a:p>
             <a:r>
               <a:rPr lang="en-US" altLang="ko-KR" dirty="0" err="1"/>
-              <a:t>UtilityClass</a:t>
+              <a:t>JsonParser</a:t>
             </a:r>
             <a:endParaRPr lang="ko-KR" altLang="en-US" dirty="0"/>
           </a:p>
@@ -6909,10 +4260,10 @@
       </p:sp>
       <p:sp>
         <p:nvSpPr>
-          <p:cNvPr id="5" name="TextBox 4">
-            <a:extLst>
-              <a:ext uri="{FF2B5EF4-FFF2-40B4-BE49-F238E27FC236}">
-                <a16:creationId xmlns:a16="http://schemas.microsoft.com/office/drawing/2014/main" id="{4BEBAC2E-1336-2FFE-8F36-B09DF5FEE548}"/>
+          <p:cNvPr id="2" name="TextBox 1">
+            <a:extLst>
+              <a:ext uri="{FF2B5EF4-FFF2-40B4-BE49-F238E27FC236}">
+                <a16:creationId xmlns:a16="http://schemas.microsoft.com/office/drawing/2014/main" id="{DF2A1D45-74B2-347C-F7E2-92FBC5B3F8E8}"/>
               </a:ext>
             </a:extLst>
           </p:cNvPr>
@@ -6922,7 +4273,7 @@
         <p:spPr>
           <a:xfrm>
             <a:off x="838200" y="2806263"/>
-            <a:ext cx="6266459" cy="2531783"/>
+            <a:ext cx="8089074" cy="3362780"/>
           </a:xfrm>
           <a:prstGeom prst="rect">
             <a:avLst/>
@@ -6941,12 +4292,117 @@
               </a:lnSpc>
             </a:pPr>
             <a:r>
-              <a:rPr lang="ko-KR" altLang="en-US" dirty="0"/>
-              <a:t>여러 곳에서 공통적으로 사용되는 메소드들을 모은 클래스</a:t>
+              <a:rPr lang="en-US" altLang="ko-KR" dirty="0"/>
+              <a:t>Json </a:t>
+            </a:r>
+            <a:r>
+              <a:rPr lang="ko-KR" altLang="en-US" dirty="0"/>
+              <a:t>데이터를 파싱 하여 반환하는 클래스</a:t>
             </a:r>
             <a:r>
               <a:rPr lang="en-US" altLang="ko-KR" dirty="0"/>
               <a:t>.</a:t>
+            </a:r>
+          </a:p>
+          <a:p>
+            <a:pPr>
+              <a:lnSpc>
+                <a:spcPct val="150000"/>
+              </a:lnSpc>
+            </a:pPr>
+            <a:r>
+              <a:rPr lang="ko-KR" altLang="en-US" dirty="0"/>
+              <a:t>파싱 된 데이터 </a:t>
+            </a:r>
+            <a:r>
+              <a:rPr lang="en-US" altLang="ko-KR" dirty="0"/>
+              <a:t>(</a:t>
+            </a:r>
+            <a:r>
+              <a:rPr lang="ko-KR" altLang="en-US" dirty="0"/>
+              <a:t>카드 </a:t>
+            </a:r>
+            <a:r>
+              <a:rPr lang="ko-KR" altLang="en-US" dirty="0" err="1"/>
+              <a:t>덱</a:t>
+            </a:r>
+            <a:r>
+              <a:rPr lang="en-US" altLang="ko-KR" dirty="0"/>
+              <a:t>, </a:t>
+            </a:r>
+            <a:r>
+              <a:rPr lang="ko-KR" altLang="en-US" dirty="0"/>
+              <a:t>스프레드</a:t>
+            </a:r>
+            <a:r>
+              <a:rPr lang="en-US" altLang="ko-KR" dirty="0"/>
+              <a:t>)</a:t>
+            </a:r>
+            <a:r>
+              <a:rPr lang="ko-KR" altLang="en-US" dirty="0"/>
+              <a:t>객체를 제공하는 메서드를 각각 제공한다</a:t>
+            </a:r>
+            <a:r>
+              <a:rPr lang="en-US" altLang="ko-KR" dirty="0"/>
+              <a:t>.</a:t>
+            </a:r>
+          </a:p>
+          <a:p>
+            <a:pPr>
+              <a:lnSpc>
+                <a:spcPct val="150000"/>
+              </a:lnSpc>
+            </a:pPr>
+            <a:r>
+              <a:rPr lang="ko-KR" altLang="en-US" dirty="0"/>
+              <a:t>성공 결과를 반환하고 </a:t>
+            </a:r>
+            <a:r>
+              <a:rPr lang="en-US" altLang="ko-KR" dirty="0"/>
+              <a:t>out</a:t>
+            </a:r>
+            <a:r>
+              <a:rPr lang="ko-KR" altLang="en-US" dirty="0"/>
+              <a:t>으로 객체를 반환한다</a:t>
+            </a:r>
+            <a:r>
+              <a:rPr lang="en-US" altLang="ko-KR" dirty="0"/>
+              <a:t>.</a:t>
+            </a:r>
+          </a:p>
+          <a:p>
+            <a:pPr>
+              <a:lnSpc>
+                <a:spcPct val="150000"/>
+              </a:lnSpc>
+            </a:pPr>
+            <a:r>
+              <a:rPr lang="en-US" altLang="ko-KR" dirty="0"/>
+              <a:t>Ex) bool result = </a:t>
+            </a:r>
+            <a:r>
+              <a:rPr lang="en-US" altLang="ko-KR" dirty="0" err="1"/>
+              <a:t>JsonParser.ParseDeck</a:t>
+            </a:r>
+            <a:r>
+              <a:rPr lang="en-US" altLang="ko-KR" dirty="0"/>
+              <a:t>(“Universal </a:t>
+            </a:r>
+            <a:r>
+              <a:rPr lang="en-US" altLang="ko-KR" dirty="0" err="1"/>
+              <a:t>Waite”,out</a:t>
+            </a:r>
+            <a:r>
+              <a:rPr lang="en-US" altLang="ko-KR" dirty="0"/>
+              <a:t> </a:t>
+            </a:r>
+            <a:r>
+              <a:rPr lang="en-US" altLang="ko-KR" dirty="0" err="1"/>
+              <a:t>uniDeck</a:t>
+            </a:r>
+            <a:r>
+              <a:rPr lang="en-US" altLang="ko-KR" dirty="0"/>
+              <a:t>);</a:t>
             </a:r>
           </a:p>
           <a:p>
@@ -6963,7 +4419,22 @@
                 <a:spcPct val="150000"/>
               </a:lnSpc>
             </a:pPr>
-            <a:endParaRPr lang="en-US" altLang="ko-KR" dirty="0"/>
+            <a:r>
+              <a:rPr lang="ko-KR" altLang="en-US" dirty="0"/>
+              <a:t>멤버변수가 없으며 모든 메소드들은 </a:t>
+            </a:r>
+            <a:r>
+              <a:rPr lang="en-US" altLang="ko-KR" dirty="0"/>
+              <a:t>static</a:t>
+            </a:r>
+            <a:r>
+              <a:rPr lang="ko-KR" altLang="en-US" dirty="0"/>
+              <a:t>으로 선언한다</a:t>
+            </a:r>
+            <a:r>
+              <a:rPr lang="en-US" altLang="ko-KR" dirty="0"/>
+              <a:t>.</a:t>
+            </a:r>
           </a:p>
           <a:p>
             <a:pPr>
@@ -6972,21 +4443,14 @@
               </a:lnSpc>
             </a:pPr>
             <a:r>
-              <a:rPr lang="ko-KR" altLang="en-US" dirty="0"/>
-              <a:t>멤버변수가 없으며 모든 메소드들은 </a:t>
-            </a:r>
-            <a:r>
-              <a:rPr lang="en-US" altLang="ko-KR" dirty="0"/>
-              <a:t>static</a:t>
-            </a:r>
-            <a:r>
-              <a:rPr lang="ko-KR" altLang="en-US" dirty="0"/>
-              <a:t>으로 선언한다</a:t>
-            </a:r>
-            <a:r>
-              <a:rPr lang="en-US" altLang="ko-KR" dirty="0"/>
-              <a:t>.</a:t>
-            </a:r>
+              <a:rPr lang="en-US" altLang="ko-KR" dirty="0"/>
+              <a:t>public final class</a:t>
+            </a:r>
+            <a:r>
+              <a:rPr lang="ko-KR" altLang="en-US" dirty="0"/>
+              <a:t>로 상속을 막으며</a:t>
+            </a:r>
+            <a:endParaRPr lang="en-US" altLang="ko-KR" dirty="0"/>
           </a:p>
           <a:p>
             <a:pPr>
@@ -6996,31 +4460,15 @@
             </a:pPr>
             <a:r>
               <a:rPr lang="en-US" altLang="ko-KR" dirty="0"/>
-              <a:t>public final class</a:t>
-            </a:r>
-            <a:r>
-              <a:rPr lang="ko-KR" altLang="en-US" dirty="0"/>
-              <a:t>로 상속을 막으며</a:t>
-            </a:r>
-            <a:endParaRPr lang="en-US" altLang="ko-KR" dirty="0"/>
-          </a:p>
-          <a:p>
-            <a:pPr>
-              <a:lnSpc>
-                <a:spcPct val="150000"/>
-              </a:lnSpc>
-            </a:pPr>
-            <a:r>
-              <a:rPr lang="en-US" altLang="ko-KR" dirty="0"/>
               <a:t>Private </a:t>
             </a:r>
             <a:r>
               <a:rPr lang="en-US" altLang="ko-KR" dirty="0" err="1"/>
-              <a:t>UtilityClass</a:t>
-            </a:r>
-            <a:r>
-              <a:rPr lang="en-US" altLang="ko-KR" dirty="0"/>
-              <a:t>(){} </a:t>
+              <a:t>JsonParser</a:t>
+            </a:r>
+            <a:r>
+              <a:rPr lang="en-US" altLang="ko-KR" dirty="0"/>
+              <a:t> (){} </a:t>
             </a:r>
             <a:r>
               <a:rPr lang="ko-KR" altLang="en-US" dirty="0"/>
@@ -7036,7 +4484,7 @@
     </p:spTree>
     <p:extLst>
       <p:ext uri="{BB962C8B-B14F-4D97-AF65-F5344CB8AC3E}">
-        <p14:creationId xmlns:p14="http://schemas.microsoft.com/office/powerpoint/2010/main" val="1474494540"/>
+        <p14:creationId xmlns:p14="http://schemas.microsoft.com/office/powerpoint/2010/main" val="2728666002"/>
       </p:ext>
     </p:extLst>
   </p:cSld>
@@ -7091,7 +4539,7 @@
           <a:p>
             <a:r>
               <a:rPr lang="en-US" altLang="ko-KR" dirty="0" err="1"/>
-              <a:t>JsonParser</a:t>
+              <a:t>DeckData</a:t>
             </a:r>
             <a:endParaRPr lang="ko-KR" altLang="en-US" dirty="0"/>
           </a:p>
@@ -7112,7 +4560,7 @@
         <p:spPr>
           <a:xfrm>
             <a:off x="838200" y="2806263"/>
-            <a:ext cx="8642559" cy="3778278"/>
+            <a:ext cx="9259586" cy="2947282"/>
           </a:xfrm>
           <a:prstGeom prst="rect">
             <a:avLst/>
@@ -7131,12 +4579,16 @@
               </a:lnSpc>
             </a:pPr>
             <a:r>
-              <a:rPr lang="en-US" altLang="ko-KR" dirty="0"/>
-              <a:t>Json </a:t>
-            </a:r>
-            <a:r>
-              <a:rPr lang="ko-KR" altLang="en-US" dirty="0"/>
-              <a:t>데이터를 파싱 하여 반환하는 클래스</a:t>
+              <a:rPr lang="ko-KR" altLang="en-US" dirty="0"/>
+              <a:t>불러들인 </a:t>
+            </a:r>
+            <a:r>
+              <a:rPr lang="ko-KR" altLang="en-US" dirty="0" err="1"/>
+              <a:t>덱을</a:t>
+            </a:r>
+            <a:r>
+              <a:rPr lang="ko-KR" altLang="en-US" dirty="0"/>
+              <a:t> 저장하는 객체</a:t>
             </a:r>
             <a:r>
               <a:rPr lang="en-US" altLang="ko-KR" dirty="0"/>
@@ -7151,23 +4603,7 @@
             </a:pPr>
             <a:r>
               <a:rPr lang="ko-KR" altLang="en-US" dirty="0"/>
-              <a:t>스프레드</a:t>
-            </a:r>
-            <a:r>
-              <a:rPr lang="en-US" altLang="ko-KR" dirty="0"/>
-              <a:t> </a:t>
-            </a:r>
-            <a:r>
-              <a:rPr lang="ko-KR" altLang="en-US" dirty="0"/>
-              <a:t>혹은 </a:t>
-            </a:r>
-            <a:r>
-              <a:rPr lang="ko-KR" altLang="en-US" dirty="0" err="1"/>
-              <a:t>덱의</a:t>
-            </a:r>
-            <a:r>
-              <a:rPr lang="ko-KR" altLang="en-US" dirty="0"/>
-              <a:t> 이름만 읽어 리스트로 반환하거나</a:t>
+              <a:t>카드 이름을 키</a:t>
             </a:r>
             <a:endParaRPr lang="en-US" altLang="ko-KR" dirty="0"/>
           </a:p>
@@ -7178,12 +4614,32 @@
               </a:lnSpc>
             </a:pPr>
             <a:r>
-              <a:rPr lang="ko-KR" altLang="en-US" dirty="0"/>
-              <a:t>상세 정보를 반환하는 메서드를 제공한다</a:t>
-            </a:r>
-            <a:r>
-              <a:rPr lang="en-US" altLang="ko-KR" dirty="0"/>
-              <a:t>.</a:t>
+              <a:rPr lang="en-US" altLang="ko-KR" dirty="0" err="1"/>
+              <a:t>CardData</a:t>
+            </a:r>
+            <a:r>
+              <a:rPr lang="ko-KR" altLang="en-US" dirty="0"/>
+              <a:t>객체와 수량을 구조체로 묶어서</a:t>
+            </a:r>
+            <a:r>
+              <a:rPr lang="en-US" altLang="ko-KR" dirty="0"/>
+              <a:t> Dictionary </a:t>
+            </a:r>
+            <a:r>
+              <a:rPr lang="ko-KR" altLang="en-US" dirty="0"/>
+              <a:t>구조체로 보관  </a:t>
+            </a:r>
+            <a:r>
+              <a:rPr lang="en-US" altLang="ko-KR" dirty="0"/>
+              <a:t>( </a:t>
+            </a:r>
+            <a:r>
+              <a:rPr lang="ko-KR" altLang="en-US" dirty="0"/>
+              <a:t>자료구조 고민중 </a:t>
+            </a:r>
+            <a:r>
+              <a:rPr lang="en-US" altLang="ko-KR" dirty="0"/>
+              <a:t>)</a:t>
             </a:r>
           </a:p>
           <a:p>
@@ -7194,20 +4650,25 @@
             </a:pPr>
             <a:r>
               <a:rPr lang="ko-KR" altLang="en-US" dirty="0"/>
-              <a:t>성공 결과를 반환하고 </a:t>
-            </a:r>
-            <a:r>
-              <a:rPr lang="en-US" altLang="ko-KR" dirty="0"/>
-              <a:t>out</a:t>
-            </a:r>
-            <a:r>
-              <a:rPr lang="ko-KR" altLang="en-US" dirty="0"/>
-              <a:t>으로 객체를 반환한다</a:t>
-            </a:r>
-            <a:r>
-              <a:rPr lang="en-US" altLang="ko-KR" dirty="0"/>
-              <a:t>.</a:t>
-            </a:r>
+              <a:t>카드 컨트롤</a:t>
+            </a:r>
+            <a:r>
+              <a:rPr lang="en-US" altLang="ko-KR" dirty="0"/>
+              <a:t>(UI)</a:t>
+            </a:r>
+            <a:r>
+              <a:rPr lang="ko-KR" altLang="en-US" dirty="0"/>
+              <a:t>를 생성할 때 갖고 있는 </a:t>
+            </a:r>
+            <a:r>
+              <a:rPr lang="en-US" altLang="ko-KR" dirty="0" err="1"/>
+              <a:t>CardData</a:t>
+            </a:r>
+            <a:r>
+              <a:rPr lang="ko-KR" altLang="en-US" dirty="0"/>
+              <a:t>를 넘겨서 초기화 시킴</a:t>
+            </a:r>
+            <a:endParaRPr lang="en-US" altLang="ko-KR" dirty="0"/>
           </a:p>
           <a:p>
             <a:pPr>
@@ -7217,31 +4678,23 @@
             </a:pPr>
             <a:r>
               <a:rPr lang="en-US" altLang="ko-KR" dirty="0"/>
-              <a:t>Ex) bool result = </a:t>
-            </a:r>
-            <a:r>
-              <a:rPr lang="en-US" altLang="ko-KR" dirty="0" err="1"/>
-              <a:t>JsonParser.ParseCard</a:t>
-            </a:r>
-            <a:r>
-              <a:rPr lang="en-US" altLang="ko-KR" dirty="0"/>
-              <a:t>(“Universal </a:t>
-            </a:r>
-            <a:r>
-              <a:rPr lang="en-US" altLang="ko-KR" dirty="0" err="1"/>
-              <a:t>Waite”,”The</a:t>
-            </a:r>
-            <a:r>
-              <a:rPr lang="en-US" altLang="ko-KR" dirty="0"/>
-              <a:t> Fool”, out </a:t>
-            </a:r>
-            <a:r>
-              <a:rPr lang="en-US" altLang="ko-KR" dirty="0" err="1"/>
-              <a:t>uniDeck</a:t>
-            </a:r>
-            <a:r>
-              <a:rPr lang="en-US" altLang="ko-KR" dirty="0"/>
-              <a:t>);</a:t>
+              <a:t>(※</a:t>
+            </a:r>
+            <a:r>
+              <a:rPr lang="ko-KR" altLang="en-US" dirty="0"/>
+              <a:t>카드 컨트롤에서는 이미지를 </a:t>
+            </a:r>
+            <a:r>
+              <a:rPr lang="en-US" altLang="ko-KR" dirty="0"/>
+              <a:t>Clone</a:t>
+            </a:r>
+            <a:r>
+              <a:rPr lang="ko-KR" altLang="en-US" dirty="0"/>
+              <a:t>으로 복사해서 가져 감</a:t>
+            </a:r>
+            <a:r>
+              <a:rPr lang="en-US" altLang="ko-KR" dirty="0"/>
+              <a:t>)</a:t>
             </a:r>
           </a:p>
           <a:p>
@@ -7259,71 +4712,25 @@
               </a:lnSpc>
             </a:pPr>
             <a:r>
-              <a:rPr lang="ko-KR" altLang="en-US" dirty="0"/>
-              <a:t>멤버변수가 없으며 모든 메소드들은 </a:t>
-            </a:r>
-            <a:r>
-              <a:rPr lang="en-US" altLang="ko-KR" dirty="0"/>
-              <a:t>static</a:t>
-            </a:r>
-            <a:r>
-              <a:rPr lang="ko-KR" altLang="en-US" dirty="0"/>
-              <a:t>으로 선언한다</a:t>
-            </a:r>
-            <a:r>
-              <a:rPr lang="en-US" altLang="ko-KR" dirty="0"/>
-              <a:t>.</a:t>
-            </a:r>
-          </a:p>
-          <a:p>
-            <a:pPr>
-              <a:lnSpc>
-                <a:spcPct val="150000"/>
-              </a:lnSpc>
-            </a:pPr>
-            <a:r>
-              <a:rPr lang="en-US" altLang="ko-KR" dirty="0"/>
-              <a:t>public final class</a:t>
-            </a:r>
-            <a:r>
-              <a:rPr lang="ko-KR" altLang="en-US" dirty="0"/>
-              <a:t>로 상속을 막으며</a:t>
+              <a:rPr lang="en-US" altLang="ko-KR" dirty="0" err="1"/>
+              <a:t>IDisposAble</a:t>
+            </a:r>
+            <a:r>
+              <a:rPr lang="en-US" altLang="ko-KR" dirty="0"/>
+              <a:t> </a:t>
+            </a:r>
+            <a:r>
+              <a:rPr lang="ko-KR" altLang="en-US" dirty="0"/>
+              <a:t>인터페이스를 상속받아 메모리 관리를 쉽게 함</a:t>
             </a:r>
             <a:endParaRPr lang="en-US" altLang="ko-KR" dirty="0"/>
-          </a:p>
-          <a:p>
-            <a:pPr>
-              <a:lnSpc>
-                <a:spcPct val="150000"/>
-              </a:lnSpc>
-            </a:pPr>
-            <a:r>
-              <a:rPr lang="en-US" altLang="ko-KR" dirty="0"/>
-              <a:t>Private </a:t>
-            </a:r>
-            <a:r>
-              <a:rPr lang="en-US" altLang="ko-KR" dirty="0" err="1"/>
-              <a:t>JsonParser</a:t>
-            </a:r>
-            <a:r>
-              <a:rPr lang="en-US" altLang="ko-KR" dirty="0"/>
-              <a:t> (){} </a:t>
-            </a:r>
-            <a:r>
-              <a:rPr lang="ko-KR" altLang="en-US" dirty="0"/>
-              <a:t>로 생성을 막는다</a:t>
-            </a:r>
-            <a:r>
-              <a:rPr lang="en-US" altLang="ko-KR" dirty="0"/>
-              <a:t>.</a:t>
-            </a:r>
           </a:p>
         </p:txBody>
       </p:sp>
     </p:spTree>
     <p:extLst>
       <p:ext uri="{BB962C8B-B14F-4D97-AF65-F5344CB8AC3E}">
-        <p14:creationId xmlns:p14="http://schemas.microsoft.com/office/powerpoint/2010/main" val="2728666002"/>
+        <p14:creationId xmlns:p14="http://schemas.microsoft.com/office/powerpoint/2010/main" val="2277888943"/>
       </p:ext>
     </p:extLst>
   </p:cSld>
@@ -7399,7 +4806,7 @@
         <p:spPr>
           <a:xfrm>
             <a:off x="838200" y="2806263"/>
-            <a:ext cx="3845925" cy="1700787"/>
+            <a:ext cx="6040436" cy="2947282"/>
           </a:xfrm>
           <a:prstGeom prst="rect">
             <a:avLst/>
@@ -7427,7 +4834,7 @@
             </a:r>
             <a:r>
               <a:rPr lang="ko-KR" altLang="en-US" dirty="0"/>
-              <a:t>사진</a:t>
+              <a:t>이미지</a:t>
             </a:r>
             <a:r>
               <a:rPr lang="en-US" altLang="ko-KR" dirty="0"/>
@@ -7435,13 +4842,20 @@
             </a:r>
             <a:r>
               <a:rPr lang="ko-KR" altLang="en-US" dirty="0"/>
-              <a:t>설명 </a:t>
-            </a:r>
-            <a:r>
-              <a:rPr lang="ko-KR" altLang="en-US" dirty="0" err="1"/>
-              <a:t>들어가있음</a:t>
-            </a:r>
-            <a:endParaRPr lang="en-US" altLang="ko-KR" dirty="0"/>
+              <a:t>기본 수량</a:t>
+            </a:r>
+            <a:r>
+              <a:rPr lang="en-US" altLang="ko-KR" dirty="0"/>
+              <a:t>, </a:t>
+            </a:r>
+            <a:r>
+              <a:rPr lang="ko-KR" altLang="en-US" dirty="0"/>
+              <a:t>설명을 변수로 저장한다</a:t>
+            </a:r>
+            <a:r>
+              <a:rPr lang="en-US" altLang="ko-KR" dirty="0"/>
+              <a:t>.</a:t>
+            </a:r>
           </a:p>
           <a:p>
             <a:pPr>
@@ -7450,18 +4864,47 @@
               </a:lnSpc>
             </a:pPr>
             <a:r>
-              <a:rPr lang="en-US" altLang="ko-KR" dirty="0" err="1"/>
-              <a:t>CardControl</a:t>
-            </a:r>
-            <a:r>
-              <a:rPr lang="en-US" altLang="ko-KR" dirty="0"/>
-              <a:t> </a:t>
-            </a:r>
-            <a:r>
-              <a:rPr lang="ko-KR" altLang="en-US" dirty="0"/>
-              <a:t>초기화시 사용</a:t>
-            </a:r>
-            <a:endParaRPr lang="en-US" altLang="ko-KR" dirty="0"/>
+              <a:rPr lang="ko-KR" altLang="en-US" dirty="0"/>
+              <a:t>생성 후 값을 변경하지 않는다</a:t>
+            </a:r>
+            <a:r>
+              <a:rPr lang="en-US" altLang="ko-KR" dirty="0"/>
+              <a:t>.</a:t>
+            </a:r>
+          </a:p>
+          <a:p>
+            <a:pPr>
+              <a:lnSpc>
+                <a:spcPct val="150000"/>
+              </a:lnSpc>
+            </a:pPr>
+            <a:r>
+              <a:rPr lang="en-US" altLang="ko-KR" dirty="0"/>
+              <a:t>Card</a:t>
+            </a:r>
+            <a:r>
+              <a:rPr lang="ko-KR" altLang="en-US" dirty="0"/>
+              <a:t>컨트롤에서 초기화를 위해 사용하는 값</a:t>
+            </a:r>
+            <a:r>
+              <a:rPr lang="en-US" altLang="ko-KR" dirty="0"/>
+              <a:t>.</a:t>
+            </a:r>
+          </a:p>
+          <a:p>
+            <a:pPr>
+              <a:lnSpc>
+                <a:spcPct val="150000"/>
+              </a:lnSpc>
+            </a:pPr>
+            <a:r>
+              <a:rPr lang="ko-KR" altLang="en-US" dirty="0"/>
+              <a:t>따로 멤버변수로 보관하지 않는다</a:t>
+            </a:r>
+            <a:r>
+              <a:rPr lang="en-US" altLang="ko-KR" dirty="0"/>
+              <a:t>.</a:t>
+            </a:r>
           </a:p>
           <a:p>
             <a:pPr>
@@ -7479,7 +4922,7 @@
             </a:pPr>
             <a:r>
               <a:rPr lang="en-US" altLang="ko-KR" dirty="0" err="1"/>
-              <a:t>IDispose</a:t>
+              <a:t>IDisposAble</a:t>
             </a:r>
             <a:r>
               <a:rPr lang="en-US" altLang="ko-KR" dirty="0"/>
@@ -7487,16 +4930,31 @@
             </a:r>
             <a:r>
               <a:rPr lang="ko-KR" altLang="en-US" dirty="0"/>
-              <a:t>인터페이스 상속</a:t>
+              <a:t>인터페이스 상속받아</a:t>
             </a:r>
             <a:endParaRPr lang="en-US" altLang="ko-KR" dirty="0"/>
+          </a:p>
+          <a:p>
+            <a:pPr>
+              <a:lnSpc>
+                <a:spcPct val="150000"/>
+              </a:lnSpc>
+            </a:pPr>
+            <a:r>
+              <a:rPr lang="ko-KR" altLang="en-US" dirty="0"/>
+              <a:t>비 관리 메모리인 이미지를 해제한다</a:t>
+            </a:r>
+            <a:r>
+              <a:rPr lang="en-US" altLang="ko-KR" dirty="0"/>
+              <a:t>.</a:t>
+            </a:r>
           </a:p>
         </p:txBody>
       </p:sp>
     </p:spTree>
     <p:extLst>
       <p:ext uri="{BB962C8B-B14F-4D97-AF65-F5344CB8AC3E}">
-        <p14:creationId xmlns:p14="http://schemas.microsoft.com/office/powerpoint/2010/main" val="210889375"/>
+        <p14:creationId xmlns:p14="http://schemas.microsoft.com/office/powerpoint/2010/main" val="466594824"/>
       </p:ext>
     </p:extLst>
   </p:cSld>
@@ -7551,24 +5009,9 @@
           <a:p>
             <a:r>
               <a:rPr lang="en-US" altLang="ko-KR" dirty="0" err="1"/>
-              <a:t>CachClass</a:t>
-            </a:r>
-            <a:r>
-              <a:rPr lang="en-US" altLang="ko-KR" dirty="0"/>
-              <a:t> (</a:t>
-            </a:r>
-            <a:r>
-              <a:rPr lang="ko-KR" altLang="en-US" dirty="0"/>
-              <a:t>이름 미정</a:t>
-            </a:r>
-            <a:r>
-              <a:rPr lang="en-US" altLang="ko-KR" dirty="0"/>
-              <a:t>)</a:t>
-            </a:r>
-            <a:r>
-              <a:rPr lang="ko-KR" altLang="en-US" dirty="0"/>
-              <a:t> </a:t>
-            </a:r>
+              <a:t>SpreadData</a:t>
+            </a:r>
+            <a:endParaRPr lang="ko-KR" altLang="en-US" dirty="0"/>
           </a:p>
         </p:txBody>
       </p:sp>
@@ -7587,7 +5030,7 @@
         <p:spPr>
           <a:xfrm>
             <a:off x="838200" y="2806263"/>
-            <a:ext cx="7040710" cy="2531783"/>
+            <a:ext cx="9990171" cy="3362780"/>
           </a:xfrm>
           <a:prstGeom prst="rect">
             <a:avLst/>
@@ -7607,12 +5050,25 @@
             </a:pPr>
             <a:r>
               <a:rPr lang="ko-KR" altLang="en-US" dirty="0"/>
-              <a:t>프로그램이 처음부터 끝까지 가져야 할 데이터를 저장하는 클래스</a:t>
-            </a:r>
-            <a:r>
-              <a:rPr lang="en-US" altLang="ko-KR" dirty="0"/>
-              <a:t>.</a:t>
-            </a:r>
+              <a:t>카드 배치의 정보를 갖고 있는 객체</a:t>
+            </a:r>
+            <a:r>
+              <a:rPr lang="en-US" altLang="ko-KR" dirty="0"/>
+              <a:t>. Spread</a:t>
+            </a:r>
+            <a:r>
+              <a:rPr lang="ko-KR" altLang="en-US" dirty="0"/>
+              <a:t>컨트롤을 초기화할 때 사용한다</a:t>
+            </a:r>
+            <a:r>
+              <a:rPr lang="en-US" altLang="ko-KR" dirty="0"/>
+              <a:t>. </a:t>
+            </a:r>
+            <a:r>
+              <a:rPr lang="ko-KR" altLang="en-US" dirty="0"/>
+              <a:t>따로 보관하지 않음</a:t>
+            </a:r>
+            <a:endParaRPr lang="en-US" altLang="ko-KR" dirty="0"/>
           </a:p>
           <a:p>
             <a:pPr>
@@ -7621,17 +5077,131 @@
               </a:lnSpc>
             </a:pPr>
             <a:r>
-              <a:rPr lang="ko-KR" altLang="en-US" dirty="0" err="1"/>
-              <a:t>싱글톤으로</a:t>
-            </a:r>
-            <a:r>
-              <a:rPr lang="ko-KR" altLang="en-US" dirty="0"/>
-              <a:t> 구현하지 않는다</a:t>
+              <a:rPr lang="ko-KR" altLang="en-US" dirty="0"/>
+              <a:t>스프레드의 이름</a:t>
+            </a:r>
+            <a:r>
+              <a:rPr lang="en-US" altLang="ko-KR" dirty="0"/>
+              <a:t>, </a:t>
+            </a:r>
+          </a:p>
+          <a:p>
+            <a:pPr>
+              <a:lnSpc>
+                <a:spcPct val="150000"/>
+              </a:lnSpc>
+            </a:pPr>
+            <a:r>
+              <a:rPr lang="en-US" altLang="ko-KR" dirty="0"/>
+              <a:t>List&lt;</a:t>
+            </a:r>
+            <a:r>
+              <a:rPr lang="en-US" altLang="ko-KR" dirty="0" err="1"/>
+              <a:t>SpreadSlotData</a:t>
+            </a:r>
+            <a:r>
+              <a:rPr lang="en-US" altLang="ko-KR" dirty="0"/>
+              <a:t>&gt;</a:t>
+            </a:r>
+            <a:r>
+              <a:rPr lang="ko-KR" altLang="en-US" dirty="0"/>
+              <a:t>를 보관한다</a:t>
             </a:r>
             <a:r>
               <a:rPr lang="en-US" altLang="ko-KR" dirty="0"/>
               <a:t>.</a:t>
             </a:r>
+          </a:p>
+          <a:p>
+            <a:pPr>
+              <a:lnSpc>
+                <a:spcPct val="150000"/>
+              </a:lnSpc>
+            </a:pPr>
+            <a:r>
+              <a:rPr lang="en-US" altLang="ko-KR" dirty="0" err="1"/>
+              <a:t>SpreadSlotData</a:t>
+            </a:r>
+            <a:r>
+              <a:rPr lang="ko-KR" altLang="en-US" dirty="0"/>
+              <a:t>는 </a:t>
+            </a:r>
+            <a:endParaRPr lang="en-US" altLang="ko-KR" dirty="0"/>
+          </a:p>
+          <a:p>
+            <a:pPr>
+              <a:lnSpc>
+                <a:spcPct val="150000"/>
+              </a:lnSpc>
+            </a:pPr>
+            <a:r>
+              <a:rPr lang="en-US" altLang="ko-KR" dirty="0"/>
+              <a:t>	</a:t>
+            </a:r>
+            <a:r>
+              <a:rPr lang="ko-KR" altLang="en-US" dirty="0"/>
+              <a:t>슬롯의 좌표 </a:t>
+            </a:r>
+            <a:r>
+              <a:rPr lang="en-US" altLang="ko-KR" dirty="0"/>
+              <a:t>(Point)</a:t>
+            </a:r>
+          </a:p>
+          <a:p>
+            <a:pPr>
+              <a:lnSpc>
+                <a:spcPct val="150000"/>
+              </a:lnSpc>
+            </a:pPr>
+            <a:r>
+              <a:rPr lang="en-US" altLang="ko-KR" dirty="0"/>
+              <a:t>	</a:t>
+            </a:r>
+            <a:r>
+              <a:rPr lang="ko-KR" altLang="en-US" dirty="0"/>
+              <a:t>슬롯의 설명 </a:t>
+            </a:r>
+            <a:r>
+              <a:rPr lang="en-US" altLang="ko-KR" dirty="0"/>
+              <a:t>ex) </a:t>
+            </a:r>
+            <a:r>
+              <a:rPr lang="ko-KR" altLang="en-US" dirty="0"/>
+              <a:t>과거</a:t>
+            </a:r>
+            <a:r>
+              <a:rPr lang="en-US" altLang="ko-KR" dirty="0"/>
+              <a:t>, </a:t>
+            </a:r>
+            <a:r>
+              <a:rPr lang="ko-KR" altLang="en-US" dirty="0"/>
+              <a:t>현재</a:t>
+            </a:r>
+            <a:r>
+              <a:rPr lang="en-US" altLang="ko-KR" dirty="0"/>
+              <a:t>, </a:t>
+            </a:r>
+            <a:r>
+              <a:rPr lang="ko-KR" altLang="en-US" dirty="0"/>
+              <a:t>미래</a:t>
+            </a:r>
+            <a:endParaRPr lang="en-US" altLang="ko-KR" dirty="0"/>
+          </a:p>
+          <a:p>
+            <a:pPr>
+              <a:lnSpc>
+                <a:spcPct val="150000"/>
+              </a:lnSpc>
+            </a:pPr>
+            <a:r>
+              <a:rPr lang="en-US" altLang="ko-KR" dirty="0"/>
+              <a:t>	</a:t>
+            </a:r>
+            <a:r>
+              <a:rPr lang="ko-KR" altLang="en-US"/>
+              <a:t>각도</a:t>
+            </a:r>
+            <a:endParaRPr lang="en-US" altLang="ko-KR" dirty="0"/>
           </a:p>
           <a:p>
             <a:pPr>
@@ -7641,70 +5211,12 @@
             </a:pPr>
             <a:endParaRPr lang="en-US" altLang="ko-KR" dirty="0"/>
           </a:p>
-          <a:p>
-            <a:pPr>
-              <a:lnSpc>
-                <a:spcPct val="150000"/>
-              </a:lnSpc>
-            </a:pPr>
-            <a:r>
-              <a:rPr lang="ko-KR" altLang="en-US" dirty="0"/>
-              <a:t>필요할 때 필요한 변수만 넘기거나</a:t>
-            </a:r>
-            <a:r>
-              <a:rPr lang="en-US" altLang="ko-KR" dirty="0"/>
-              <a:t>, </a:t>
-            </a:r>
-          </a:p>
-          <a:p>
-            <a:pPr>
-              <a:lnSpc>
-                <a:spcPct val="150000"/>
-              </a:lnSpc>
-            </a:pPr>
-            <a:r>
-              <a:rPr lang="en-US" altLang="ko-KR" dirty="0" err="1"/>
-              <a:t>ScreenStudio</a:t>
-            </a:r>
-            <a:r>
-              <a:rPr lang="en-US" altLang="ko-KR" dirty="0"/>
-              <a:t> </a:t>
-            </a:r>
-            <a:r>
-              <a:rPr lang="ko-KR" altLang="en-US" dirty="0"/>
-              <a:t>처럼 지속적으로 접근해야 할 경우</a:t>
-            </a:r>
-            <a:endParaRPr lang="en-US" altLang="ko-KR" dirty="0"/>
-          </a:p>
-          <a:p>
-            <a:pPr>
-              <a:lnSpc>
-                <a:spcPct val="150000"/>
-              </a:lnSpc>
-            </a:pPr>
-            <a:r>
-              <a:rPr lang="en-US" altLang="ko-KR" dirty="0" err="1"/>
-              <a:t>CachClass</a:t>
-            </a:r>
-            <a:r>
-              <a:rPr lang="en-US" altLang="ko-KR" dirty="0"/>
-              <a:t> </a:t>
-            </a:r>
-            <a:r>
-              <a:rPr lang="ko-KR" altLang="en-US" dirty="0"/>
-              <a:t>객체를 넘긴다</a:t>
-            </a:r>
-            <a:r>
-              <a:rPr lang="en-US" altLang="ko-KR" dirty="0"/>
-              <a:t>.</a:t>
-            </a:r>
-          </a:p>
         </p:txBody>
       </p:sp>
     </p:spTree>
     <p:extLst>
       <p:ext uri="{BB962C8B-B14F-4D97-AF65-F5344CB8AC3E}">
-        <p14:creationId xmlns:p14="http://schemas.microsoft.com/office/powerpoint/2010/main" val="3043404210"/>
+        <p14:creationId xmlns:p14="http://schemas.microsoft.com/office/powerpoint/2010/main" val="2049801342"/>
       </p:ext>
     </p:extLst>
   </p:cSld>

--- a/Document/타로 상세 설계서.pptx
+++ b/Document/타로 상세 설계서.pptx
@@ -277,7 +277,7 @@
           <a:p>
             <a:fld id="{11147D0B-5089-4B30-A7F9-0E274C569803}" type="datetimeFigureOut">
               <a:rPr lang="ko-KR" altLang="en-US" smtClean="0"/>
-              <a:t>2023-07-11</a:t>
+              <a:t>2023-08-08</a:t>
             </a:fld>
             <a:endParaRPr lang="ko-KR" altLang="en-US"/>
           </a:p>
@@ -475,7 +475,7 @@
           <a:p>
             <a:fld id="{11147D0B-5089-4B30-A7F9-0E274C569803}" type="datetimeFigureOut">
               <a:rPr lang="ko-KR" altLang="en-US" smtClean="0"/>
-              <a:t>2023-07-11</a:t>
+              <a:t>2023-08-08</a:t>
             </a:fld>
             <a:endParaRPr lang="ko-KR" altLang="en-US"/>
           </a:p>
@@ -683,7 +683,7 @@
           <a:p>
             <a:fld id="{11147D0B-5089-4B30-A7F9-0E274C569803}" type="datetimeFigureOut">
               <a:rPr lang="ko-KR" altLang="en-US" smtClean="0"/>
-              <a:t>2023-07-11</a:t>
+              <a:t>2023-08-08</a:t>
             </a:fld>
             <a:endParaRPr lang="ko-KR" altLang="en-US"/>
           </a:p>
@@ -881,7 +881,7 @@
           <a:p>
             <a:fld id="{11147D0B-5089-4B30-A7F9-0E274C569803}" type="datetimeFigureOut">
               <a:rPr lang="ko-KR" altLang="en-US" smtClean="0"/>
-              <a:t>2023-07-11</a:t>
+              <a:t>2023-08-08</a:t>
             </a:fld>
             <a:endParaRPr lang="ko-KR" altLang="en-US"/>
           </a:p>
@@ -1156,7 +1156,7 @@
           <a:p>
             <a:fld id="{11147D0B-5089-4B30-A7F9-0E274C569803}" type="datetimeFigureOut">
               <a:rPr lang="ko-KR" altLang="en-US" smtClean="0"/>
-              <a:t>2023-07-11</a:t>
+              <a:t>2023-08-08</a:t>
             </a:fld>
             <a:endParaRPr lang="ko-KR" altLang="en-US"/>
           </a:p>
@@ -1421,7 +1421,7 @@
           <a:p>
             <a:fld id="{11147D0B-5089-4B30-A7F9-0E274C569803}" type="datetimeFigureOut">
               <a:rPr lang="ko-KR" altLang="en-US" smtClean="0"/>
-              <a:t>2023-07-11</a:t>
+              <a:t>2023-08-08</a:t>
             </a:fld>
             <a:endParaRPr lang="ko-KR" altLang="en-US"/>
           </a:p>
@@ -1833,7 +1833,7 @@
           <a:p>
             <a:fld id="{11147D0B-5089-4B30-A7F9-0E274C569803}" type="datetimeFigureOut">
               <a:rPr lang="ko-KR" altLang="en-US" smtClean="0"/>
-              <a:t>2023-07-11</a:t>
+              <a:t>2023-08-08</a:t>
             </a:fld>
             <a:endParaRPr lang="ko-KR" altLang="en-US"/>
           </a:p>
@@ -1974,7 +1974,7 @@
           <a:p>
             <a:fld id="{11147D0B-5089-4B30-A7F9-0E274C569803}" type="datetimeFigureOut">
               <a:rPr lang="ko-KR" altLang="en-US" smtClean="0"/>
-              <a:t>2023-07-11</a:t>
+              <a:t>2023-08-08</a:t>
             </a:fld>
             <a:endParaRPr lang="ko-KR" altLang="en-US"/>
           </a:p>
@@ -2087,7 +2087,7 @@
           <a:p>
             <a:fld id="{11147D0B-5089-4B30-A7F9-0E274C569803}" type="datetimeFigureOut">
               <a:rPr lang="ko-KR" altLang="en-US" smtClean="0"/>
-              <a:t>2023-07-11</a:t>
+              <a:t>2023-08-08</a:t>
             </a:fld>
             <a:endParaRPr lang="ko-KR" altLang="en-US"/>
           </a:p>
@@ -2398,7 +2398,7 @@
           <a:p>
             <a:fld id="{11147D0B-5089-4B30-A7F9-0E274C569803}" type="datetimeFigureOut">
               <a:rPr lang="ko-KR" altLang="en-US" smtClean="0"/>
-              <a:t>2023-07-11</a:t>
+              <a:t>2023-08-08</a:t>
             </a:fld>
             <a:endParaRPr lang="ko-KR" altLang="en-US"/>
           </a:p>
@@ -2686,7 +2686,7 @@
           <a:p>
             <a:fld id="{11147D0B-5089-4B30-A7F9-0E274C569803}" type="datetimeFigureOut">
               <a:rPr lang="ko-KR" altLang="en-US" smtClean="0"/>
-              <a:t>2023-07-11</a:t>
+              <a:t>2023-08-08</a:t>
             </a:fld>
             <a:endParaRPr lang="ko-KR" altLang="en-US"/>
           </a:p>
@@ -2927,7 +2927,7 @@
           <a:p>
             <a:fld id="{11147D0B-5089-4B30-A7F9-0E274C569803}" type="datetimeFigureOut">
               <a:rPr lang="ko-KR" altLang="en-US" smtClean="0"/>
-              <a:t>2023-07-11</a:t>
+              <a:t>2023-08-08</a:t>
             </a:fld>
             <a:endParaRPr lang="ko-KR" altLang="en-US"/>
           </a:p>
@@ -4474,7 +4474,7 @@
         <p:spPr>
           <a:xfrm>
             <a:off x="838200" y="2301767"/>
-            <a:ext cx="9645870" cy="5024773"/>
+            <a:ext cx="9645870" cy="4609275"/>
           </a:xfrm>
           <a:prstGeom prst="rect">
             <a:avLst/>
@@ -4507,33 +4507,6 @@
             <a:r>
               <a:rPr lang="ko-KR" altLang="en-US" dirty="0"/>
               <a:t>은 이 클래스를 상속받는다</a:t>
-            </a:r>
-            <a:r>
-              <a:rPr lang="en-US" altLang="ko-KR" dirty="0"/>
-              <a:t>.</a:t>
-            </a:r>
-          </a:p>
-          <a:p>
-            <a:pPr>
-              <a:lnSpc>
-                <a:spcPct val="150000"/>
-              </a:lnSpc>
-            </a:pPr>
-            <a:r>
-              <a:rPr lang="en-US" altLang="ko-KR" dirty="0"/>
-              <a:t>abstract (</a:t>
-            </a:r>
-            <a:r>
-              <a:rPr lang="ko-KR" altLang="en-US" dirty="0"/>
-              <a:t>추상 클래스</a:t>
-            </a:r>
-            <a:r>
-              <a:rPr lang="en-US" altLang="ko-KR" dirty="0"/>
-              <a:t>) </a:t>
-            </a:r>
-            <a:r>
-              <a:rPr lang="ko-KR" altLang="en-US" dirty="0"/>
-              <a:t>한정자를 사용하여 클래스를 정의한다</a:t>
             </a:r>
             <a:r>
               <a:rPr lang="en-US" altLang="ko-KR" dirty="0"/>
